--- a/sources/Leibe_Categorize_Segment.pptx
+++ b/sources/Leibe_Categorize_Segment.pptx
@@ -8,18 +8,21 @@
     <p:sldId id="256" r:id="rId2"/>
     <p:sldId id="272" r:id="rId3"/>
     <p:sldId id="257" r:id="rId4"/>
-    <p:sldId id="258" r:id="rId5"/>
-    <p:sldId id="260" r:id="rId6"/>
-    <p:sldId id="264" r:id="rId7"/>
-    <p:sldId id="261" r:id="rId8"/>
-    <p:sldId id="263" r:id="rId9"/>
-    <p:sldId id="266" r:id="rId10"/>
-    <p:sldId id="265" r:id="rId11"/>
-    <p:sldId id="267" r:id="rId12"/>
-    <p:sldId id="268" r:id="rId13"/>
-    <p:sldId id="269" r:id="rId14"/>
-    <p:sldId id="270" r:id="rId15"/>
-    <p:sldId id="262" r:id="rId16"/>
+    <p:sldId id="273" r:id="rId5"/>
+    <p:sldId id="258" r:id="rId6"/>
+    <p:sldId id="260" r:id="rId7"/>
+    <p:sldId id="264" r:id="rId8"/>
+    <p:sldId id="261" r:id="rId9"/>
+    <p:sldId id="263" r:id="rId10"/>
+    <p:sldId id="266" r:id="rId11"/>
+    <p:sldId id="265" r:id="rId12"/>
+    <p:sldId id="267" r:id="rId13"/>
+    <p:sldId id="268" r:id="rId14"/>
+    <p:sldId id="274" r:id="rId15"/>
+    <p:sldId id="275" r:id="rId16"/>
+    <p:sldId id="269" r:id="rId17"/>
+    <p:sldId id="270" r:id="rId18"/>
+    <p:sldId id="262" r:id="rId19"/>
   </p:sldIdLst>
   <p:sldSz cx="12192000" cy="6858000"/>
   <p:notesSz cx="6858000" cy="9144000"/>
@@ -257,7 +260,7 @@
           <a:p>
             <a:fld id="{B007D969-BA7D-4CE1-9356-22B0334BF009}" type="datetimeFigureOut">
               <a:rPr lang="en-US" smtClean="0"/>
-              <a:t>2/17/2016</a:t>
+              <a:t>2/18/2016</a:t>
             </a:fld>
             <a:endParaRPr lang="en-US"/>
           </a:p>
@@ -427,7 +430,7 @@
           <a:p>
             <a:fld id="{B007D969-BA7D-4CE1-9356-22B0334BF009}" type="datetimeFigureOut">
               <a:rPr lang="en-US" smtClean="0"/>
-              <a:t>2/17/2016</a:t>
+              <a:t>2/18/2016</a:t>
             </a:fld>
             <a:endParaRPr lang="en-US"/>
           </a:p>
@@ -607,7 +610,7 @@
           <a:p>
             <a:fld id="{B007D969-BA7D-4CE1-9356-22B0334BF009}" type="datetimeFigureOut">
               <a:rPr lang="en-US" smtClean="0"/>
-              <a:t>2/17/2016</a:t>
+              <a:t>2/18/2016</a:t>
             </a:fld>
             <a:endParaRPr lang="en-US"/>
           </a:p>
@@ -777,7 +780,7 @@
           <a:p>
             <a:fld id="{B007D969-BA7D-4CE1-9356-22B0334BF009}" type="datetimeFigureOut">
               <a:rPr lang="en-US" smtClean="0"/>
-              <a:t>2/17/2016</a:t>
+              <a:t>2/18/2016</a:t>
             </a:fld>
             <a:endParaRPr lang="en-US"/>
           </a:p>
@@ -1023,7 +1026,7 @@
           <a:p>
             <a:fld id="{B007D969-BA7D-4CE1-9356-22B0334BF009}" type="datetimeFigureOut">
               <a:rPr lang="en-US" smtClean="0"/>
-              <a:t>2/17/2016</a:t>
+              <a:t>2/18/2016</a:t>
             </a:fld>
             <a:endParaRPr lang="en-US"/>
           </a:p>
@@ -1255,7 +1258,7 @@
           <a:p>
             <a:fld id="{B007D969-BA7D-4CE1-9356-22B0334BF009}" type="datetimeFigureOut">
               <a:rPr lang="en-US" smtClean="0"/>
-              <a:t>2/17/2016</a:t>
+              <a:t>2/18/2016</a:t>
             </a:fld>
             <a:endParaRPr lang="en-US"/>
           </a:p>
@@ -1622,7 +1625,7 @@
           <a:p>
             <a:fld id="{B007D969-BA7D-4CE1-9356-22B0334BF009}" type="datetimeFigureOut">
               <a:rPr lang="en-US" smtClean="0"/>
-              <a:t>2/17/2016</a:t>
+              <a:t>2/18/2016</a:t>
             </a:fld>
             <a:endParaRPr lang="en-US"/>
           </a:p>
@@ -1740,7 +1743,7 @@
           <a:p>
             <a:fld id="{B007D969-BA7D-4CE1-9356-22B0334BF009}" type="datetimeFigureOut">
               <a:rPr lang="en-US" smtClean="0"/>
-              <a:t>2/17/2016</a:t>
+              <a:t>2/18/2016</a:t>
             </a:fld>
             <a:endParaRPr lang="en-US"/>
           </a:p>
@@ -1835,7 +1838,7 @@
           <a:p>
             <a:fld id="{B007D969-BA7D-4CE1-9356-22B0334BF009}" type="datetimeFigureOut">
               <a:rPr lang="en-US" smtClean="0"/>
-              <a:t>2/17/2016</a:t>
+              <a:t>2/18/2016</a:t>
             </a:fld>
             <a:endParaRPr lang="en-US"/>
           </a:p>
@@ -2112,7 +2115,7 @@
           <a:p>
             <a:fld id="{B007D969-BA7D-4CE1-9356-22B0334BF009}" type="datetimeFigureOut">
               <a:rPr lang="en-US" smtClean="0"/>
-              <a:t>2/17/2016</a:t>
+              <a:t>2/18/2016</a:t>
             </a:fld>
             <a:endParaRPr lang="en-US"/>
           </a:p>
@@ -2365,7 +2368,7 @@
           <a:p>
             <a:fld id="{B007D969-BA7D-4CE1-9356-22B0334BF009}" type="datetimeFigureOut">
               <a:rPr lang="en-US" smtClean="0"/>
-              <a:t>2/17/2016</a:t>
+              <a:t>2/18/2016</a:t>
             </a:fld>
             <a:endParaRPr lang="en-US"/>
           </a:p>
@@ -2578,7 +2581,7 @@
           <a:p>
             <a:fld id="{B007D969-BA7D-4CE1-9356-22B0334BF009}" type="datetimeFigureOut">
               <a:rPr lang="en-US" smtClean="0"/>
-              <a:t>2/17/2016</a:t>
+              <a:t>2/18/2016</a:t>
             </a:fld>
             <a:endParaRPr lang="en-US"/>
           </a:p>
@@ -3504,11 +3507,7 @@
             </a:r>
             <a:r>
               <a:rPr lang="en-US" sz="1200" dirty="0" smtClean="0"/>
-              <a:t> et al. Interleaved Object Categorization and </a:t>
-            </a:r>
-            <a:r>
-              <a:rPr lang="en-US" sz="1200" dirty="0" smtClean="0"/>
-              <a:t>Segmentation</a:t>
+              <a:t> et al. Interleaved Object Categorization and Segmentation</a:t>
             </a:r>
           </a:p>
           <a:p>
@@ -3577,6 +3576,30 @@
           <a:chExt cx="0" cy="0"/>
         </a:xfrm>
       </p:grpSpPr>
+      <p:pic>
+        <p:nvPicPr>
+          <p:cNvPr id="25" name="Picture 24"/>
+          <p:cNvPicPr>
+            <a:picLocks noChangeAspect="1"/>
+          </p:cNvPicPr>
+          <p:nvPr/>
+        </p:nvPicPr>
+        <p:blipFill>
+          <a:blip r:embed="rId2"/>
+          <a:stretch>
+            <a:fillRect/>
+          </a:stretch>
+        </p:blipFill>
+        <p:spPr>
+          <a:xfrm>
+            <a:off x="2991601" y="4469648"/>
+            <a:ext cx="2708513" cy="2404185"/>
+          </a:xfrm>
+          <a:prstGeom prst="rect">
+            <a:avLst/>
+          </a:prstGeom>
+        </p:spPr>
+      </p:pic>
       <p:sp>
         <p:nvSpPr>
           <p:cNvPr id="2" name="Title 1"/>
@@ -3594,15 +3617,7 @@
           <a:p>
             <a:r>
               <a:rPr lang="en-US" dirty="0" smtClean="0"/>
-              <a:t>Mean-shift Mode estimation for maxima in </a:t>
-            </a:r>
-            <a:r>
-              <a:rPr lang="en-US" i="1" dirty="0" smtClean="0"/>
-              <a:t>continuous</a:t>
-            </a:r>
-            <a:r>
-              <a:rPr lang="en-US" dirty="0" smtClean="0"/>
-              <a:t> voting space</a:t>
+              <a:t>Generalized Hough Transform / patch voting</a:t>
             </a:r>
             <a:endParaRPr lang="en-US" dirty="0"/>
           </a:p>
@@ -3621,7 +3636,7 @@
         <p:spPr>
           <a:xfrm>
             <a:off x="838200" y="1825625"/>
-            <a:ext cx="11256264" cy="4351338"/>
+            <a:ext cx="11353800" cy="4351338"/>
           </a:xfrm>
         </p:spPr>
         <p:txBody>
@@ -3630,40 +3645,66 @@
           <a:p>
             <a:r>
               <a:rPr lang="en-US" dirty="0" smtClean="0"/>
-              <a:t>The object centers would concentrate at valid hypothesized object centers. </a:t>
-            </a:r>
-          </a:p>
-          <a:p>
-            <a:r>
-              <a:rPr lang="en-US" dirty="0" smtClean="0"/>
-              <a:t>Mean-shift mode estimation - non-parametric way of finding mode(s) of the probability density function </a:t>
-            </a:r>
-            <a:r>
-              <a:rPr lang="en-US" dirty="0" smtClean="0"/>
-              <a:t>from discrete samples.</a:t>
-            </a:r>
-            <a:endParaRPr lang="en-US" dirty="0"/>
+              <a:t>Implicit Shape Model:         = {&lt;Object, x1, y1&gt;,…}. This is the same info as: </a:t>
+            </a:r>
+          </a:p>
+          <a:p>
+            <a:endParaRPr lang="en-US" dirty="0" smtClean="0"/>
+          </a:p>
+          <a:p>
+            <a:pPr marL="0" indent="0">
+              <a:buNone/>
+            </a:pPr>
+            <a:r>
+              <a:rPr lang="en-US" dirty="0" smtClean="0"/>
+              <a:t>=                                          = </a:t>
+            </a:r>
+          </a:p>
+          <a:p>
+            <a:endParaRPr lang="en-US" sz="1800" dirty="0" smtClean="0"/>
+          </a:p>
+          <a:p>
+            <a:endParaRPr lang="en-US" sz="1800" dirty="0" smtClean="0"/>
+          </a:p>
+          <a:p>
+            <a:r>
+              <a:rPr lang="en-US" sz="1800" dirty="0" smtClean="0"/>
+              <a:t>Each matched code-book entry for each Harris detected image-patch makes votes for </a:t>
+            </a:r>
+            <a:r>
+              <a:rPr lang="en-US" sz="1800" b="1" dirty="0" smtClean="0"/>
+              <a:t>objects</a:t>
+            </a:r>
+            <a:r>
+              <a:rPr lang="en-US" sz="1800" dirty="0" smtClean="0"/>
+              <a:t> &amp; their </a:t>
+            </a:r>
+            <a:r>
+              <a:rPr lang="en-US" sz="1800" b="1" dirty="0" smtClean="0"/>
+              <a:t>centers</a:t>
+            </a:r>
+            <a:endParaRPr lang="en-US" sz="1800" dirty="0"/>
           </a:p>
         </p:txBody>
       </p:sp>
       <p:pic>
         <p:nvPicPr>
-          <p:cNvPr id="5" name="Picture 4"/>
+          <p:cNvPr id="4" name="Picture 3"/>
           <p:cNvPicPr>
             <a:picLocks noChangeAspect="1"/>
           </p:cNvPicPr>
           <p:nvPr/>
         </p:nvPicPr>
         <p:blipFill>
-          <a:blip r:embed="rId2"/>
+          <a:blip r:embed="rId3"/>
           <a:stretch>
             <a:fillRect/>
           </a:stretch>
         </p:blipFill>
         <p:spPr>
           <a:xfrm>
-            <a:off x="4319283" y="5501207"/>
-            <a:ext cx="2054847" cy="1351510"/>
+            <a:off x="4390442" y="1825625"/>
+            <a:ext cx="586912" cy="575404"/>
           </a:xfrm>
           <a:prstGeom prst="rect">
             <a:avLst/>
@@ -3679,30 +3720,6 @@
           <p:nvPr/>
         </p:nvPicPr>
         <p:blipFill>
-          <a:blip r:embed="rId3"/>
-          <a:stretch>
-            <a:fillRect/>
-          </a:stretch>
-        </p:blipFill>
-        <p:spPr>
-          <a:xfrm>
-            <a:off x="6782415" y="5283327"/>
-            <a:ext cx="2451882" cy="1496603"/>
-          </a:xfrm>
-          <a:prstGeom prst="rect">
-            <a:avLst/>
-          </a:prstGeom>
-        </p:spPr>
-      </p:pic>
-      <p:pic>
-        <p:nvPicPr>
-          <p:cNvPr id="9" name="Picture 8"/>
-          <p:cNvPicPr>
-            <a:picLocks noChangeAspect="1"/>
-          </p:cNvPicPr>
-          <p:nvPr/>
-        </p:nvPicPr>
-        <p:blipFill>
           <a:blip r:embed="rId4"/>
           <a:stretch>
             <a:fillRect/>
@@ -3710,8 +3727,8 @@
         </p:blipFill>
         <p:spPr>
           <a:xfrm>
-            <a:off x="1224915" y="3635502"/>
-            <a:ext cx="2305050" cy="1562100"/>
+            <a:off x="1392719" y="2819478"/>
+            <a:ext cx="2846061" cy="1137366"/>
           </a:xfrm>
           <a:prstGeom prst="rect">
             <a:avLst/>
@@ -3720,7 +3737,7 @@
       </p:pic>
       <p:pic>
         <p:nvPicPr>
-          <p:cNvPr id="10" name="Picture 9"/>
+          <p:cNvPr id="8" name="Picture 7"/>
           <p:cNvPicPr>
             <a:picLocks noChangeAspect="1"/>
           </p:cNvPicPr>
@@ -3734,32 +3751,164 @@
         </p:blipFill>
         <p:spPr>
           <a:xfrm>
-            <a:off x="3916680" y="3549777"/>
-            <a:ext cx="2457450" cy="1733550"/>
+            <a:off x="5552392" y="2807250"/>
+            <a:ext cx="2478049" cy="1011263"/>
           </a:xfrm>
           <a:prstGeom prst="rect">
             <a:avLst/>
           </a:prstGeom>
         </p:spPr>
       </p:pic>
+      <p:sp>
+        <p:nvSpPr>
+          <p:cNvPr id="9" name="TextBox 8"/>
+          <p:cNvSpPr txBox="1"/>
+          <p:nvPr/>
+        </p:nvSpPr>
+        <p:spPr>
+          <a:xfrm>
+            <a:off x="8142970" y="3157180"/>
+            <a:ext cx="779381" cy="261610"/>
+          </a:xfrm>
+          <a:prstGeom prst="rect">
+            <a:avLst/>
+          </a:prstGeom>
+          <a:noFill/>
+        </p:spPr>
+        <p:txBody>
+          <a:bodyPr wrap="none" rtlCol="0">
+            <a:spAutoFit/>
+          </a:bodyPr>
+          <a:lstStyle/>
+          <a:p>
+            <a:r>
+              <a:rPr lang="en-US" sz="1100" dirty="0" smtClean="0"/>
+              <a:t>Car center</a:t>
+            </a:r>
+            <a:endParaRPr lang="en-US" sz="1100" dirty="0"/>
+          </a:p>
+        </p:txBody>
+      </p:sp>
+      <p:sp>
+        <p:nvSpPr>
+          <p:cNvPr id="10" name="TextBox 9"/>
+          <p:cNvSpPr txBox="1"/>
+          <p:nvPr/>
+        </p:nvSpPr>
+        <p:spPr>
+          <a:xfrm>
+            <a:off x="5700114" y="2579083"/>
+            <a:ext cx="779381" cy="261610"/>
+          </a:xfrm>
+          <a:prstGeom prst="rect">
+            <a:avLst/>
+          </a:prstGeom>
+          <a:noFill/>
+        </p:spPr>
+        <p:txBody>
+          <a:bodyPr wrap="none" rtlCol="0">
+            <a:spAutoFit/>
+          </a:bodyPr>
+          <a:lstStyle/>
+          <a:p>
+            <a:r>
+              <a:rPr lang="en-US" sz="1100" dirty="0" smtClean="0"/>
+              <a:t>Car center</a:t>
+            </a:r>
+            <a:endParaRPr lang="en-US" sz="1100" dirty="0"/>
+          </a:p>
+        </p:txBody>
+      </p:sp>
+      <p:sp>
+        <p:nvSpPr>
+          <p:cNvPr id="11" name="TextBox 10"/>
+          <p:cNvSpPr txBox="1"/>
+          <p:nvPr/>
+        </p:nvSpPr>
+        <p:spPr>
+          <a:xfrm>
+            <a:off x="7406599" y="2629065"/>
+            <a:ext cx="779381" cy="261610"/>
+          </a:xfrm>
+          <a:prstGeom prst="rect">
+            <a:avLst/>
+          </a:prstGeom>
+          <a:noFill/>
+        </p:spPr>
+        <p:txBody>
+          <a:bodyPr wrap="none" rtlCol="0">
+            <a:spAutoFit/>
+          </a:bodyPr>
+          <a:lstStyle/>
+          <a:p>
+            <a:r>
+              <a:rPr lang="en-US" sz="1100" dirty="0" smtClean="0"/>
+              <a:t>Car center</a:t>
+            </a:r>
+            <a:endParaRPr lang="en-US" sz="1100" dirty="0"/>
+          </a:p>
+        </p:txBody>
+      </p:sp>
+      <p:sp>
+        <p:nvSpPr>
+          <p:cNvPr id="12" name="TextBox 11"/>
+          <p:cNvSpPr txBox="1"/>
+          <p:nvPr/>
+        </p:nvSpPr>
+        <p:spPr>
+          <a:xfrm>
+            <a:off x="3397741" y="2522186"/>
+            <a:ext cx="779381" cy="261610"/>
+          </a:xfrm>
+          <a:prstGeom prst="rect">
+            <a:avLst/>
+          </a:prstGeom>
+          <a:noFill/>
+        </p:spPr>
+        <p:txBody>
+          <a:bodyPr wrap="none" rtlCol="0">
+            <a:spAutoFit/>
+          </a:bodyPr>
+          <a:lstStyle/>
+          <a:p>
+            <a:r>
+              <a:rPr lang="en-US" sz="1100" dirty="0" smtClean="0"/>
+              <a:t>Car center</a:t>
+            </a:r>
+            <a:endParaRPr lang="en-US" sz="1100" dirty="0"/>
+          </a:p>
+        </p:txBody>
+      </p:sp>
       <p:pic>
         <p:nvPicPr>
-          <p:cNvPr id="11" name="Picture 10"/>
+          <p:cNvPr id="16" name="Picture 15"/>
           <p:cNvPicPr>
             <a:picLocks noChangeAspect="1"/>
           </p:cNvPicPr>
           <p:nvPr/>
         </p:nvPicPr>
         <p:blipFill>
-          <a:blip r:embed="rId6"/>
+          <a:blip r:embed="rId6">
+            <a:extLst>
+              <a:ext uri="{BEBA8EAE-BF5A-486C-A8C5-ECC9F3942E4B}">
+                <a14:imgProps xmlns:a14="http://schemas.microsoft.com/office/drawing/2010/main">
+                  <a14:imgLayer r:embed="rId7">
+                    <a14:imgEffect>
+                      <a14:backgroundRemoval t="10000" b="90000" l="10000" r="90000"/>
+                    </a14:imgEffect>
+                  </a14:imgLayer>
+                </a14:imgProps>
+              </a:ext>
+            </a:extLst>
+          </a:blip>
           <a:stretch>
             <a:fillRect/>
           </a:stretch>
         </p:blipFill>
         <p:spPr>
           <a:xfrm>
-            <a:off x="6782415" y="3711702"/>
-            <a:ext cx="2333625" cy="1571625"/>
+            <a:off x="2403630" y="5056991"/>
+            <a:ext cx="3442755" cy="1404948"/>
           </a:xfrm>
           <a:prstGeom prst="rect">
             <a:avLst/>
@@ -3768,32 +3917,288 @@
       </p:pic>
       <p:pic>
         <p:nvPicPr>
-          <p:cNvPr id="12" name="Picture 11"/>
+          <p:cNvPr id="14" name="Picture 13"/>
           <p:cNvPicPr>
             <a:picLocks noChangeAspect="1"/>
           </p:cNvPicPr>
           <p:nvPr/>
         </p:nvPicPr>
         <p:blipFill>
-          <a:blip r:embed="rId7"/>
+          <a:blip r:embed="rId8"/>
           <a:stretch>
             <a:fillRect/>
           </a:stretch>
         </p:blipFill>
         <p:spPr>
           <a:xfrm>
-            <a:off x="9411198" y="3705924"/>
-            <a:ext cx="2324100" cy="1495425"/>
+            <a:off x="3000684" y="6076059"/>
+            <a:ext cx="462159" cy="537104"/>
           </a:xfrm>
           <a:prstGeom prst="rect">
             <a:avLst/>
           </a:prstGeom>
         </p:spPr>
       </p:pic>
+      <p:cxnSp>
+        <p:nvCxnSpPr>
+          <p:cNvPr id="18" name="Straight Arrow Connector 17"/>
+          <p:cNvCxnSpPr>
+            <a:stCxn id="14" idx="3"/>
+          </p:cNvCxnSpPr>
+          <p:nvPr/>
+        </p:nvCxnSpPr>
+        <p:spPr>
+          <a:xfrm flipV="1">
+            <a:off x="3462843" y="5398990"/>
+            <a:ext cx="184314" cy="945621"/>
+          </a:xfrm>
+          <a:prstGeom prst="straightConnector1">
+            <a:avLst/>
+          </a:prstGeom>
+          <a:ln>
+            <a:tailEnd type="triangle"/>
+          </a:ln>
+        </p:spPr>
+        <p:style>
+          <a:lnRef idx="3">
+            <a:schemeClr val="accent2"/>
+          </a:lnRef>
+          <a:fillRef idx="0">
+            <a:schemeClr val="accent2"/>
+          </a:fillRef>
+          <a:effectRef idx="2">
+            <a:schemeClr val="accent2"/>
+          </a:effectRef>
+          <a:fontRef idx="minor">
+            <a:schemeClr val="tx1"/>
+          </a:fontRef>
+        </p:style>
+      </p:cxnSp>
+      <p:sp>
+        <p:nvSpPr>
+          <p:cNvPr id="21" name="TextBox 20"/>
+          <p:cNvSpPr txBox="1"/>
+          <p:nvPr/>
+        </p:nvSpPr>
+        <p:spPr>
+          <a:xfrm>
+            <a:off x="1392719" y="5110376"/>
+            <a:ext cx="1154675" cy="369332"/>
+          </a:xfrm>
+          <a:prstGeom prst="rect">
+            <a:avLst/>
+          </a:prstGeom>
+          <a:noFill/>
+        </p:spPr>
+        <p:txBody>
+          <a:bodyPr wrap="none" rtlCol="0">
+            <a:spAutoFit/>
+          </a:bodyPr>
+          <a:lstStyle/>
+          <a:p>
+            <a:r>
+              <a:rPr lang="en-US" dirty="0" smtClean="0"/>
+              <a:t>Car center</a:t>
+            </a:r>
+            <a:endParaRPr lang="en-US" dirty="0"/>
+          </a:p>
+        </p:txBody>
+      </p:sp>
+      <p:sp>
+        <p:nvSpPr>
+          <p:cNvPr id="22" name="TextBox 21"/>
+          <p:cNvSpPr txBox="1"/>
+          <p:nvPr/>
+        </p:nvSpPr>
+        <p:spPr>
+          <a:xfrm>
+            <a:off x="5224010" y="5305874"/>
+            <a:ext cx="1154675" cy="369332"/>
+          </a:xfrm>
+          <a:prstGeom prst="rect">
+            <a:avLst/>
+          </a:prstGeom>
+          <a:noFill/>
+        </p:spPr>
+        <p:txBody>
+          <a:bodyPr wrap="none" rtlCol="0">
+            <a:spAutoFit/>
+          </a:bodyPr>
+          <a:lstStyle/>
+          <a:p>
+            <a:r>
+              <a:rPr lang="en-US" dirty="0" smtClean="0"/>
+              <a:t>Car center</a:t>
+            </a:r>
+            <a:endParaRPr lang="en-US" dirty="0"/>
+          </a:p>
+        </p:txBody>
+      </p:sp>
+      <p:sp>
+        <p:nvSpPr>
+          <p:cNvPr id="23" name="TextBox 22"/>
+          <p:cNvSpPr txBox="1"/>
+          <p:nvPr/>
+        </p:nvSpPr>
+        <p:spPr>
+          <a:xfrm>
+            <a:off x="4033226" y="5319697"/>
+            <a:ext cx="1154675" cy="369332"/>
+          </a:xfrm>
+          <a:prstGeom prst="rect">
+            <a:avLst/>
+          </a:prstGeom>
+          <a:noFill/>
+        </p:spPr>
+        <p:txBody>
+          <a:bodyPr wrap="none" rtlCol="0">
+            <a:spAutoFit/>
+          </a:bodyPr>
+          <a:lstStyle/>
+          <a:p>
+            <a:r>
+              <a:rPr lang="en-US" dirty="0" smtClean="0"/>
+              <a:t>Car center</a:t>
+            </a:r>
+            <a:endParaRPr lang="en-US" dirty="0"/>
+          </a:p>
+        </p:txBody>
+      </p:sp>
+      <p:sp>
+        <p:nvSpPr>
+          <p:cNvPr id="24" name="TextBox 23"/>
+          <p:cNvSpPr txBox="1"/>
+          <p:nvPr/>
+        </p:nvSpPr>
+        <p:spPr>
+          <a:xfrm>
+            <a:off x="2988822" y="5000094"/>
+            <a:ext cx="1249958" cy="369332"/>
+          </a:xfrm>
+          <a:prstGeom prst="rect">
+            <a:avLst/>
+          </a:prstGeom>
+          <a:noFill/>
+        </p:spPr>
+        <p:txBody>
+          <a:bodyPr wrap="none" rtlCol="0">
+            <a:spAutoFit/>
+          </a:bodyPr>
+          <a:lstStyle/>
+          <a:p>
+            <a:r>
+              <a:rPr lang="en-US" dirty="0" smtClean="0"/>
+              <a:t>Cow center</a:t>
+            </a:r>
+            <a:endParaRPr lang="en-US" dirty="0"/>
+          </a:p>
+        </p:txBody>
+      </p:sp>
+      <p:cxnSp>
+        <p:nvCxnSpPr>
+          <p:cNvPr id="29" name="Straight Arrow Connector 28"/>
+          <p:cNvCxnSpPr/>
+          <p:nvPr/>
+        </p:nvCxnSpPr>
+        <p:spPr>
+          <a:xfrm flipV="1">
+            <a:off x="3462843" y="5630120"/>
+            <a:ext cx="927599" cy="300345"/>
+          </a:xfrm>
+          <a:prstGeom prst="straightConnector1">
+            <a:avLst/>
+          </a:prstGeom>
+          <a:ln>
+            <a:tailEnd type="triangle"/>
+          </a:ln>
+        </p:spPr>
+        <p:style>
+          <a:lnRef idx="3">
+            <a:schemeClr val="accent4"/>
+          </a:lnRef>
+          <a:fillRef idx="0">
+            <a:schemeClr val="accent4"/>
+          </a:fillRef>
+          <a:effectRef idx="2">
+            <a:schemeClr val="accent4"/>
+          </a:effectRef>
+          <a:fontRef idx="minor">
+            <a:schemeClr val="tx1"/>
+          </a:fontRef>
+        </p:style>
+      </p:cxnSp>
+      <p:cxnSp>
+        <p:nvCxnSpPr>
+          <p:cNvPr id="32" name="Straight Arrow Connector 31"/>
+          <p:cNvCxnSpPr/>
+          <p:nvPr/>
+        </p:nvCxnSpPr>
+        <p:spPr>
+          <a:xfrm flipV="1">
+            <a:off x="3469768" y="5611654"/>
+            <a:ext cx="2076899" cy="460050"/>
+          </a:xfrm>
+          <a:prstGeom prst="straightConnector1">
+            <a:avLst/>
+          </a:prstGeom>
+          <a:ln>
+            <a:tailEnd type="triangle"/>
+          </a:ln>
+        </p:spPr>
+        <p:style>
+          <a:lnRef idx="3">
+            <a:schemeClr val="accent4"/>
+          </a:lnRef>
+          <a:fillRef idx="0">
+            <a:schemeClr val="accent4"/>
+          </a:fillRef>
+          <a:effectRef idx="2">
+            <a:schemeClr val="accent4"/>
+          </a:effectRef>
+          <a:fontRef idx="minor">
+            <a:schemeClr val="tx1"/>
+          </a:fontRef>
+        </p:style>
+      </p:cxnSp>
+      <p:cxnSp>
+        <p:nvCxnSpPr>
+          <p:cNvPr id="35" name="Straight Arrow Connector 34"/>
+          <p:cNvCxnSpPr>
+            <a:endCxn id="21" idx="2"/>
+          </p:cNvCxnSpPr>
+          <p:nvPr/>
+        </p:nvCxnSpPr>
+        <p:spPr>
+          <a:xfrm flipH="1" flipV="1">
+            <a:off x="1970057" y="5479708"/>
+            <a:ext cx="943128" cy="420164"/>
+          </a:xfrm>
+          <a:prstGeom prst="straightConnector1">
+            <a:avLst/>
+          </a:prstGeom>
+          <a:ln>
+            <a:tailEnd type="triangle"/>
+          </a:ln>
+        </p:spPr>
+        <p:style>
+          <a:lnRef idx="3">
+            <a:schemeClr val="accent4"/>
+          </a:lnRef>
+          <a:fillRef idx="0">
+            <a:schemeClr val="accent4"/>
+          </a:fillRef>
+          <a:effectRef idx="2">
+            <a:schemeClr val="accent4"/>
+          </a:effectRef>
+          <a:fontRef idx="minor">
+            <a:schemeClr val="tx1"/>
+          </a:fontRef>
+        </p:style>
+      </p:cxnSp>
     </p:spTree>
     <p:extLst>
       <p:ext uri="{BB962C8B-B14F-4D97-AF65-F5344CB8AC3E}">
-        <p14:creationId xmlns:p14="http://schemas.microsoft.com/office/powerpoint/2010/main" val="1734775564"/>
+        <p14:creationId xmlns:p14="http://schemas.microsoft.com/office/powerpoint/2010/main" val="2064220409"/>
       </p:ext>
     </p:extLst>
   </p:cSld>
@@ -3837,7 +4242,15 @@
           <a:p>
             <a:r>
               <a:rPr lang="en-US" dirty="0" smtClean="0"/>
-              <a:t>Probabilistic Interpretation of the voting scheme</a:t>
+              <a:t>Mean-shift Mode estimation for maxima in </a:t>
+            </a:r>
+            <a:r>
+              <a:rPr lang="en-US" i="1" dirty="0" smtClean="0"/>
+              <a:t>continuous</a:t>
+            </a:r>
+            <a:r>
+              <a:rPr lang="en-US" dirty="0" smtClean="0"/>
+              <a:t> voting space</a:t>
             </a:r>
             <a:endParaRPr lang="en-US" dirty="0"/>
           </a:p>
@@ -3855,115 +4268,25 @@
         </p:nvSpPr>
         <p:spPr>
           <a:xfrm>
-            <a:off x="838200" y="1825624"/>
-            <a:ext cx="11122152" cy="4873349"/>
-          </a:xfrm>
-        </p:spPr>
-        <p:txBody>
-          <a:bodyPr>
-            <a:normAutofit fontScale="92500" lnSpcReduction="10000"/>
-          </a:bodyPr>
-          <a:lstStyle/>
-          <a:p>
-            <a:r>
-              <a:rPr lang="en-US" dirty="0" smtClean="0"/>
-              <a:t>Given an image patch e, at location </a:t>
-            </a:r>
-            <a:r>
-              <a:rPr lang="en-US" dirty="0" smtClean="0">
-                <a:latin typeface="Brush Script MT" panose="03060802040406070304" pitchFamily="66" charset="0"/>
-              </a:rPr>
-              <a:t>l</a:t>
-            </a:r>
-            <a:r>
-              <a:rPr lang="en-US" dirty="0" smtClean="0"/>
-              <a:t>, it activates a set {I</a:t>
-            </a:r>
-            <a:r>
-              <a:rPr lang="en-US" baseline="-25000" dirty="0" smtClean="0"/>
-              <a:t>i</a:t>
-            </a:r>
-            <a:r>
-              <a:rPr lang="en-US" dirty="0" smtClean="0"/>
-              <a:t>} of code-book entries. The contribution of each entry will be weighted by p(</a:t>
-            </a:r>
-            <a:r>
-              <a:rPr lang="en-US" dirty="0" err="1" smtClean="0"/>
-              <a:t>I</a:t>
-            </a:r>
-            <a:r>
-              <a:rPr lang="en-US" baseline="-25000" dirty="0" err="1" smtClean="0"/>
-              <a:t>i</a:t>
-            </a:r>
-            <a:r>
-              <a:rPr lang="en-US" dirty="0" err="1" smtClean="0"/>
-              <a:t>|e,</a:t>
-            </a:r>
-            <a:r>
-              <a:rPr lang="en-US" dirty="0" err="1" smtClean="0">
-                <a:latin typeface="Brush Script MT" panose="03060802040406070304" pitchFamily="66" charset="0"/>
-              </a:rPr>
-              <a:t>l</a:t>
-            </a:r>
-            <a:r>
-              <a:rPr lang="en-US" dirty="0" smtClean="0"/>
-              <a:t>).</a:t>
-            </a:r>
-          </a:p>
-          <a:p>
-            <a:r>
-              <a:rPr lang="en-US" dirty="0" smtClean="0"/>
-              <a:t>An activated entry casts its vote for its object o</a:t>
-            </a:r>
-            <a:r>
-              <a:rPr lang="en-US" baseline="-25000" dirty="0" smtClean="0"/>
-              <a:t>n </a:t>
-            </a:r>
-            <a:r>
-              <a:rPr lang="en-US" dirty="0" smtClean="0"/>
-              <a:t>at multiple positions x.</a:t>
-            </a:r>
-          </a:p>
-          <a:p>
+            <a:off x="838200" y="1825625"/>
+            <a:ext cx="11256264" cy="4351338"/>
+          </a:xfrm>
+        </p:spPr>
+        <p:txBody>
+          <a:bodyPr/>
+          <a:lstStyle/>
+          <a:p>
+            <a:r>
+              <a:rPr lang="en-US" dirty="0" smtClean="0"/>
+              <a:t>The object centers would concentrate at valid hypothesized object centers. </a:t>
+            </a:r>
+          </a:p>
+          <a:p>
+            <a:r>
+              <a:rPr lang="en-US" dirty="0" smtClean="0"/>
+              <a:t>Mean-shift mode estimation - non-parametric way of finding mode(s) of the probability density function from discrete samples.</a:t>
+            </a:r>
             <a:endParaRPr lang="en-US" dirty="0"/>
-          </a:p>
-          <a:p>
-            <a:endParaRPr lang="en-US" dirty="0" smtClean="0"/>
-          </a:p>
-          <a:p>
-            <a:endParaRPr lang="en-US" dirty="0"/>
-          </a:p>
-          <a:p>
-            <a:endParaRPr lang="en-US" dirty="0" smtClean="0"/>
-          </a:p>
-          <a:p>
-            <a:endParaRPr lang="en-US" dirty="0" smtClean="0"/>
-          </a:p>
-          <a:p>
-            <a:endParaRPr lang="en-US" dirty="0"/>
-          </a:p>
-          <a:p>
-            <a:r>
-              <a:rPr lang="en-US" dirty="0" smtClean="0"/>
-              <a:t>Mean-shift </a:t>
-            </a:r>
-            <a:r>
-              <a:rPr lang="en-US" dirty="0" smtClean="0"/>
-              <a:t>search corresponds to a </a:t>
-            </a:r>
-            <a:r>
-              <a:rPr lang="en-US" dirty="0" err="1" smtClean="0"/>
-              <a:t>Parzen</a:t>
-            </a:r>
-            <a:r>
-              <a:rPr lang="en-US" dirty="0" smtClean="0"/>
-              <a:t> window density </a:t>
-            </a:r>
-            <a:r>
-              <a:rPr lang="en-US" dirty="0" smtClean="0"/>
-              <a:t>estimate of the object center.</a:t>
-            </a:r>
-            <a:endParaRPr lang="en-US" dirty="0" smtClean="0"/>
           </a:p>
         </p:txBody>
       </p:sp>
@@ -3983,8 +4306,8 @@
         </p:blipFill>
         <p:spPr>
           <a:xfrm>
-            <a:off x="4322826" y="3255645"/>
-            <a:ext cx="4152900" cy="590550"/>
+            <a:off x="4319283" y="5501207"/>
+            <a:ext cx="2054847" cy="1351510"/>
           </a:xfrm>
           <a:prstGeom prst="rect">
             <a:avLst/>
@@ -4007,8 +4330,8 @@
         </p:blipFill>
         <p:spPr>
           <a:xfrm>
-            <a:off x="4322826" y="3846195"/>
-            <a:ext cx="4762500" cy="1314450"/>
+            <a:off x="6782415" y="5283327"/>
+            <a:ext cx="2451882" cy="1496603"/>
           </a:xfrm>
           <a:prstGeom prst="rect">
             <a:avLst/>
@@ -4017,7 +4340,7 @@
       </p:pic>
       <p:pic>
         <p:nvPicPr>
-          <p:cNvPr id="7" name="Picture 6"/>
+          <p:cNvPr id="9" name="Picture 8"/>
           <p:cNvPicPr>
             <a:picLocks noChangeAspect="1"/>
           </p:cNvPicPr>
@@ -4031,355 +4354,90 @@
         </p:blipFill>
         <p:spPr>
           <a:xfrm>
-            <a:off x="4127754" y="5043678"/>
-            <a:ext cx="4486275" cy="695325"/>
+            <a:off x="1224915" y="3635502"/>
+            <a:ext cx="2305050" cy="1562100"/>
           </a:xfrm>
           <a:prstGeom prst="rect">
             <a:avLst/>
           </a:prstGeom>
         </p:spPr>
       </p:pic>
-      <p:cxnSp>
-        <p:nvCxnSpPr>
-          <p:cNvPr id="8" name="Straight Arrow Connector 7"/>
-          <p:cNvCxnSpPr/>
-          <p:nvPr/>
-        </p:nvCxnSpPr>
-        <p:spPr>
-          <a:xfrm flipV="1">
-            <a:off x="3180522" y="3578087"/>
-            <a:ext cx="3578087" cy="526774"/>
-          </a:xfrm>
-          <a:prstGeom prst="straightConnector1">
-            <a:avLst/>
-          </a:prstGeom>
-          <a:ln>
-            <a:tailEnd type="triangle"/>
-          </a:ln>
-        </p:spPr>
-        <p:style>
-          <a:lnRef idx="1">
-            <a:schemeClr val="accent1"/>
-          </a:lnRef>
-          <a:fillRef idx="0">
-            <a:schemeClr val="accent1"/>
-          </a:fillRef>
-          <a:effectRef idx="0">
-            <a:schemeClr val="accent1"/>
-          </a:effectRef>
-          <a:fontRef idx="minor">
-            <a:schemeClr val="tx1"/>
-          </a:fontRef>
-        </p:style>
-      </p:cxnSp>
-      <p:cxnSp>
-        <p:nvCxnSpPr>
-          <p:cNvPr id="11" name="Straight Arrow Connector 10"/>
-          <p:cNvCxnSpPr/>
-          <p:nvPr/>
-        </p:nvCxnSpPr>
-        <p:spPr>
-          <a:xfrm flipH="1" flipV="1">
-            <a:off x="8179904" y="3578087"/>
-            <a:ext cx="1371601" cy="347870"/>
-          </a:xfrm>
-          <a:prstGeom prst="straightConnector1">
-            <a:avLst/>
-          </a:prstGeom>
-          <a:ln>
-            <a:tailEnd type="triangle"/>
-          </a:ln>
-        </p:spPr>
-        <p:style>
-          <a:lnRef idx="1">
-            <a:schemeClr val="accent1"/>
-          </a:lnRef>
-          <a:fillRef idx="0">
-            <a:schemeClr val="accent1"/>
-          </a:fillRef>
-          <a:effectRef idx="0">
-            <a:schemeClr val="accent1"/>
-          </a:effectRef>
-          <a:fontRef idx="minor">
-            <a:schemeClr val="tx1"/>
-          </a:fontRef>
-        </p:style>
-      </p:cxnSp>
-      <p:sp>
-        <p:nvSpPr>
-          <p:cNvPr id="16" name="TextBox 15"/>
-          <p:cNvSpPr txBox="1"/>
-          <p:nvPr/>
-        </p:nvSpPr>
-        <p:spPr>
-          <a:xfrm>
-            <a:off x="9472203" y="3737727"/>
-            <a:ext cx="2068836" cy="646331"/>
-          </a:xfrm>
-          <a:prstGeom prst="rect">
-            <a:avLst/>
-          </a:prstGeom>
-          <a:noFill/>
-        </p:spPr>
-        <p:txBody>
-          <a:bodyPr wrap="none" rtlCol="0">
-            <a:spAutoFit/>
-          </a:bodyPr>
-          <a:lstStyle/>
-          <a:p>
-            <a:r>
-              <a:rPr lang="en-US" dirty="0" smtClean="0"/>
-              <a:t>Matching is location</a:t>
-            </a:r>
-          </a:p>
-          <a:p>
-            <a:r>
-              <a:rPr lang="en-US" dirty="0" smtClean="0"/>
-              <a:t> agnostic</a:t>
-            </a:r>
-            <a:endParaRPr lang="en-US" dirty="0"/>
-          </a:p>
-        </p:txBody>
-      </p:sp>
-      <p:sp>
-        <p:nvSpPr>
-          <p:cNvPr id="17" name="TextBox 16"/>
-          <p:cNvSpPr txBox="1"/>
-          <p:nvPr/>
-        </p:nvSpPr>
-        <p:spPr>
-          <a:xfrm>
-            <a:off x="224093" y="4060892"/>
-            <a:ext cx="3394071" cy="369332"/>
-          </a:xfrm>
-          <a:prstGeom prst="rect">
-            <a:avLst/>
-          </a:prstGeom>
-          <a:noFill/>
-        </p:spPr>
-        <p:txBody>
-          <a:bodyPr wrap="none" rtlCol="0">
-            <a:spAutoFit/>
-          </a:bodyPr>
-          <a:lstStyle/>
-          <a:p>
-            <a:r>
-              <a:rPr lang="en-US" dirty="0" smtClean="0"/>
-              <a:t>Once I is known, independent of e</a:t>
-            </a:r>
-            <a:endParaRPr lang="en-US" dirty="0"/>
-          </a:p>
-        </p:txBody>
-      </p:sp>
-      <p:cxnSp>
-        <p:nvCxnSpPr>
-          <p:cNvPr id="18" name="Straight Arrow Connector 17"/>
-          <p:cNvCxnSpPr/>
-          <p:nvPr/>
-        </p:nvCxnSpPr>
-        <p:spPr>
-          <a:xfrm flipH="1" flipV="1">
-            <a:off x="8542336" y="4812775"/>
-            <a:ext cx="738062" cy="96704"/>
-          </a:xfrm>
-          <a:prstGeom prst="straightConnector1">
-            <a:avLst/>
-          </a:prstGeom>
-          <a:ln>
-            <a:tailEnd type="triangle"/>
-          </a:ln>
-        </p:spPr>
-        <p:style>
-          <a:lnRef idx="1">
-            <a:schemeClr val="accent1"/>
-          </a:lnRef>
-          <a:fillRef idx="0">
-            <a:schemeClr val="accent1"/>
-          </a:fillRef>
-          <a:effectRef idx="0">
-            <a:schemeClr val="accent1"/>
-          </a:effectRef>
-          <a:fontRef idx="minor">
-            <a:schemeClr val="tx1"/>
-          </a:fontRef>
-        </p:style>
-      </p:cxnSp>
-      <p:sp>
-        <p:nvSpPr>
-          <p:cNvPr id="20" name="TextBox 19"/>
-          <p:cNvSpPr txBox="1"/>
-          <p:nvPr/>
-        </p:nvSpPr>
-        <p:spPr>
-          <a:xfrm>
-            <a:off x="9372102" y="4460724"/>
-            <a:ext cx="2790892" cy="646331"/>
-          </a:xfrm>
-          <a:prstGeom prst="rect">
-            <a:avLst/>
-          </a:prstGeom>
-          <a:noFill/>
-        </p:spPr>
-        <p:txBody>
-          <a:bodyPr wrap="none" rtlCol="0">
-            <a:spAutoFit/>
-          </a:bodyPr>
-          <a:lstStyle/>
-          <a:p>
-            <a:r>
-              <a:rPr lang="en-US" dirty="0" smtClean="0"/>
-              <a:t>Quality of patch match with</a:t>
-            </a:r>
-          </a:p>
-          <a:p>
-            <a:r>
-              <a:rPr lang="en-US" dirty="0"/>
-              <a:t>c</a:t>
-            </a:r>
-            <a:r>
-              <a:rPr lang="en-US" dirty="0" smtClean="0"/>
-              <a:t>ode-book entry</a:t>
-            </a:r>
-            <a:endParaRPr lang="en-US" dirty="0"/>
-          </a:p>
-        </p:txBody>
-      </p:sp>
-      <p:sp>
-        <p:nvSpPr>
-          <p:cNvPr id="21" name="TextBox 20"/>
-          <p:cNvSpPr txBox="1"/>
-          <p:nvPr/>
-        </p:nvSpPr>
-        <p:spPr>
-          <a:xfrm>
-            <a:off x="3015184" y="4674346"/>
-            <a:ext cx="1270091" cy="369332"/>
-          </a:xfrm>
-          <a:prstGeom prst="rect">
-            <a:avLst/>
-          </a:prstGeom>
-          <a:noFill/>
-        </p:spPr>
-        <p:txBody>
-          <a:bodyPr wrap="none" rtlCol="0">
-            <a:spAutoFit/>
-          </a:bodyPr>
-          <a:lstStyle/>
-          <a:p>
-            <a:r>
-              <a:rPr lang="en-US" dirty="0" smtClean="0"/>
-              <a:t>Hough vote</a:t>
-            </a:r>
-            <a:endParaRPr lang="en-US" dirty="0"/>
-          </a:p>
-        </p:txBody>
-      </p:sp>
-      <p:cxnSp>
-        <p:nvCxnSpPr>
-          <p:cNvPr id="22" name="Straight Arrow Connector 21"/>
-          <p:cNvCxnSpPr/>
-          <p:nvPr/>
-        </p:nvCxnSpPr>
-        <p:spPr>
-          <a:xfrm flipV="1">
-            <a:off x="4285275" y="4723722"/>
-            <a:ext cx="1737838" cy="110652"/>
-          </a:xfrm>
-          <a:prstGeom prst="straightConnector1">
-            <a:avLst/>
-          </a:prstGeom>
-          <a:ln>
-            <a:tailEnd type="triangle"/>
-          </a:ln>
-        </p:spPr>
-        <p:style>
-          <a:lnRef idx="1">
-            <a:schemeClr val="accent1"/>
-          </a:lnRef>
-          <a:fillRef idx="0">
-            <a:schemeClr val="accent1"/>
-          </a:fillRef>
-          <a:effectRef idx="0">
-            <a:schemeClr val="accent1"/>
-          </a:effectRef>
-          <a:fontRef idx="minor">
-            <a:schemeClr val="tx1"/>
-          </a:fontRef>
-        </p:style>
-      </p:cxnSp>
-      <p:cxnSp>
-        <p:nvCxnSpPr>
-          <p:cNvPr id="27" name="Straight Arrow Connector 26"/>
-          <p:cNvCxnSpPr/>
-          <p:nvPr/>
-        </p:nvCxnSpPr>
-        <p:spPr>
-          <a:xfrm flipH="1" flipV="1">
-            <a:off x="7871791" y="4909480"/>
-            <a:ext cx="1679714" cy="634784"/>
-          </a:xfrm>
-          <a:prstGeom prst="straightConnector1">
-            <a:avLst/>
-          </a:prstGeom>
-          <a:ln>
-            <a:tailEnd type="triangle"/>
-          </a:ln>
-        </p:spPr>
-        <p:style>
-          <a:lnRef idx="1">
-            <a:schemeClr val="accent1"/>
-          </a:lnRef>
-          <a:fillRef idx="0">
-            <a:schemeClr val="accent1"/>
-          </a:fillRef>
-          <a:effectRef idx="0">
-            <a:schemeClr val="accent1"/>
-          </a:effectRef>
-          <a:fontRef idx="minor">
-            <a:schemeClr val="tx1"/>
-          </a:fontRef>
-        </p:style>
-      </p:cxnSp>
-      <p:sp>
-        <p:nvSpPr>
-          <p:cNvPr id="31" name="TextBox 30"/>
-          <p:cNvSpPr txBox="1"/>
-          <p:nvPr/>
-        </p:nvSpPr>
-        <p:spPr>
-          <a:xfrm>
-            <a:off x="9551505" y="5125275"/>
-            <a:ext cx="2723951" cy="646331"/>
-          </a:xfrm>
-          <a:prstGeom prst="rect">
-            <a:avLst/>
-          </a:prstGeom>
-          <a:noFill/>
-        </p:spPr>
-        <p:txBody>
-          <a:bodyPr wrap="none" rtlCol="0">
-            <a:spAutoFit/>
-          </a:bodyPr>
-          <a:lstStyle/>
-          <a:p>
-            <a:r>
-              <a:rPr lang="en-US" dirty="0" smtClean="0"/>
-              <a:t>Confidence code-book </a:t>
-            </a:r>
-          </a:p>
-          <a:p>
-            <a:r>
-              <a:rPr lang="en-US" dirty="0" smtClean="0"/>
-              <a:t>entry is a foreground patch</a:t>
-            </a:r>
-            <a:endParaRPr lang="en-US" dirty="0"/>
-          </a:p>
-        </p:txBody>
-      </p:sp>
+      <p:pic>
+        <p:nvPicPr>
+          <p:cNvPr id="10" name="Picture 9"/>
+          <p:cNvPicPr>
+            <a:picLocks noChangeAspect="1"/>
+          </p:cNvPicPr>
+          <p:nvPr/>
+        </p:nvPicPr>
+        <p:blipFill>
+          <a:blip r:embed="rId5"/>
+          <a:stretch>
+            <a:fillRect/>
+          </a:stretch>
+        </p:blipFill>
+        <p:spPr>
+          <a:xfrm>
+            <a:off x="3916680" y="3549777"/>
+            <a:ext cx="2457450" cy="1733550"/>
+          </a:xfrm>
+          <a:prstGeom prst="rect">
+            <a:avLst/>
+          </a:prstGeom>
+        </p:spPr>
+      </p:pic>
+      <p:pic>
+        <p:nvPicPr>
+          <p:cNvPr id="11" name="Picture 10"/>
+          <p:cNvPicPr>
+            <a:picLocks noChangeAspect="1"/>
+          </p:cNvPicPr>
+          <p:nvPr/>
+        </p:nvPicPr>
+        <p:blipFill>
+          <a:blip r:embed="rId6"/>
+          <a:stretch>
+            <a:fillRect/>
+          </a:stretch>
+        </p:blipFill>
+        <p:spPr>
+          <a:xfrm>
+            <a:off x="6782415" y="3711702"/>
+            <a:ext cx="2333625" cy="1571625"/>
+          </a:xfrm>
+          <a:prstGeom prst="rect">
+            <a:avLst/>
+          </a:prstGeom>
+        </p:spPr>
+      </p:pic>
+      <p:pic>
+        <p:nvPicPr>
+          <p:cNvPr id="12" name="Picture 11"/>
+          <p:cNvPicPr>
+            <a:picLocks noChangeAspect="1"/>
+          </p:cNvPicPr>
+          <p:nvPr/>
+        </p:nvPicPr>
+        <p:blipFill>
+          <a:blip r:embed="rId7"/>
+          <a:stretch>
+            <a:fillRect/>
+          </a:stretch>
+        </p:blipFill>
+        <p:spPr>
+          <a:xfrm>
+            <a:off x="9411198" y="3705924"/>
+            <a:ext cx="2324100" cy="1495425"/>
+          </a:xfrm>
+          <a:prstGeom prst="rect">
+            <a:avLst/>
+          </a:prstGeom>
+        </p:spPr>
+      </p:pic>
     </p:spTree>
     <p:extLst>
       <p:ext uri="{BB962C8B-B14F-4D97-AF65-F5344CB8AC3E}">
-        <p14:creationId xmlns:p14="http://schemas.microsoft.com/office/powerpoint/2010/main" val="3890224926"/>
+        <p14:creationId xmlns:p14="http://schemas.microsoft.com/office/powerpoint/2010/main" val="1734775564"/>
       </p:ext>
     </p:extLst>
   </p:cSld>
@@ -4423,35 +4481,7 @@
           <a:p>
             <a:r>
               <a:rPr lang="en-US" dirty="0" smtClean="0"/>
-              <a:t>Object </a:t>
-            </a:r>
-            <a:r>
-              <a:rPr lang="en-US" dirty="0" smtClean="0"/>
-              <a:t>Segmentation </a:t>
-            </a:r>
-            <a:r>
-              <a:rPr lang="en-US" dirty="0"/>
-              <a:t>– </a:t>
-            </a:r>
-            <a:r>
-              <a:rPr lang="en-US" dirty="0" smtClean="0"/>
-              <a:t>Per </a:t>
-            </a:r>
-            <a:r>
-              <a:rPr lang="en-US" dirty="0"/>
-              <a:t>pixel </a:t>
-            </a:r>
-            <a:r>
-              <a:rPr lang="en-US" dirty="0" smtClean="0"/>
-              <a:t>foreground </a:t>
-            </a:r>
-            <a:r>
-              <a:rPr lang="en-US" dirty="0"/>
-              <a:t>/ </a:t>
-            </a:r>
-            <a:r>
-              <a:rPr lang="en-US" dirty="0" smtClean="0"/>
-              <a:t>background estimates</a:t>
+              <a:t>Probabilistic Interpretation of the voting scheme</a:t>
             </a:r>
             <a:endParaRPr lang="en-US" dirty="0"/>
           </a:p>
@@ -4467,36 +4497,515 @@
             <p:ph idx="1"/>
           </p:nvPr>
         </p:nvSpPr>
-        <p:spPr/>
-        <p:txBody>
-          <a:bodyPr/>
-          <a:lstStyle/>
-          <a:p>
-            <a:r>
-              <a:rPr lang="en-US" dirty="0" smtClean="0"/>
-              <a:t>From the voting – Hypothesis - p(o</a:t>
+        <p:spPr>
+          <a:xfrm>
+            <a:off x="838200" y="1825624"/>
+            <a:ext cx="11122152" cy="4873349"/>
+          </a:xfrm>
+        </p:spPr>
+        <p:txBody>
+          <a:bodyPr>
+            <a:normAutofit fontScale="92500" lnSpcReduction="10000"/>
+          </a:bodyPr>
+          <a:lstStyle/>
+          <a:p>
+            <a:r>
+              <a:rPr lang="en-US" dirty="0" smtClean="0"/>
+              <a:t>Given an image patch e, at location </a:t>
+            </a:r>
+            <a:r>
+              <a:rPr lang="en-US" dirty="0" smtClean="0">
+                <a:latin typeface="Brush Script MT" panose="03060802040406070304" pitchFamily="66" charset="0"/>
+              </a:rPr>
+              <a:t>l</a:t>
+            </a:r>
+            <a:r>
+              <a:rPr lang="en-US" dirty="0" smtClean="0"/>
+              <a:t>, it activates a set {I</a:t>
             </a:r>
             <a:r>
               <a:rPr lang="en-US" baseline="-25000" dirty="0" smtClean="0"/>
-              <a:t>n</a:t>
-            </a:r>
-            <a:r>
-              <a:rPr lang="en-US" dirty="0" smtClean="0"/>
-              <a:t>, x). </a:t>
-            </a:r>
-          </a:p>
-          <a:p>
-            <a:r>
-              <a:rPr lang="en-US" dirty="0" smtClean="0"/>
-              <a:t>Want p(p = figure | o</a:t>
+              <a:t>i</a:t>
+            </a:r>
+            <a:r>
+              <a:rPr lang="en-US" dirty="0" smtClean="0"/>
+              <a:t>} of code-book entries. The contribution of each entry will be weighted by p(</a:t>
+            </a:r>
+            <a:r>
+              <a:rPr lang="en-US" dirty="0" err="1" smtClean="0"/>
+              <a:t>I</a:t>
+            </a:r>
+            <a:r>
+              <a:rPr lang="en-US" baseline="-25000" dirty="0" err="1" smtClean="0"/>
+              <a:t>i</a:t>
+            </a:r>
+            <a:r>
+              <a:rPr lang="en-US" dirty="0" err="1" smtClean="0"/>
+              <a:t>|e,</a:t>
+            </a:r>
+            <a:r>
+              <a:rPr lang="en-US" dirty="0" err="1" smtClean="0">
+                <a:latin typeface="Brush Script MT" panose="03060802040406070304" pitchFamily="66" charset="0"/>
+              </a:rPr>
+              <a:t>l</a:t>
+            </a:r>
+            <a:r>
+              <a:rPr lang="en-US" dirty="0" smtClean="0"/>
+              <a:t>).</a:t>
+            </a:r>
+          </a:p>
+          <a:p>
+            <a:r>
+              <a:rPr lang="en-US" dirty="0" smtClean="0"/>
+              <a:t>An activated entry casts its vote for its object o</a:t>
             </a:r>
             <a:r>
               <a:rPr lang="en-US" baseline="-25000" dirty="0" smtClean="0"/>
-              <a:t>n</a:t>
-            </a:r>
-            <a:r>
-              <a:rPr lang="en-US" dirty="0" smtClean="0"/>
-              <a:t>, x) for each pixel p.</a:t>
+              <a:t>n </a:t>
+            </a:r>
+            <a:r>
+              <a:rPr lang="en-US" dirty="0" smtClean="0"/>
+              <a:t>at multiple positions x.</a:t>
+            </a:r>
+          </a:p>
+          <a:p>
+            <a:endParaRPr lang="en-US" dirty="0"/>
+          </a:p>
+          <a:p>
+            <a:endParaRPr lang="en-US" dirty="0" smtClean="0"/>
+          </a:p>
+          <a:p>
+            <a:endParaRPr lang="en-US" dirty="0"/>
+          </a:p>
+          <a:p>
+            <a:endParaRPr lang="en-US" dirty="0" smtClean="0"/>
+          </a:p>
+          <a:p>
+            <a:endParaRPr lang="en-US" dirty="0" smtClean="0"/>
+          </a:p>
+          <a:p>
+            <a:endParaRPr lang="en-US" dirty="0"/>
+          </a:p>
+          <a:p>
+            <a:r>
+              <a:rPr lang="en-US" dirty="0" smtClean="0"/>
+              <a:t>Mean-shift search corresponds to a </a:t>
+            </a:r>
+            <a:r>
+              <a:rPr lang="en-US" dirty="0" err="1" smtClean="0"/>
+              <a:t>Parzen</a:t>
+            </a:r>
+            <a:r>
+              <a:rPr lang="en-US" dirty="0" smtClean="0"/>
+              <a:t> window density estimate of the object center.</a:t>
+            </a:r>
+          </a:p>
+        </p:txBody>
+      </p:sp>
+      <p:pic>
+        <p:nvPicPr>
+          <p:cNvPr id="5" name="Picture 4"/>
+          <p:cNvPicPr>
+            <a:picLocks noChangeAspect="1"/>
+          </p:cNvPicPr>
+          <p:nvPr/>
+        </p:nvPicPr>
+        <p:blipFill>
+          <a:blip r:embed="rId2"/>
+          <a:stretch>
+            <a:fillRect/>
+          </a:stretch>
+        </p:blipFill>
+        <p:spPr>
+          <a:xfrm>
+            <a:off x="4322826" y="3255645"/>
+            <a:ext cx="4152900" cy="590550"/>
+          </a:xfrm>
+          <a:prstGeom prst="rect">
+            <a:avLst/>
+          </a:prstGeom>
+        </p:spPr>
+      </p:pic>
+      <p:pic>
+        <p:nvPicPr>
+          <p:cNvPr id="6" name="Picture 5"/>
+          <p:cNvPicPr>
+            <a:picLocks noChangeAspect="1"/>
+          </p:cNvPicPr>
+          <p:nvPr/>
+        </p:nvPicPr>
+        <p:blipFill>
+          <a:blip r:embed="rId3"/>
+          <a:stretch>
+            <a:fillRect/>
+          </a:stretch>
+        </p:blipFill>
+        <p:spPr>
+          <a:xfrm>
+            <a:off x="4322826" y="3846195"/>
+            <a:ext cx="4762500" cy="1314450"/>
+          </a:xfrm>
+          <a:prstGeom prst="rect">
+            <a:avLst/>
+          </a:prstGeom>
+        </p:spPr>
+      </p:pic>
+      <p:pic>
+        <p:nvPicPr>
+          <p:cNvPr id="7" name="Picture 6"/>
+          <p:cNvPicPr>
+            <a:picLocks noChangeAspect="1"/>
+          </p:cNvPicPr>
+          <p:nvPr/>
+        </p:nvPicPr>
+        <p:blipFill>
+          <a:blip r:embed="rId4"/>
+          <a:stretch>
+            <a:fillRect/>
+          </a:stretch>
+        </p:blipFill>
+        <p:spPr>
+          <a:xfrm>
+            <a:off x="4127754" y="5043678"/>
+            <a:ext cx="4486275" cy="695325"/>
+          </a:xfrm>
+          <a:prstGeom prst="rect">
+            <a:avLst/>
+          </a:prstGeom>
+        </p:spPr>
+      </p:pic>
+      <p:cxnSp>
+        <p:nvCxnSpPr>
+          <p:cNvPr id="8" name="Straight Arrow Connector 7"/>
+          <p:cNvCxnSpPr/>
+          <p:nvPr/>
+        </p:nvCxnSpPr>
+        <p:spPr>
+          <a:xfrm flipV="1">
+            <a:off x="3180522" y="3578087"/>
+            <a:ext cx="3578087" cy="526774"/>
+          </a:xfrm>
+          <a:prstGeom prst="straightConnector1">
+            <a:avLst/>
+          </a:prstGeom>
+          <a:ln>
+            <a:tailEnd type="triangle"/>
+          </a:ln>
+        </p:spPr>
+        <p:style>
+          <a:lnRef idx="1">
+            <a:schemeClr val="accent1"/>
+          </a:lnRef>
+          <a:fillRef idx="0">
+            <a:schemeClr val="accent1"/>
+          </a:fillRef>
+          <a:effectRef idx="0">
+            <a:schemeClr val="accent1"/>
+          </a:effectRef>
+          <a:fontRef idx="minor">
+            <a:schemeClr val="tx1"/>
+          </a:fontRef>
+        </p:style>
+      </p:cxnSp>
+      <p:cxnSp>
+        <p:nvCxnSpPr>
+          <p:cNvPr id="11" name="Straight Arrow Connector 10"/>
+          <p:cNvCxnSpPr/>
+          <p:nvPr/>
+        </p:nvCxnSpPr>
+        <p:spPr>
+          <a:xfrm flipH="1" flipV="1">
+            <a:off x="8179904" y="3578087"/>
+            <a:ext cx="1371601" cy="347870"/>
+          </a:xfrm>
+          <a:prstGeom prst="straightConnector1">
+            <a:avLst/>
+          </a:prstGeom>
+          <a:ln>
+            <a:tailEnd type="triangle"/>
+          </a:ln>
+        </p:spPr>
+        <p:style>
+          <a:lnRef idx="1">
+            <a:schemeClr val="accent1"/>
+          </a:lnRef>
+          <a:fillRef idx="0">
+            <a:schemeClr val="accent1"/>
+          </a:fillRef>
+          <a:effectRef idx="0">
+            <a:schemeClr val="accent1"/>
+          </a:effectRef>
+          <a:fontRef idx="minor">
+            <a:schemeClr val="tx1"/>
+          </a:fontRef>
+        </p:style>
+      </p:cxnSp>
+      <p:sp>
+        <p:nvSpPr>
+          <p:cNvPr id="16" name="TextBox 15"/>
+          <p:cNvSpPr txBox="1"/>
+          <p:nvPr/>
+        </p:nvSpPr>
+        <p:spPr>
+          <a:xfrm>
+            <a:off x="9472203" y="3737727"/>
+            <a:ext cx="2068836" cy="646331"/>
+          </a:xfrm>
+          <a:prstGeom prst="rect">
+            <a:avLst/>
+          </a:prstGeom>
+          <a:noFill/>
+        </p:spPr>
+        <p:txBody>
+          <a:bodyPr wrap="none" rtlCol="0">
+            <a:spAutoFit/>
+          </a:bodyPr>
+          <a:lstStyle/>
+          <a:p>
+            <a:r>
+              <a:rPr lang="en-US" dirty="0" smtClean="0"/>
+              <a:t>Matching is location</a:t>
+            </a:r>
+          </a:p>
+          <a:p>
+            <a:r>
+              <a:rPr lang="en-US" dirty="0" smtClean="0"/>
+              <a:t> agnostic</a:t>
+            </a:r>
+            <a:endParaRPr lang="en-US" dirty="0"/>
+          </a:p>
+        </p:txBody>
+      </p:sp>
+      <p:sp>
+        <p:nvSpPr>
+          <p:cNvPr id="17" name="TextBox 16"/>
+          <p:cNvSpPr txBox="1"/>
+          <p:nvPr/>
+        </p:nvSpPr>
+        <p:spPr>
+          <a:xfrm>
+            <a:off x="224093" y="4060892"/>
+            <a:ext cx="3394071" cy="369332"/>
+          </a:xfrm>
+          <a:prstGeom prst="rect">
+            <a:avLst/>
+          </a:prstGeom>
+          <a:noFill/>
+        </p:spPr>
+        <p:txBody>
+          <a:bodyPr wrap="none" rtlCol="0">
+            <a:spAutoFit/>
+          </a:bodyPr>
+          <a:lstStyle/>
+          <a:p>
+            <a:r>
+              <a:rPr lang="en-US" dirty="0" smtClean="0"/>
+              <a:t>Once I is known, independent of e</a:t>
+            </a:r>
+            <a:endParaRPr lang="en-US" dirty="0"/>
+          </a:p>
+        </p:txBody>
+      </p:sp>
+      <p:cxnSp>
+        <p:nvCxnSpPr>
+          <p:cNvPr id="18" name="Straight Arrow Connector 17"/>
+          <p:cNvCxnSpPr/>
+          <p:nvPr/>
+        </p:nvCxnSpPr>
+        <p:spPr>
+          <a:xfrm flipH="1" flipV="1">
+            <a:off x="8542336" y="4812775"/>
+            <a:ext cx="738062" cy="96704"/>
+          </a:xfrm>
+          <a:prstGeom prst="straightConnector1">
+            <a:avLst/>
+          </a:prstGeom>
+          <a:ln>
+            <a:tailEnd type="triangle"/>
+          </a:ln>
+        </p:spPr>
+        <p:style>
+          <a:lnRef idx="1">
+            <a:schemeClr val="accent1"/>
+          </a:lnRef>
+          <a:fillRef idx="0">
+            <a:schemeClr val="accent1"/>
+          </a:fillRef>
+          <a:effectRef idx="0">
+            <a:schemeClr val="accent1"/>
+          </a:effectRef>
+          <a:fontRef idx="minor">
+            <a:schemeClr val="tx1"/>
+          </a:fontRef>
+        </p:style>
+      </p:cxnSp>
+      <p:sp>
+        <p:nvSpPr>
+          <p:cNvPr id="20" name="TextBox 19"/>
+          <p:cNvSpPr txBox="1"/>
+          <p:nvPr/>
+        </p:nvSpPr>
+        <p:spPr>
+          <a:xfrm>
+            <a:off x="9372102" y="4460724"/>
+            <a:ext cx="2790892" cy="646331"/>
+          </a:xfrm>
+          <a:prstGeom prst="rect">
+            <a:avLst/>
+          </a:prstGeom>
+          <a:noFill/>
+        </p:spPr>
+        <p:txBody>
+          <a:bodyPr wrap="none" rtlCol="0">
+            <a:spAutoFit/>
+          </a:bodyPr>
+          <a:lstStyle/>
+          <a:p>
+            <a:r>
+              <a:rPr lang="en-US" dirty="0" smtClean="0"/>
+              <a:t>Quality of patch match with</a:t>
+            </a:r>
+          </a:p>
+          <a:p>
+            <a:r>
+              <a:rPr lang="en-US" dirty="0"/>
+              <a:t>c</a:t>
+            </a:r>
+            <a:r>
+              <a:rPr lang="en-US" dirty="0" smtClean="0"/>
+              <a:t>ode-book entry</a:t>
+            </a:r>
+            <a:endParaRPr lang="en-US" dirty="0"/>
+          </a:p>
+        </p:txBody>
+      </p:sp>
+      <p:sp>
+        <p:nvSpPr>
+          <p:cNvPr id="21" name="TextBox 20"/>
+          <p:cNvSpPr txBox="1"/>
+          <p:nvPr/>
+        </p:nvSpPr>
+        <p:spPr>
+          <a:xfrm>
+            <a:off x="3015184" y="4674346"/>
+            <a:ext cx="1270091" cy="369332"/>
+          </a:xfrm>
+          <a:prstGeom prst="rect">
+            <a:avLst/>
+          </a:prstGeom>
+          <a:noFill/>
+        </p:spPr>
+        <p:txBody>
+          <a:bodyPr wrap="none" rtlCol="0">
+            <a:spAutoFit/>
+          </a:bodyPr>
+          <a:lstStyle/>
+          <a:p>
+            <a:r>
+              <a:rPr lang="en-US" dirty="0" smtClean="0"/>
+              <a:t>Hough vote</a:t>
+            </a:r>
+            <a:endParaRPr lang="en-US" dirty="0"/>
+          </a:p>
+        </p:txBody>
+      </p:sp>
+      <p:cxnSp>
+        <p:nvCxnSpPr>
+          <p:cNvPr id="22" name="Straight Arrow Connector 21"/>
+          <p:cNvCxnSpPr/>
+          <p:nvPr/>
+        </p:nvCxnSpPr>
+        <p:spPr>
+          <a:xfrm flipV="1">
+            <a:off x="4285275" y="4723722"/>
+            <a:ext cx="1737838" cy="110652"/>
+          </a:xfrm>
+          <a:prstGeom prst="straightConnector1">
+            <a:avLst/>
+          </a:prstGeom>
+          <a:ln>
+            <a:tailEnd type="triangle"/>
+          </a:ln>
+        </p:spPr>
+        <p:style>
+          <a:lnRef idx="1">
+            <a:schemeClr val="accent1"/>
+          </a:lnRef>
+          <a:fillRef idx="0">
+            <a:schemeClr val="accent1"/>
+          </a:fillRef>
+          <a:effectRef idx="0">
+            <a:schemeClr val="accent1"/>
+          </a:effectRef>
+          <a:fontRef idx="minor">
+            <a:schemeClr val="tx1"/>
+          </a:fontRef>
+        </p:style>
+      </p:cxnSp>
+      <p:cxnSp>
+        <p:nvCxnSpPr>
+          <p:cNvPr id="27" name="Straight Arrow Connector 26"/>
+          <p:cNvCxnSpPr/>
+          <p:nvPr/>
+        </p:nvCxnSpPr>
+        <p:spPr>
+          <a:xfrm flipH="1" flipV="1">
+            <a:off x="7871791" y="4909480"/>
+            <a:ext cx="1679714" cy="634784"/>
+          </a:xfrm>
+          <a:prstGeom prst="straightConnector1">
+            <a:avLst/>
+          </a:prstGeom>
+          <a:ln>
+            <a:tailEnd type="triangle"/>
+          </a:ln>
+        </p:spPr>
+        <p:style>
+          <a:lnRef idx="1">
+            <a:schemeClr val="accent1"/>
+          </a:lnRef>
+          <a:fillRef idx="0">
+            <a:schemeClr val="accent1"/>
+          </a:fillRef>
+          <a:effectRef idx="0">
+            <a:schemeClr val="accent1"/>
+          </a:effectRef>
+          <a:fontRef idx="minor">
+            <a:schemeClr val="tx1"/>
+          </a:fontRef>
+        </p:style>
+      </p:cxnSp>
+      <p:sp>
+        <p:nvSpPr>
+          <p:cNvPr id="31" name="TextBox 30"/>
+          <p:cNvSpPr txBox="1"/>
+          <p:nvPr/>
+        </p:nvSpPr>
+        <p:spPr>
+          <a:xfrm>
+            <a:off x="9551505" y="5125275"/>
+            <a:ext cx="2723951" cy="646331"/>
+          </a:xfrm>
+          <a:prstGeom prst="rect">
+            <a:avLst/>
+          </a:prstGeom>
+          <a:noFill/>
+        </p:spPr>
+        <p:txBody>
+          <a:bodyPr wrap="none" rtlCol="0">
+            <a:spAutoFit/>
+          </a:bodyPr>
+          <a:lstStyle/>
+          <a:p>
+            <a:r>
+              <a:rPr lang="en-US" dirty="0" smtClean="0"/>
+              <a:t>Confidence code-book </a:t>
+            </a:r>
+          </a:p>
+          <a:p>
+            <a:r>
+              <a:rPr lang="en-US" dirty="0" smtClean="0"/>
+              <a:t>entry is a foreground patch</a:t>
             </a:r>
             <a:endParaRPr lang="en-US" dirty="0"/>
           </a:p>
@@ -4505,7 +5014,7 @@
     </p:spTree>
     <p:extLst>
       <p:ext uri="{BB962C8B-B14F-4D97-AF65-F5344CB8AC3E}">
-        <p14:creationId xmlns:p14="http://schemas.microsoft.com/office/powerpoint/2010/main" val="3886725788"/>
+        <p14:creationId xmlns:p14="http://schemas.microsoft.com/office/powerpoint/2010/main" val="3890224926"/>
       </p:ext>
     </p:extLst>
   </p:cSld>
@@ -4549,11 +5058,39 @@
           <a:p>
             <a:r>
               <a:rPr lang="en-US" dirty="0" smtClean="0"/>
-              <a:t>Reducing </a:t>
-            </a:r>
-            <a:r>
-              <a:rPr lang="en-US" dirty="0" smtClean="0"/>
-              <a:t>false positives / Handling multiple objects</a:t>
+              <a:t>Category Specific o</a:t>
+            </a:r>
+            <a:r>
+              <a:rPr lang="en-US" dirty="0" smtClean="0"/>
+              <a:t>bject </a:t>
+            </a:r>
+            <a:r>
+              <a:rPr lang="en-US" dirty="0" smtClean="0"/>
+              <a:t>Segmentation </a:t>
+            </a:r>
+            <a:r>
+              <a:rPr lang="en-US" dirty="0"/>
+              <a:t>– </a:t>
+            </a:r>
+            <a:r>
+              <a:rPr lang="en-US" dirty="0" smtClean="0"/>
+              <a:t>per </a:t>
+            </a:r>
+            <a:r>
+              <a:rPr lang="en-US" dirty="0"/>
+              <a:t>pixel </a:t>
+            </a:r>
+            <a:r>
+              <a:rPr lang="en-US" dirty="0" smtClean="0"/>
+              <a:t>foreground </a:t>
+            </a:r>
+            <a:r>
+              <a:rPr lang="en-US" dirty="0"/>
+              <a:t>/ </a:t>
+            </a:r>
+            <a:r>
+              <a:rPr lang="en-US" dirty="0" smtClean="0"/>
+              <a:t>background estimates</a:t>
             </a:r>
             <a:endParaRPr lang="en-US" dirty="0"/>
           </a:p>
@@ -4561,117 +5098,141 @@
       </p:sp>
       <p:sp>
         <p:nvSpPr>
-          <p:cNvPr id="6" name="TextBox 5"/>
-          <p:cNvSpPr txBox="1"/>
-          <p:nvPr/>
-        </p:nvSpPr>
-        <p:spPr>
-          <a:xfrm>
-            <a:off x="838200" y="2067339"/>
-            <a:ext cx="10703251" cy="2862322"/>
-          </a:xfrm>
-          <a:prstGeom prst="rect">
-            <a:avLst/>
-          </a:prstGeom>
-          <a:noFill/>
-        </p:spPr>
-        <p:txBody>
-          <a:bodyPr wrap="none" rtlCol="0">
-            <a:spAutoFit/>
-          </a:bodyPr>
-          <a:lstStyle/>
-          <a:p>
-            <a:pPr marL="285750" indent="-285750">
-              <a:buFont typeface="Arial" panose="020B0604020202020204" pitchFamily="34" charset="0"/>
-              <a:buChar char="•"/>
-            </a:pPr>
-            <a:r>
-              <a:rPr lang="en-US" dirty="0" smtClean="0"/>
-              <a:t>Matching is done via local patches, with global structure enforced through voting. </a:t>
-            </a:r>
-          </a:p>
-          <a:p>
-            <a:pPr marL="285750" indent="-285750">
-              <a:buFont typeface="Arial" panose="020B0604020202020204" pitchFamily="34" charset="0"/>
-              <a:buChar char="•"/>
-            </a:pPr>
-            <a:r>
-              <a:rPr lang="en-US" dirty="0" smtClean="0"/>
-              <a:t>Large number of false positives due to secondary hypothesis</a:t>
-            </a:r>
-          </a:p>
-          <a:p>
-            <a:pPr marL="285750" indent="-285750">
-              <a:buFont typeface="Arial" panose="020B0604020202020204" pitchFamily="34" charset="0"/>
-              <a:buChar char="•"/>
-            </a:pPr>
+          <p:cNvPr id="3" name="Content Placeholder 2"/>
+          <p:cNvSpPr>
+            <a:spLocks noGrp="1"/>
+          </p:cNvSpPr>
+          <p:nvPr>
+            <p:ph idx="1"/>
+          </p:nvPr>
+        </p:nvSpPr>
+        <p:spPr/>
+        <p:txBody>
+          <a:bodyPr/>
+          <a:lstStyle/>
+          <a:p>
+            <a:r>
+              <a:rPr lang="en-US" dirty="0" smtClean="0"/>
+              <a:t>From the voting – Hypothesis - p(o</a:t>
+            </a:r>
+            <a:r>
+              <a:rPr lang="en-US" baseline="-25000" dirty="0" smtClean="0"/>
+              <a:t>n</a:t>
+            </a:r>
+            <a:r>
+              <a:rPr lang="en-US" dirty="0" smtClean="0"/>
+              <a:t>, x). </a:t>
+            </a:r>
+          </a:p>
+          <a:p>
+            <a:r>
+              <a:rPr lang="en-US" dirty="0" smtClean="0"/>
+              <a:t>Want p(p = figure | o</a:t>
+            </a:r>
+            <a:r>
+              <a:rPr lang="en-US" baseline="-25000" dirty="0" smtClean="0"/>
+              <a:t>n</a:t>
+            </a:r>
+            <a:r>
+              <a:rPr lang="en-US" dirty="0" smtClean="0"/>
+              <a:t>, x) for each pixel </a:t>
+            </a:r>
+            <a:r>
+              <a:rPr lang="en-US" dirty="0" smtClean="0"/>
+              <a:t>p</a:t>
+            </a:r>
+            <a:r>
+              <a:rPr lang="en-US" dirty="0" smtClean="0"/>
+              <a:t>, given a hypothesis – </a:t>
+            </a:r>
+            <a:r>
+              <a:rPr lang="en-US" i="1" dirty="0" smtClean="0"/>
+              <a:t>category specific.</a:t>
+            </a:r>
+            <a:endParaRPr lang="en-US" i="1" dirty="0" smtClean="0"/>
+          </a:p>
+          <a:p>
+            <a:r>
+              <a:rPr lang="en-US" dirty="0" smtClean="0"/>
+              <a:t>Each patch detected in training images has a p(figure) segmentation mask. Each code-book entry stores mask of matched patch as well along with its location in the object. Gives p(p =</a:t>
+            </a:r>
+            <a:r>
+              <a:rPr lang="en-US" dirty="0" err="1" smtClean="0"/>
+              <a:t>figure|o</a:t>
+            </a:r>
+            <a:r>
+              <a:rPr lang="en-US" baseline="-25000" dirty="0" err="1" smtClean="0"/>
+              <a:t>n</a:t>
+            </a:r>
+            <a:r>
+              <a:rPr lang="en-US" dirty="0" err="1" smtClean="0"/>
+              <a:t>,x,I,</a:t>
+            </a:r>
+            <a:r>
+              <a:rPr lang="en-US" dirty="0" err="1" smtClean="0">
+                <a:latin typeface="Brush Script MT" panose="03060802040406070304" pitchFamily="66" charset="0"/>
+              </a:rPr>
+              <a:t>l</a:t>
+            </a:r>
+            <a:r>
+              <a:rPr lang="en-US" dirty="0" smtClean="0"/>
+              <a:t>)</a:t>
+            </a:r>
+          </a:p>
+          <a:p>
             <a:endParaRPr lang="en-US" dirty="0"/>
           </a:p>
           <a:p>
-            <a:pPr marL="285750" indent="-285750">
-              <a:buFont typeface="Arial" panose="020B0604020202020204" pitchFamily="34" charset="0"/>
-              <a:buChar char="•"/>
-            </a:pPr>
             <a:endParaRPr lang="en-US" dirty="0" smtClean="0"/>
           </a:p>
           <a:p>
-            <a:pPr marL="285750" indent="-285750">
-              <a:buFont typeface="Arial" panose="020B0604020202020204" pitchFamily="34" charset="0"/>
-              <a:buChar char="•"/>
-            </a:pPr>
             <a:endParaRPr lang="en-US" dirty="0"/>
           </a:p>
-          <a:p>
-            <a:pPr marL="285750" indent="-285750">
-              <a:buFont typeface="Arial" panose="020B0604020202020204" pitchFamily="34" charset="0"/>
-              <a:buChar char="•"/>
-            </a:pPr>
-            <a:endParaRPr lang="en-US" dirty="0" smtClean="0"/>
-          </a:p>
-          <a:p>
-            <a:pPr marL="285750" indent="-285750">
-              <a:buFont typeface="Arial" panose="020B0604020202020204" pitchFamily="34" charset="0"/>
-              <a:buChar char="•"/>
-            </a:pPr>
-            <a:endParaRPr lang="en-US" dirty="0"/>
-          </a:p>
-          <a:p>
-            <a:pPr marL="285750" indent="-285750">
-              <a:buFont typeface="Arial" panose="020B0604020202020204" pitchFamily="34" charset="0"/>
-              <a:buChar char="•"/>
-            </a:pPr>
-            <a:endParaRPr lang="en-US" dirty="0" smtClean="0"/>
-          </a:p>
-          <a:p>
-            <a:pPr marL="285750" indent="-285750">
-              <a:buFont typeface="Arial" panose="020B0604020202020204" pitchFamily="34" charset="0"/>
-              <a:buChar char="•"/>
-            </a:pPr>
-            <a:r>
-              <a:rPr lang="en-US" dirty="0" smtClean="0"/>
-              <a:t>Bounding boxes based rejection (if two hypothesis bounding boxes intersect, keep the one which is stronger) </a:t>
-            </a:r>
-          </a:p>
-          <a:p>
-            <a:pPr marL="285750" indent="-285750">
-              <a:buFont typeface="Arial" panose="020B0604020202020204" pitchFamily="34" charset="0"/>
-              <a:buChar char="•"/>
-            </a:pPr>
-            <a:r>
-              <a:rPr lang="en-US" dirty="0" smtClean="0"/>
-              <a:t>solves above case. Bounding boxes may actually intersect due to occlusion. So, </a:t>
-            </a:r>
-            <a:r>
-              <a:rPr lang="en-US" dirty="0"/>
-              <a:t>local matches are desired. </a:t>
-            </a:r>
-            <a:endParaRPr lang="en-US" dirty="0" smtClean="0"/>
+        </p:txBody>
+      </p:sp>
+      <p:sp>
+        <p:nvSpPr>
+          <p:cNvPr id="4" name="Rectangle 3"/>
+          <p:cNvSpPr/>
+          <p:nvPr/>
+        </p:nvSpPr>
+        <p:spPr>
+          <a:xfrm>
+            <a:off x="3043525" y="4785361"/>
+            <a:ext cx="1216057" cy="894278"/>
+          </a:xfrm>
+          <a:prstGeom prst="rect">
+            <a:avLst/>
+          </a:prstGeom>
+        </p:spPr>
+        <p:style>
+          <a:lnRef idx="2">
+            <a:schemeClr val="accent1">
+              <a:shade val="50000"/>
+            </a:schemeClr>
+          </a:lnRef>
+          <a:fillRef idx="1">
+            <a:schemeClr val="accent1"/>
+          </a:fillRef>
+          <a:effectRef idx="0">
+            <a:schemeClr val="accent1"/>
+          </a:effectRef>
+          <a:fontRef idx="minor">
+            <a:schemeClr val="lt1"/>
+          </a:fontRef>
+        </p:style>
+        <p:txBody>
+          <a:bodyPr rtlCol="0" anchor="ctr"/>
+          <a:lstStyle/>
+          <a:p>
+            <a:pPr algn="ctr"/>
+            <a:endParaRPr lang="en-US"/>
           </a:p>
         </p:txBody>
       </p:sp>
       <p:pic>
         <p:nvPicPr>
-          <p:cNvPr id="7" name="Picture 6"/>
+          <p:cNvPr id="5" name="Picture 4"/>
           <p:cNvPicPr>
             <a:picLocks noChangeAspect="1"/>
           </p:cNvPicPr>
@@ -4685,17 +5246,51 @@
         </p:blipFill>
         <p:spPr>
           <a:xfrm>
-            <a:off x="2548144" y="2796829"/>
-            <a:ext cx="5962650" cy="1323975"/>
+            <a:off x="3129843" y="4877537"/>
+            <a:ext cx="1047750" cy="742950"/>
           </a:xfrm>
           <a:prstGeom prst="rect">
             <a:avLst/>
           </a:prstGeom>
         </p:spPr>
       </p:pic>
+      <p:sp>
+        <p:nvSpPr>
+          <p:cNvPr id="6" name="TextBox 5"/>
+          <p:cNvSpPr txBox="1"/>
+          <p:nvPr/>
+        </p:nvSpPr>
+        <p:spPr>
+          <a:xfrm>
+            <a:off x="2937328" y="5654775"/>
+            <a:ext cx="1515095" cy="369332"/>
+          </a:xfrm>
+          <a:prstGeom prst="rect">
+            <a:avLst/>
+          </a:prstGeom>
+          <a:noFill/>
+        </p:spPr>
+        <p:txBody>
+          <a:bodyPr wrap="none" rtlCol="0">
+            <a:spAutoFit/>
+          </a:bodyPr>
+          <a:lstStyle/>
+          <a:p>
+            <a:r>
+              <a:rPr lang="en-US" b="1" dirty="0" smtClean="0"/>
+              <a:t>Segmentation</a:t>
+            </a:r>
+            <a:endParaRPr lang="en-US" b="1" dirty="0">
+              <a:solidFill>
+                <a:srgbClr val="FF0000"/>
+              </a:solidFill>
+            </a:endParaRPr>
+          </a:p>
+        </p:txBody>
+      </p:sp>
       <p:pic>
         <p:nvPicPr>
-          <p:cNvPr id="9" name="Picture 8"/>
+          <p:cNvPr id="7" name="Picture 6"/>
           <p:cNvPicPr>
             <a:picLocks noChangeAspect="1"/>
           </p:cNvPicPr>
@@ -4709,18 +5304,430 @@
         </p:blipFill>
         <p:spPr>
           <a:xfrm>
-            <a:off x="2548144" y="5244763"/>
-            <a:ext cx="5924550" cy="1009650"/>
+            <a:off x="2048255" y="4790566"/>
+            <a:ext cx="889073" cy="889073"/>
           </a:xfrm>
           <a:prstGeom prst="rect">
             <a:avLst/>
           </a:prstGeom>
         </p:spPr>
       </p:pic>
+      <p:sp>
+        <p:nvSpPr>
+          <p:cNvPr id="8" name="TextBox 7"/>
+          <p:cNvSpPr txBox="1"/>
+          <p:nvPr/>
+        </p:nvSpPr>
+        <p:spPr>
+          <a:xfrm>
+            <a:off x="2077093" y="5654775"/>
+            <a:ext cx="860235" cy="369332"/>
+          </a:xfrm>
+          <a:prstGeom prst="rect">
+            <a:avLst/>
+          </a:prstGeom>
+          <a:noFill/>
+        </p:spPr>
+        <p:txBody>
+          <a:bodyPr wrap="none" rtlCol="0">
+            <a:spAutoFit/>
+          </a:bodyPr>
+          <a:lstStyle/>
+          <a:p>
+            <a:r>
+              <a:rPr lang="en-US" b="1" dirty="0" smtClean="0"/>
+              <a:t>Images</a:t>
+            </a:r>
+            <a:endParaRPr lang="en-US" b="1" dirty="0">
+              <a:solidFill>
+                <a:srgbClr val="FF0000"/>
+              </a:solidFill>
+            </a:endParaRPr>
+          </a:p>
+        </p:txBody>
+      </p:sp>
+      <p:sp>
+        <p:nvSpPr>
+          <p:cNvPr id="9" name="Rectangle 8"/>
+          <p:cNvSpPr/>
+          <p:nvPr/>
+        </p:nvSpPr>
+        <p:spPr>
+          <a:xfrm>
+            <a:off x="2676110" y="5310307"/>
+            <a:ext cx="94522" cy="169512"/>
+          </a:xfrm>
+          <a:prstGeom prst="rect">
+            <a:avLst/>
+          </a:prstGeom>
+        </p:spPr>
+        <p:style>
+          <a:lnRef idx="2">
+            <a:schemeClr val="accent2">
+              <a:shade val="50000"/>
+            </a:schemeClr>
+          </a:lnRef>
+          <a:fillRef idx="1">
+            <a:schemeClr val="accent2"/>
+          </a:fillRef>
+          <a:effectRef idx="0">
+            <a:schemeClr val="accent2"/>
+          </a:effectRef>
+          <a:fontRef idx="minor">
+            <a:schemeClr val="lt1"/>
+          </a:fontRef>
+        </p:style>
+        <p:txBody>
+          <a:bodyPr rtlCol="0" anchor="ctr"/>
+          <a:lstStyle/>
+          <a:p>
+            <a:pPr algn="ctr"/>
+            <a:r>
+              <a:rPr lang="en-US" dirty="0"/>
+              <a:t>2</a:t>
+            </a:r>
+            <a:endParaRPr lang="en-US" dirty="0"/>
+          </a:p>
+        </p:txBody>
+      </p:sp>
+      <p:sp>
+        <p:nvSpPr>
+          <p:cNvPr id="10" name="Rectangle 9"/>
+          <p:cNvSpPr/>
+          <p:nvPr/>
+        </p:nvSpPr>
+        <p:spPr>
+          <a:xfrm>
+            <a:off x="2168975" y="5281479"/>
+            <a:ext cx="94522" cy="169512"/>
+          </a:xfrm>
+          <a:prstGeom prst="rect">
+            <a:avLst/>
+          </a:prstGeom>
+        </p:spPr>
+        <p:style>
+          <a:lnRef idx="2">
+            <a:schemeClr val="accent2">
+              <a:shade val="50000"/>
+            </a:schemeClr>
+          </a:lnRef>
+          <a:fillRef idx="1">
+            <a:schemeClr val="accent2"/>
+          </a:fillRef>
+          <a:effectRef idx="0">
+            <a:schemeClr val="accent2"/>
+          </a:effectRef>
+          <a:fontRef idx="minor">
+            <a:schemeClr val="lt1"/>
+          </a:fontRef>
+        </p:style>
+        <p:txBody>
+          <a:bodyPr rtlCol="0" anchor="ctr"/>
+          <a:lstStyle/>
+          <a:p>
+            <a:pPr algn="ctr"/>
+            <a:r>
+              <a:rPr lang="en-US" dirty="0"/>
+              <a:t>1</a:t>
+            </a:r>
+            <a:endParaRPr lang="en-US" dirty="0"/>
+          </a:p>
+        </p:txBody>
+      </p:sp>
+      <p:pic>
+        <p:nvPicPr>
+          <p:cNvPr id="12" name="Picture 11"/>
+          <p:cNvPicPr>
+            <a:picLocks noChangeAspect="1"/>
+          </p:cNvPicPr>
+          <p:nvPr/>
+        </p:nvPicPr>
+        <p:blipFill>
+          <a:blip r:embed="rId4"/>
+          <a:stretch>
+            <a:fillRect/>
+          </a:stretch>
+        </p:blipFill>
+        <p:spPr>
+          <a:xfrm>
+            <a:off x="4720270" y="4628234"/>
+            <a:ext cx="742527" cy="742527"/>
+          </a:xfrm>
+          <a:prstGeom prst="rect">
+            <a:avLst/>
+          </a:prstGeom>
+        </p:spPr>
+      </p:pic>
+      <p:pic>
+        <p:nvPicPr>
+          <p:cNvPr id="13" name="Picture 12"/>
+          <p:cNvPicPr>
+            <a:picLocks noChangeAspect="1"/>
+          </p:cNvPicPr>
+          <p:nvPr/>
+        </p:nvPicPr>
+        <p:blipFill>
+          <a:blip r:embed="rId5"/>
+          <a:stretch>
+            <a:fillRect/>
+          </a:stretch>
+        </p:blipFill>
+        <p:spPr>
+          <a:xfrm>
+            <a:off x="4720270" y="5366235"/>
+            <a:ext cx="770192" cy="810728"/>
+          </a:xfrm>
+          <a:prstGeom prst="rect">
+            <a:avLst/>
+          </a:prstGeom>
+        </p:spPr>
+      </p:pic>
+      <p:cxnSp>
+        <p:nvCxnSpPr>
+          <p:cNvPr id="15" name="Straight Arrow Connector 14"/>
+          <p:cNvCxnSpPr>
+            <a:endCxn id="12" idx="1"/>
+          </p:cNvCxnSpPr>
+          <p:nvPr/>
+        </p:nvCxnSpPr>
+        <p:spPr>
+          <a:xfrm flipV="1">
+            <a:off x="4014216" y="4999498"/>
+            <a:ext cx="706054" cy="366737"/>
+          </a:xfrm>
+          <a:prstGeom prst="straightConnector1">
+            <a:avLst/>
+          </a:prstGeom>
+          <a:ln>
+            <a:tailEnd type="triangle"/>
+          </a:ln>
+        </p:spPr>
+        <p:style>
+          <a:lnRef idx="1">
+            <a:schemeClr val="accent1"/>
+          </a:lnRef>
+          <a:fillRef idx="0">
+            <a:schemeClr val="accent1"/>
+          </a:fillRef>
+          <a:effectRef idx="0">
+            <a:schemeClr val="accent1"/>
+          </a:effectRef>
+          <a:fontRef idx="minor">
+            <a:schemeClr val="tx1"/>
+          </a:fontRef>
+        </p:style>
+      </p:cxnSp>
+      <p:cxnSp>
+        <p:nvCxnSpPr>
+          <p:cNvPr id="17" name="Straight Arrow Connector 16"/>
+          <p:cNvCxnSpPr/>
+          <p:nvPr/>
+        </p:nvCxnSpPr>
+        <p:spPr>
+          <a:xfrm>
+            <a:off x="3374136" y="5366235"/>
+            <a:ext cx="1252728" cy="254252"/>
+          </a:xfrm>
+          <a:prstGeom prst="straightConnector1">
+            <a:avLst/>
+          </a:prstGeom>
+          <a:ln>
+            <a:tailEnd type="triangle"/>
+          </a:ln>
+        </p:spPr>
+        <p:style>
+          <a:lnRef idx="1">
+            <a:schemeClr val="accent1"/>
+          </a:lnRef>
+          <a:fillRef idx="0">
+            <a:schemeClr val="accent1"/>
+          </a:fillRef>
+          <a:effectRef idx="0">
+            <a:schemeClr val="accent1"/>
+          </a:effectRef>
+          <a:fontRef idx="minor">
+            <a:schemeClr val="tx1"/>
+          </a:fontRef>
+        </p:style>
+      </p:cxnSp>
+      <p:pic>
+        <p:nvPicPr>
+          <p:cNvPr id="18" name="Picture 17"/>
+          <p:cNvPicPr>
+            <a:picLocks noChangeAspect="1"/>
+          </p:cNvPicPr>
+          <p:nvPr/>
+        </p:nvPicPr>
+        <p:blipFill>
+          <a:blip r:embed="rId6"/>
+          <a:stretch>
+            <a:fillRect/>
+          </a:stretch>
+        </p:blipFill>
+        <p:spPr>
+          <a:xfrm>
+            <a:off x="6446619" y="4578081"/>
+            <a:ext cx="750216" cy="735506"/>
+          </a:xfrm>
+          <a:prstGeom prst="rect">
+            <a:avLst/>
+          </a:prstGeom>
+        </p:spPr>
+      </p:pic>
+      <p:sp>
+        <p:nvSpPr>
+          <p:cNvPr id="19" name="TextBox 18"/>
+          <p:cNvSpPr txBox="1"/>
+          <p:nvPr/>
+        </p:nvSpPr>
+        <p:spPr>
+          <a:xfrm>
+            <a:off x="7380373" y="4630165"/>
+            <a:ext cx="2387192" cy="369332"/>
+          </a:xfrm>
+          <a:prstGeom prst="rect">
+            <a:avLst/>
+          </a:prstGeom>
+          <a:noFill/>
+        </p:spPr>
+        <p:txBody>
+          <a:bodyPr wrap="none" rtlCol="0">
+            <a:spAutoFit/>
+          </a:bodyPr>
+          <a:lstStyle/>
+          <a:p>
+            <a:r>
+              <a:rPr lang="en-US" dirty="0" smtClean="0"/>
+              <a:t>={&lt;x1, y1&gt;, &lt;x2, y2</a:t>
+            </a:r>
+            <a:r>
+              <a:rPr lang="en-US" dirty="0" smtClean="0"/>
+              <a:t>&gt;,….}</a:t>
+            </a:r>
+            <a:endParaRPr lang="en-US" dirty="0"/>
+          </a:p>
+        </p:txBody>
+      </p:sp>
+      <p:pic>
+        <p:nvPicPr>
+          <p:cNvPr id="20" name="Picture 19"/>
+          <p:cNvPicPr>
+            <a:picLocks noChangeAspect="1"/>
+          </p:cNvPicPr>
+          <p:nvPr/>
+        </p:nvPicPr>
+        <p:blipFill>
+          <a:blip r:embed="rId4"/>
+          <a:stretch>
+            <a:fillRect/>
+          </a:stretch>
+        </p:blipFill>
+        <p:spPr>
+          <a:xfrm>
+            <a:off x="7688747" y="5368428"/>
+            <a:ext cx="742527" cy="742527"/>
+          </a:xfrm>
+          <a:prstGeom prst="rect">
+            <a:avLst/>
+          </a:prstGeom>
+        </p:spPr>
+      </p:pic>
+      <p:pic>
+        <p:nvPicPr>
+          <p:cNvPr id="21" name="Picture 20"/>
+          <p:cNvPicPr>
+            <a:picLocks noChangeAspect="1"/>
+          </p:cNvPicPr>
+          <p:nvPr/>
+        </p:nvPicPr>
+        <p:blipFill>
+          <a:blip r:embed="rId5"/>
+          <a:stretch>
+            <a:fillRect/>
+          </a:stretch>
+        </p:blipFill>
+        <p:spPr>
+          <a:xfrm>
+            <a:off x="8677817" y="5366235"/>
+            <a:ext cx="770192" cy="810728"/>
+          </a:xfrm>
+          <a:prstGeom prst="rect">
+            <a:avLst/>
+          </a:prstGeom>
+        </p:spPr>
+      </p:pic>
+      <p:cxnSp>
+        <p:nvCxnSpPr>
+          <p:cNvPr id="22" name="Straight Arrow Connector 21"/>
+          <p:cNvCxnSpPr>
+            <a:endCxn id="21" idx="0"/>
+          </p:cNvCxnSpPr>
+          <p:nvPr/>
+        </p:nvCxnSpPr>
+        <p:spPr>
+          <a:xfrm>
+            <a:off x="8994337" y="4959270"/>
+            <a:ext cx="68576" cy="406965"/>
+          </a:xfrm>
+          <a:prstGeom prst="straightConnector1">
+            <a:avLst/>
+          </a:prstGeom>
+          <a:ln>
+            <a:tailEnd type="triangle"/>
+          </a:ln>
+        </p:spPr>
+        <p:style>
+          <a:lnRef idx="1">
+            <a:schemeClr val="accent1"/>
+          </a:lnRef>
+          <a:fillRef idx="0">
+            <a:schemeClr val="accent1"/>
+          </a:fillRef>
+          <a:effectRef idx="0">
+            <a:schemeClr val="accent1"/>
+          </a:effectRef>
+          <a:fontRef idx="minor">
+            <a:schemeClr val="tx1"/>
+          </a:fontRef>
+        </p:style>
+      </p:cxnSp>
+      <p:cxnSp>
+        <p:nvCxnSpPr>
+          <p:cNvPr id="28" name="Straight Arrow Connector 27"/>
+          <p:cNvCxnSpPr/>
+          <p:nvPr/>
+        </p:nvCxnSpPr>
+        <p:spPr>
+          <a:xfrm>
+            <a:off x="8054788" y="4959270"/>
+            <a:ext cx="68576" cy="406965"/>
+          </a:xfrm>
+          <a:prstGeom prst="straightConnector1">
+            <a:avLst/>
+          </a:prstGeom>
+          <a:ln>
+            <a:tailEnd type="triangle"/>
+          </a:ln>
+        </p:spPr>
+        <p:style>
+          <a:lnRef idx="1">
+            <a:schemeClr val="accent1"/>
+          </a:lnRef>
+          <a:fillRef idx="0">
+            <a:schemeClr val="accent1"/>
+          </a:fillRef>
+          <a:effectRef idx="0">
+            <a:schemeClr val="accent1"/>
+          </a:effectRef>
+          <a:fontRef idx="minor">
+            <a:schemeClr val="tx1"/>
+          </a:fontRef>
+        </p:style>
+      </p:cxnSp>
     </p:spTree>
     <p:extLst>
       <p:ext uri="{BB962C8B-B14F-4D97-AF65-F5344CB8AC3E}">
-        <p14:creationId xmlns:p14="http://schemas.microsoft.com/office/powerpoint/2010/main" val="3942624674"/>
+        <p14:creationId xmlns:p14="http://schemas.microsoft.com/office/powerpoint/2010/main" val="3886725788"/>
       </p:ext>
     </p:extLst>
   </p:cSld>
@@ -4763,99 +5770,15 @@
           <a:lstStyle/>
           <a:p>
             <a:r>
-              <a:rPr lang="en-US"/>
-              <a:t>Reducing false positives / Handling multiple objects</a:t>
-            </a:r>
-            <a:endParaRPr lang="en-US" dirty="0"/>
-          </a:p>
-        </p:txBody>
-      </p:sp>
-      <p:sp>
-        <p:nvSpPr>
-          <p:cNvPr id="3" name="Content Placeholder 2"/>
-          <p:cNvSpPr>
-            <a:spLocks noGrp="1"/>
-          </p:cNvSpPr>
-          <p:nvPr>
-            <p:ph idx="1"/>
-          </p:nvPr>
-        </p:nvSpPr>
-        <p:spPr/>
-        <p:txBody>
-          <a:bodyPr/>
-          <a:lstStyle/>
-          <a:p>
-            <a:r>
-              <a:rPr lang="en-US" dirty="0" smtClean="0"/>
-              <a:t>Minimum descriptor </a:t>
-            </a:r>
-            <a:r>
               <a:rPr lang="en-US" dirty="0"/>
-              <a:t>l</a:t>
-            </a:r>
-            <a:r>
-              <a:rPr lang="en-US" dirty="0" smtClean="0"/>
-              <a:t>ength – information theoretic measure.</a:t>
-            </a:r>
-          </a:p>
-          <a:p>
-            <a:r>
-              <a:rPr lang="en-US" dirty="0" smtClean="0"/>
-              <a:t>Describe image: We can explain away a pixel as belonging to an object or we have to encode its grayscale value. We “save” on description length if we explain away </a:t>
-            </a:r>
-            <a:r>
-              <a:rPr lang="en-US" dirty="0" err="1" smtClean="0"/>
-              <a:t>S</a:t>
-            </a:r>
-            <a:r>
-              <a:rPr lang="en-US" baseline="-25000" dirty="0" err="1" smtClean="0"/>
-              <a:t>area</a:t>
-            </a:r>
-            <a:r>
-              <a:rPr lang="en-US" dirty="0" smtClean="0"/>
-              <a:t> pixels due to an object. However, subtract model complexity – prefer low number of objects, and penalize explaining away a pixel as object when segmentation says it is background.</a:t>
-            </a:r>
-            <a:endParaRPr lang="en-US" dirty="0"/>
-          </a:p>
-          <a:p>
-            <a:endParaRPr lang="en-US" dirty="0" smtClean="0"/>
-          </a:p>
-          <a:p>
-            <a:r>
-              <a:rPr lang="en-US" dirty="0" smtClean="0"/>
-              <a:t>For overlapping hypotheses h</a:t>
-            </a:r>
-            <a:r>
-              <a:rPr lang="en-US" baseline="-25000" dirty="0" smtClean="0"/>
-              <a:t>1</a:t>
-            </a:r>
-            <a:r>
-              <a:rPr lang="en-US" dirty="0" smtClean="0"/>
-              <a:t> and h</a:t>
-            </a:r>
-            <a:r>
-              <a:rPr lang="en-US" baseline="-25000" dirty="0" smtClean="0"/>
-              <a:t>2</a:t>
-            </a:r>
-            <a:r>
-              <a:rPr lang="en-US" dirty="0" smtClean="0"/>
-              <a:t> consider the “savings” made by combined hypotheses. Select overlapping hypothesis is +</a:t>
-            </a:r>
-            <a:r>
-              <a:rPr lang="en-US" dirty="0" err="1" smtClean="0"/>
-              <a:t>ve</a:t>
-            </a:r>
-            <a:r>
-              <a:rPr lang="en-US" dirty="0" smtClean="0"/>
-              <a:t>.</a:t>
-            </a:r>
-            <a:endParaRPr lang="en-US" dirty="0"/>
+              <a:t>Category Specific object Segmentation – per pixel foreground / background estimates</a:t>
+            </a:r>
           </a:p>
         </p:txBody>
       </p:sp>
       <p:pic>
         <p:nvPicPr>
-          <p:cNvPr id="4" name="Picture 3"/>
+          <p:cNvPr id="5" name="Picture 4"/>
           <p:cNvPicPr>
             <a:picLocks noChangeAspect="1"/>
           </p:cNvPicPr>
@@ -4869,8 +5792,8 @@
         </p:blipFill>
         <p:spPr>
           <a:xfrm>
-            <a:off x="4448175" y="4318104"/>
-            <a:ext cx="3295650" cy="428625"/>
+            <a:off x="3304210" y="3033262"/>
+            <a:ext cx="2164857" cy="1437323"/>
           </a:xfrm>
           <a:prstGeom prst="rect">
             <a:avLst/>
@@ -4879,7 +5802,7 @@
       </p:pic>
       <p:pic>
         <p:nvPicPr>
-          <p:cNvPr id="5" name="Picture 4"/>
+          <p:cNvPr id="6" name="Picture 5"/>
           <p:cNvPicPr>
             <a:picLocks noChangeAspect="1"/>
           </p:cNvPicPr>
@@ -4893,8 +5816,8 @@
         </p:blipFill>
         <p:spPr>
           <a:xfrm>
-            <a:off x="8025019" y="4703281"/>
-            <a:ext cx="1914525" cy="638175"/>
+            <a:off x="6742548" y="3396444"/>
+            <a:ext cx="750216" cy="735506"/>
           </a:xfrm>
           <a:prstGeom prst="rect">
             <a:avLst/>
@@ -4903,14 +5826,202 @@
       </p:pic>
       <p:cxnSp>
         <p:nvCxnSpPr>
-          <p:cNvPr id="7" name="Straight Arrow Connector 6"/>
+          <p:cNvPr id="9" name="Straight Arrow Connector 8"/>
           <p:cNvCxnSpPr/>
           <p:nvPr/>
         </p:nvCxnSpPr>
         <p:spPr>
-          <a:xfrm>
-            <a:off x="7406515" y="4721606"/>
-            <a:ext cx="723694" cy="98872"/>
+          <a:xfrm flipV="1">
+            <a:off x="5003852" y="3684201"/>
+            <a:ext cx="1499616" cy="180124"/>
+          </a:xfrm>
+          <a:prstGeom prst="straightConnector1">
+            <a:avLst/>
+          </a:prstGeom>
+          <a:ln>
+            <a:tailEnd type="triangle"/>
+          </a:ln>
+        </p:spPr>
+        <p:style>
+          <a:lnRef idx="1">
+            <a:schemeClr val="accent1"/>
+          </a:lnRef>
+          <a:fillRef idx="0">
+            <a:schemeClr val="accent1"/>
+          </a:fillRef>
+          <a:effectRef idx="0">
+            <a:schemeClr val="accent1"/>
+          </a:effectRef>
+          <a:fontRef idx="minor">
+            <a:schemeClr val="tx1"/>
+          </a:fontRef>
+        </p:style>
+      </p:cxnSp>
+      <p:sp>
+        <p:nvSpPr>
+          <p:cNvPr id="10" name="TextBox 9"/>
+          <p:cNvSpPr txBox="1"/>
+          <p:nvPr/>
+        </p:nvSpPr>
+        <p:spPr>
+          <a:xfrm>
+            <a:off x="5327907" y="3684201"/>
+            <a:ext cx="1231747" cy="369332"/>
+          </a:xfrm>
+          <a:prstGeom prst="rect">
+            <a:avLst/>
+          </a:prstGeom>
+          <a:noFill/>
+        </p:spPr>
+        <p:txBody>
+          <a:bodyPr wrap="none" rtlCol="0">
+            <a:spAutoFit/>
+          </a:bodyPr>
+          <a:lstStyle/>
+          <a:p>
+            <a:r>
+              <a:rPr lang="en-US" dirty="0" smtClean="0"/>
+              <a:t>Single pixel</a:t>
+            </a:r>
+            <a:endParaRPr lang="en-US" dirty="0"/>
+          </a:p>
+        </p:txBody>
+      </p:sp>
+      <p:pic>
+        <p:nvPicPr>
+          <p:cNvPr id="13" name="Picture 12"/>
+          <p:cNvPicPr>
+            <a:picLocks noChangeAspect="1"/>
+          </p:cNvPicPr>
+          <p:nvPr/>
+        </p:nvPicPr>
+        <p:blipFill>
+          <a:blip r:embed="rId4"/>
+          <a:stretch>
+            <a:fillRect/>
+          </a:stretch>
+        </p:blipFill>
+        <p:spPr>
+          <a:xfrm>
+            <a:off x="6446528" y="2737958"/>
+            <a:ext cx="579196" cy="611373"/>
+          </a:xfrm>
+          <a:prstGeom prst="rect">
+            <a:avLst/>
+          </a:prstGeom>
+        </p:spPr>
+      </p:pic>
+      <p:sp>
+        <p:nvSpPr>
+          <p:cNvPr id="11" name="Oval 10"/>
+          <p:cNvSpPr/>
+          <p:nvPr/>
+        </p:nvSpPr>
+        <p:spPr>
+          <a:xfrm>
+            <a:off x="6510341" y="3647625"/>
+            <a:ext cx="130287" cy="90062"/>
+          </a:xfrm>
+          <a:prstGeom prst="ellipse">
+            <a:avLst/>
+          </a:prstGeom>
+        </p:spPr>
+        <p:style>
+          <a:lnRef idx="2">
+            <a:schemeClr val="accent2">
+              <a:shade val="50000"/>
+            </a:schemeClr>
+          </a:lnRef>
+          <a:fillRef idx="1">
+            <a:schemeClr val="accent2"/>
+          </a:fillRef>
+          <a:effectRef idx="0">
+            <a:schemeClr val="accent2"/>
+          </a:effectRef>
+          <a:fontRef idx="minor">
+            <a:schemeClr val="lt1"/>
+          </a:fontRef>
+        </p:style>
+        <p:txBody>
+          <a:bodyPr rtlCol="0" anchor="ctr"/>
+          <a:lstStyle/>
+          <a:p>
+            <a:pPr algn="ctr"/>
+            <a:endParaRPr lang="en-US"/>
+          </a:p>
+        </p:txBody>
+      </p:sp>
+      <p:pic>
+        <p:nvPicPr>
+          <p:cNvPr id="12" name="Picture 11"/>
+          <p:cNvPicPr>
+            <a:picLocks noChangeAspect="1"/>
+          </p:cNvPicPr>
+          <p:nvPr/>
+        </p:nvPicPr>
+        <p:blipFill>
+          <a:blip r:embed="rId5"/>
+          <a:stretch>
+            <a:fillRect/>
+          </a:stretch>
+        </p:blipFill>
+        <p:spPr>
+          <a:xfrm>
+            <a:off x="7569929" y="3458961"/>
+            <a:ext cx="770192" cy="810728"/>
+          </a:xfrm>
+          <a:prstGeom prst="rect">
+            <a:avLst/>
+          </a:prstGeom>
+        </p:spPr>
+      </p:pic>
+      <p:cxnSp>
+        <p:nvCxnSpPr>
+          <p:cNvPr id="16" name="Straight Arrow Connector 15"/>
+          <p:cNvCxnSpPr>
+            <a:stCxn id="11" idx="7"/>
+          </p:cNvCxnSpPr>
+          <p:nvPr/>
+        </p:nvCxnSpPr>
+        <p:spPr>
+          <a:xfrm flipV="1">
+            <a:off x="6621548" y="3043644"/>
+            <a:ext cx="121000" cy="617170"/>
+          </a:xfrm>
+          <a:prstGeom prst="straightConnector1">
+            <a:avLst/>
+          </a:prstGeom>
+          <a:ln>
+            <a:tailEnd type="triangle"/>
+          </a:ln>
+        </p:spPr>
+        <p:style>
+          <a:lnRef idx="1">
+            <a:schemeClr val="accent1"/>
+          </a:lnRef>
+          <a:fillRef idx="0">
+            <a:schemeClr val="accent1"/>
+          </a:fillRef>
+          <a:effectRef idx="0">
+            <a:schemeClr val="accent1"/>
+          </a:effectRef>
+          <a:fontRef idx="minor">
+            <a:schemeClr val="tx1"/>
+          </a:fontRef>
+        </p:style>
+      </p:cxnSp>
+      <p:cxnSp>
+        <p:nvCxnSpPr>
+          <p:cNvPr id="18" name="Straight Arrow Connector 17"/>
+          <p:cNvCxnSpPr>
+            <a:stCxn id="11" idx="6"/>
+          </p:cNvCxnSpPr>
+          <p:nvPr/>
+        </p:nvCxnSpPr>
+        <p:spPr>
+          <a:xfrm>
+            <a:off x="6640628" y="3692656"/>
+            <a:ext cx="477028" cy="0"/>
           </a:xfrm>
           <a:prstGeom prst="straightConnector1">
             <a:avLst/>
@@ -4936,32 +6047,68 @@
       </p:cxnSp>
       <p:pic>
         <p:nvPicPr>
-          <p:cNvPr id="9" name="Picture 8"/>
+          <p:cNvPr id="21" name="Picture 20"/>
           <p:cNvPicPr>
             <a:picLocks noChangeAspect="1"/>
           </p:cNvPicPr>
           <p:nvPr/>
         </p:nvPicPr>
         <p:blipFill>
-          <a:blip r:embed="rId4"/>
+          <a:blip r:embed="rId6"/>
           <a:stretch>
             <a:fillRect/>
           </a:stretch>
         </p:blipFill>
         <p:spPr>
           <a:xfrm>
-            <a:off x="3757612" y="6251714"/>
-            <a:ext cx="4676775" cy="371475"/>
+            <a:off x="7146724" y="2602329"/>
+            <a:ext cx="945654" cy="833076"/>
           </a:xfrm>
           <a:prstGeom prst="rect">
             <a:avLst/>
           </a:prstGeom>
         </p:spPr>
       </p:pic>
+      <p:sp>
+        <p:nvSpPr>
+          <p:cNvPr id="22" name="TextBox 21"/>
+          <p:cNvSpPr txBox="1"/>
+          <p:nvPr/>
+        </p:nvSpPr>
+        <p:spPr>
+          <a:xfrm>
+            <a:off x="924039" y="5382227"/>
+            <a:ext cx="10058587" cy="646331"/>
+          </a:xfrm>
+          <a:prstGeom prst="rect">
+            <a:avLst/>
+          </a:prstGeom>
+          <a:noFill/>
+        </p:spPr>
+        <p:txBody>
+          <a:bodyPr wrap="none" rtlCol="0">
+            <a:spAutoFit/>
+          </a:bodyPr>
+          <a:lstStyle/>
+          <a:p>
+            <a:r>
+              <a:rPr lang="en-US" dirty="0" smtClean="0"/>
+              <a:t>Each pixel belongs to interest patches that are matched to multiple code-book entries that each have the </a:t>
+            </a:r>
+          </a:p>
+          <a:p>
+            <a:r>
+              <a:rPr lang="en-US" dirty="0" smtClean="0"/>
+              <a:t>segmentation mask  assigned to them. </a:t>
+            </a:r>
+            <a:endParaRPr lang="en-US" dirty="0"/>
+          </a:p>
+        </p:txBody>
+      </p:sp>
     </p:spTree>
     <p:extLst>
       <p:ext uri="{BB962C8B-B14F-4D97-AF65-F5344CB8AC3E}">
-        <p14:creationId xmlns:p14="http://schemas.microsoft.com/office/powerpoint/2010/main" val="1648320891"/>
+        <p14:creationId xmlns:p14="http://schemas.microsoft.com/office/powerpoint/2010/main" val="2843168732"/>
       </p:ext>
     </p:extLst>
   </p:cSld>
@@ -5005,7 +6152,791 @@
           <a:p>
             <a:r>
               <a:rPr lang="en-US" dirty="0" smtClean="0"/>
-              <a:t>Potential discussion topics</a:t>
+              <a:t>Probabilistic formulation</a:t>
+            </a:r>
+            <a:endParaRPr lang="en-US" dirty="0"/>
+          </a:p>
+        </p:txBody>
+      </p:sp>
+      <p:pic>
+        <p:nvPicPr>
+          <p:cNvPr id="4" name="Picture 3"/>
+          <p:cNvPicPr>
+            <a:picLocks noChangeAspect="1"/>
+          </p:cNvPicPr>
+          <p:nvPr/>
+        </p:nvPicPr>
+        <p:blipFill>
+          <a:blip r:embed="rId2"/>
+          <a:stretch>
+            <a:fillRect/>
+          </a:stretch>
+        </p:blipFill>
+        <p:spPr>
+          <a:xfrm>
+            <a:off x="2791777" y="1690688"/>
+            <a:ext cx="5419725" cy="714375"/>
+          </a:xfrm>
+          <a:prstGeom prst="rect">
+            <a:avLst/>
+          </a:prstGeom>
+        </p:spPr>
+      </p:pic>
+      <p:cxnSp>
+        <p:nvCxnSpPr>
+          <p:cNvPr id="6" name="Straight Arrow Connector 5"/>
+          <p:cNvCxnSpPr/>
+          <p:nvPr/>
+        </p:nvCxnSpPr>
+        <p:spPr>
+          <a:xfrm flipH="1">
+            <a:off x="1737360" y="2276856"/>
+            <a:ext cx="1078992" cy="274320"/>
+          </a:xfrm>
+          <a:prstGeom prst="straightConnector1">
+            <a:avLst/>
+          </a:prstGeom>
+          <a:ln>
+            <a:tailEnd type="triangle"/>
+          </a:ln>
+        </p:spPr>
+        <p:style>
+          <a:lnRef idx="1">
+            <a:schemeClr val="accent1"/>
+          </a:lnRef>
+          <a:fillRef idx="0">
+            <a:schemeClr val="accent1"/>
+          </a:fillRef>
+          <a:effectRef idx="0">
+            <a:schemeClr val="accent1"/>
+          </a:effectRef>
+          <a:fontRef idx="minor">
+            <a:schemeClr val="tx1"/>
+          </a:fontRef>
+        </p:style>
+      </p:cxnSp>
+      <p:sp>
+        <p:nvSpPr>
+          <p:cNvPr id="7" name="TextBox 6"/>
+          <p:cNvSpPr txBox="1"/>
+          <p:nvPr/>
+        </p:nvSpPr>
+        <p:spPr>
+          <a:xfrm>
+            <a:off x="274320" y="2551176"/>
+            <a:ext cx="10859511" cy="369332"/>
+          </a:xfrm>
+          <a:prstGeom prst="rect">
+            <a:avLst/>
+          </a:prstGeom>
+          <a:noFill/>
+        </p:spPr>
+        <p:txBody>
+          <a:bodyPr wrap="none" rtlCol="0">
+            <a:spAutoFit/>
+          </a:bodyPr>
+          <a:lstStyle/>
+          <a:p>
+            <a:r>
+              <a:rPr lang="en-US" dirty="0" smtClean="0"/>
+              <a:t>Influence of patch ‘e’ on a particular hypothesis        Bayes                 Accumulate over constituent code-book entries</a:t>
+            </a:r>
+            <a:endParaRPr lang="en-US" dirty="0"/>
+          </a:p>
+        </p:txBody>
+      </p:sp>
+      <p:pic>
+        <p:nvPicPr>
+          <p:cNvPr id="8" name="Picture 7"/>
+          <p:cNvPicPr>
+            <a:picLocks noChangeAspect="1"/>
+          </p:cNvPicPr>
+          <p:nvPr/>
+        </p:nvPicPr>
+        <p:blipFill>
+          <a:blip r:embed="rId3"/>
+          <a:stretch>
+            <a:fillRect/>
+          </a:stretch>
+        </p:blipFill>
+        <p:spPr>
+          <a:xfrm>
+            <a:off x="2782252" y="2920508"/>
+            <a:ext cx="5429250" cy="723900"/>
+          </a:xfrm>
+          <a:prstGeom prst="rect">
+            <a:avLst/>
+          </a:prstGeom>
+        </p:spPr>
+      </p:pic>
+      <p:pic>
+        <p:nvPicPr>
+          <p:cNvPr id="9" name="Picture 8"/>
+          <p:cNvPicPr>
+            <a:picLocks noChangeAspect="1"/>
+          </p:cNvPicPr>
+          <p:nvPr/>
+        </p:nvPicPr>
+        <p:blipFill>
+          <a:blip r:embed="rId4"/>
+          <a:stretch>
+            <a:fillRect/>
+          </a:stretch>
+        </p:blipFill>
+        <p:spPr>
+          <a:xfrm>
+            <a:off x="2690812" y="4013740"/>
+            <a:ext cx="6467475" cy="1266825"/>
+          </a:xfrm>
+          <a:prstGeom prst="rect">
+            <a:avLst/>
+          </a:prstGeom>
+        </p:spPr>
+      </p:pic>
+      <p:cxnSp>
+        <p:nvCxnSpPr>
+          <p:cNvPr id="13" name="Straight Arrow Connector 12"/>
+          <p:cNvCxnSpPr/>
+          <p:nvPr/>
+        </p:nvCxnSpPr>
+        <p:spPr>
+          <a:xfrm>
+            <a:off x="9249727" y="4721686"/>
+            <a:ext cx="525209" cy="88058"/>
+          </a:xfrm>
+          <a:prstGeom prst="straightConnector1">
+            <a:avLst/>
+          </a:prstGeom>
+          <a:ln>
+            <a:tailEnd type="triangle"/>
+          </a:ln>
+        </p:spPr>
+        <p:style>
+          <a:lnRef idx="1">
+            <a:schemeClr val="accent1"/>
+          </a:lnRef>
+          <a:fillRef idx="0">
+            <a:schemeClr val="accent1"/>
+          </a:fillRef>
+          <a:effectRef idx="0">
+            <a:schemeClr val="accent1"/>
+          </a:effectRef>
+          <a:fontRef idx="minor">
+            <a:schemeClr val="tx1"/>
+          </a:fontRef>
+        </p:style>
+      </p:cxnSp>
+      <p:sp>
+        <p:nvSpPr>
+          <p:cNvPr id="16" name="TextBox 15"/>
+          <p:cNvSpPr txBox="1"/>
+          <p:nvPr/>
+        </p:nvSpPr>
+        <p:spPr>
+          <a:xfrm>
+            <a:off x="9774936" y="4647152"/>
+            <a:ext cx="1903342" cy="923330"/>
+          </a:xfrm>
+          <a:prstGeom prst="rect">
+            <a:avLst/>
+          </a:prstGeom>
+          <a:noFill/>
+        </p:spPr>
+        <p:txBody>
+          <a:bodyPr wrap="none" rtlCol="0">
+            <a:spAutoFit/>
+          </a:bodyPr>
+          <a:lstStyle/>
+          <a:p>
+            <a:r>
+              <a:rPr lang="en-US" dirty="0" smtClean="0"/>
+              <a:t>Resolve into code-</a:t>
+            </a:r>
+          </a:p>
+          <a:p>
+            <a:r>
+              <a:rPr lang="en-US" dirty="0" smtClean="0"/>
+              <a:t>book entries (like</a:t>
+            </a:r>
+          </a:p>
+          <a:p>
+            <a:r>
+              <a:rPr lang="en-US" dirty="0" smtClean="0"/>
+              <a:t>last time)</a:t>
+            </a:r>
+            <a:endParaRPr lang="en-US" dirty="0"/>
+          </a:p>
+        </p:txBody>
+      </p:sp>
+      <p:pic>
+        <p:nvPicPr>
+          <p:cNvPr id="17" name="Picture 16"/>
+          <p:cNvPicPr>
+            <a:picLocks noChangeAspect="1"/>
+          </p:cNvPicPr>
+          <p:nvPr/>
+        </p:nvPicPr>
+        <p:blipFill>
+          <a:blip r:embed="rId5"/>
+          <a:stretch>
+            <a:fillRect/>
+          </a:stretch>
+        </p:blipFill>
+        <p:spPr>
+          <a:xfrm>
+            <a:off x="3963352" y="5895593"/>
+            <a:ext cx="2247900" cy="571500"/>
+          </a:xfrm>
+          <a:prstGeom prst="rect">
+            <a:avLst/>
+          </a:prstGeom>
+        </p:spPr>
+      </p:pic>
+      <p:pic>
+        <p:nvPicPr>
+          <p:cNvPr id="18" name="Picture 17"/>
+          <p:cNvPicPr>
+            <a:picLocks noChangeAspect="1"/>
+          </p:cNvPicPr>
+          <p:nvPr/>
+        </p:nvPicPr>
+        <p:blipFill>
+          <a:blip r:embed="rId6"/>
+          <a:stretch>
+            <a:fillRect/>
+          </a:stretch>
+        </p:blipFill>
+        <p:spPr>
+          <a:xfrm>
+            <a:off x="6211252" y="5681281"/>
+            <a:ext cx="2000250" cy="1000125"/>
+          </a:xfrm>
+          <a:prstGeom prst="rect">
+            <a:avLst/>
+          </a:prstGeom>
+        </p:spPr>
+      </p:pic>
+      <p:cxnSp>
+        <p:nvCxnSpPr>
+          <p:cNvPr id="20" name="Straight Arrow Connector 19"/>
+          <p:cNvCxnSpPr/>
+          <p:nvPr/>
+        </p:nvCxnSpPr>
+        <p:spPr>
+          <a:xfrm>
+            <a:off x="8211502" y="3136739"/>
+            <a:ext cx="1038225" cy="138896"/>
+          </a:xfrm>
+          <a:prstGeom prst="straightConnector1">
+            <a:avLst/>
+          </a:prstGeom>
+          <a:ln>
+            <a:tailEnd type="triangle"/>
+          </a:ln>
+        </p:spPr>
+        <p:style>
+          <a:lnRef idx="1">
+            <a:schemeClr val="accent1"/>
+          </a:lnRef>
+          <a:fillRef idx="0">
+            <a:schemeClr val="accent1"/>
+          </a:fillRef>
+          <a:effectRef idx="0">
+            <a:schemeClr val="accent1"/>
+          </a:effectRef>
+          <a:fontRef idx="minor">
+            <a:schemeClr val="tx1"/>
+          </a:fontRef>
+        </p:style>
+      </p:cxnSp>
+      <p:sp>
+        <p:nvSpPr>
+          <p:cNvPr id="21" name="TextBox 20"/>
+          <p:cNvSpPr txBox="1"/>
+          <p:nvPr/>
+        </p:nvSpPr>
+        <p:spPr>
+          <a:xfrm>
+            <a:off x="9213599" y="2998077"/>
+            <a:ext cx="2905667" cy="646331"/>
+          </a:xfrm>
+          <a:prstGeom prst="rect">
+            <a:avLst/>
+          </a:prstGeom>
+          <a:noFill/>
+        </p:spPr>
+        <p:txBody>
+          <a:bodyPr wrap="none" rtlCol="0">
+            <a:spAutoFit/>
+          </a:bodyPr>
+          <a:lstStyle/>
+          <a:p>
+            <a:r>
+              <a:rPr lang="en-US" dirty="0" smtClean="0"/>
+              <a:t>Consider each image interest</a:t>
+            </a:r>
+          </a:p>
+          <a:p>
+            <a:r>
+              <a:rPr lang="en-US" dirty="0" smtClean="0"/>
+              <a:t>patch overlapping pixel ‘p’</a:t>
+            </a:r>
+            <a:endParaRPr lang="en-US" dirty="0"/>
+          </a:p>
+        </p:txBody>
+      </p:sp>
+      <p:cxnSp>
+        <p:nvCxnSpPr>
+          <p:cNvPr id="22" name="Straight Arrow Connector 21"/>
+          <p:cNvCxnSpPr/>
+          <p:nvPr/>
+        </p:nvCxnSpPr>
+        <p:spPr>
+          <a:xfrm flipV="1">
+            <a:off x="8428386" y="4094858"/>
+            <a:ext cx="821341" cy="34290"/>
+          </a:xfrm>
+          <a:prstGeom prst="straightConnector1">
+            <a:avLst/>
+          </a:prstGeom>
+          <a:ln>
+            <a:tailEnd type="triangle"/>
+          </a:ln>
+        </p:spPr>
+        <p:style>
+          <a:lnRef idx="1">
+            <a:schemeClr val="accent1"/>
+          </a:lnRef>
+          <a:fillRef idx="0">
+            <a:schemeClr val="accent1"/>
+          </a:fillRef>
+          <a:effectRef idx="0">
+            <a:schemeClr val="accent1"/>
+          </a:effectRef>
+          <a:fontRef idx="minor">
+            <a:schemeClr val="tx1"/>
+          </a:fontRef>
+        </p:style>
+      </p:cxnSp>
+      <p:sp>
+        <p:nvSpPr>
+          <p:cNvPr id="24" name="TextBox 23"/>
+          <p:cNvSpPr txBox="1"/>
+          <p:nvPr/>
+        </p:nvSpPr>
+        <p:spPr>
+          <a:xfrm>
+            <a:off x="9283486" y="3650338"/>
+            <a:ext cx="2785186" cy="923330"/>
+          </a:xfrm>
+          <a:prstGeom prst="rect">
+            <a:avLst/>
+          </a:prstGeom>
+          <a:noFill/>
+        </p:spPr>
+        <p:txBody>
+          <a:bodyPr wrap="none" rtlCol="0">
+            <a:spAutoFit/>
+          </a:bodyPr>
+          <a:lstStyle/>
+          <a:p>
+            <a:r>
+              <a:rPr lang="en-US" dirty="0" smtClean="0"/>
+              <a:t>Split each patch into </a:t>
+            </a:r>
+          </a:p>
+          <a:p>
+            <a:r>
+              <a:rPr lang="en-US" dirty="0" smtClean="0"/>
+              <a:t>contributions of code-book </a:t>
+            </a:r>
+          </a:p>
+          <a:p>
+            <a:r>
+              <a:rPr lang="en-US" dirty="0" smtClean="0"/>
+              <a:t>entries</a:t>
+            </a:r>
+            <a:endParaRPr lang="en-US" dirty="0"/>
+          </a:p>
+        </p:txBody>
+      </p:sp>
+      <p:cxnSp>
+        <p:nvCxnSpPr>
+          <p:cNvPr id="28" name="Straight Arrow Connector 27"/>
+          <p:cNvCxnSpPr/>
+          <p:nvPr/>
+        </p:nvCxnSpPr>
+        <p:spPr>
+          <a:xfrm>
+            <a:off x="5254906" y="2293454"/>
+            <a:ext cx="127322" cy="234457"/>
+          </a:xfrm>
+          <a:prstGeom prst="straightConnector1">
+            <a:avLst/>
+          </a:prstGeom>
+          <a:ln>
+            <a:tailEnd type="triangle"/>
+          </a:ln>
+        </p:spPr>
+        <p:style>
+          <a:lnRef idx="1">
+            <a:schemeClr val="accent1"/>
+          </a:lnRef>
+          <a:fillRef idx="0">
+            <a:schemeClr val="accent1"/>
+          </a:fillRef>
+          <a:effectRef idx="0">
+            <a:schemeClr val="accent1"/>
+          </a:effectRef>
+          <a:fontRef idx="minor">
+            <a:schemeClr val="tx1"/>
+          </a:fontRef>
+        </p:style>
+      </p:cxnSp>
+      <p:cxnSp>
+        <p:nvCxnSpPr>
+          <p:cNvPr id="30" name="Straight Arrow Connector 29"/>
+          <p:cNvCxnSpPr/>
+          <p:nvPr/>
+        </p:nvCxnSpPr>
+        <p:spPr>
+          <a:xfrm>
+            <a:off x="6493397" y="2105823"/>
+            <a:ext cx="1307940" cy="433720"/>
+          </a:xfrm>
+          <a:prstGeom prst="straightConnector1">
+            <a:avLst/>
+          </a:prstGeom>
+          <a:ln>
+            <a:tailEnd type="triangle"/>
+          </a:ln>
+        </p:spPr>
+        <p:style>
+          <a:lnRef idx="1">
+            <a:schemeClr val="accent1"/>
+          </a:lnRef>
+          <a:fillRef idx="0">
+            <a:schemeClr val="accent1"/>
+          </a:fillRef>
+          <a:effectRef idx="0">
+            <a:schemeClr val="accent1"/>
+          </a:effectRef>
+          <a:fontRef idx="minor">
+            <a:schemeClr val="tx1"/>
+          </a:fontRef>
+        </p:style>
+      </p:cxnSp>
+    </p:spTree>
+    <p:extLst>
+      <p:ext uri="{BB962C8B-B14F-4D97-AF65-F5344CB8AC3E}">
+        <p14:creationId xmlns:p14="http://schemas.microsoft.com/office/powerpoint/2010/main" val="4166133051"/>
+      </p:ext>
+    </p:extLst>
+  </p:cSld>
+  <p:clrMapOvr>
+    <a:masterClrMapping/>
+  </p:clrMapOvr>
+</p:sld>
+</file>
+
+<file path=ppt/slides/slide16.xml><?xml version="1.0" encoding="utf-8"?>
+<p:sld xmlns:a="http://schemas.openxmlformats.org/drawingml/2006/main" xmlns:r="http://schemas.openxmlformats.org/officeDocument/2006/relationships" xmlns:p="http://schemas.openxmlformats.org/presentationml/2006/main">
+  <p:cSld>
+    <p:spTree>
+      <p:nvGrpSpPr>
+        <p:cNvPr id="1" name=""/>
+        <p:cNvGrpSpPr/>
+        <p:nvPr/>
+      </p:nvGrpSpPr>
+      <p:grpSpPr>
+        <a:xfrm>
+          <a:off x="0" y="0"/>
+          <a:ext cx="0" cy="0"/>
+          <a:chOff x="0" y="0"/>
+          <a:chExt cx="0" cy="0"/>
+        </a:xfrm>
+      </p:grpSpPr>
+      <p:sp>
+        <p:nvSpPr>
+          <p:cNvPr id="2" name="Title 1"/>
+          <p:cNvSpPr>
+            <a:spLocks noGrp="1"/>
+          </p:cNvSpPr>
+          <p:nvPr>
+            <p:ph type="title"/>
+          </p:nvPr>
+        </p:nvSpPr>
+        <p:spPr/>
+        <p:txBody>
+          <a:bodyPr/>
+          <a:lstStyle/>
+          <a:p>
+            <a:r>
+              <a:rPr lang="en-US" dirty="0" smtClean="0"/>
+              <a:t>Reducing false positives / Handling multiple objects</a:t>
+            </a:r>
+            <a:endParaRPr lang="en-US" dirty="0"/>
+          </a:p>
+        </p:txBody>
+      </p:sp>
+      <p:sp>
+        <p:nvSpPr>
+          <p:cNvPr id="6" name="TextBox 5"/>
+          <p:cNvSpPr txBox="1"/>
+          <p:nvPr/>
+        </p:nvSpPr>
+        <p:spPr>
+          <a:xfrm>
+            <a:off x="838200" y="2067339"/>
+            <a:ext cx="10703251" cy="4801314"/>
+          </a:xfrm>
+          <a:prstGeom prst="rect">
+            <a:avLst/>
+          </a:prstGeom>
+          <a:noFill/>
+        </p:spPr>
+        <p:txBody>
+          <a:bodyPr wrap="none" rtlCol="0">
+            <a:spAutoFit/>
+          </a:bodyPr>
+          <a:lstStyle/>
+          <a:p>
+            <a:pPr marL="285750" indent="-285750">
+              <a:buFont typeface="Arial" panose="020B0604020202020204" pitchFamily="34" charset="0"/>
+              <a:buChar char="•"/>
+            </a:pPr>
+            <a:r>
+              <a:rPr lang="en-US" dirty="0" smtClean="0"/>
+              <a:t>Matching is done via local patches, with global structure enforced through voting. </a:t>
+            </a:r>
+          </a:p>
+          <a:p>
+            <a:pPr marL="285750" indent="-285750">
+              <a:buFont typeface="Arial" panose="020B0604020202020204" pitchFamily="34" charset="0"/>
+              <a:buChar char="•"/>
+            </a:pPr>
+            <a:r>
+              <a:rPr lang="en-US" dirty="0" smtClean="0"/>
+              <a:t>Large number of false positives due to secondary hypothesis</a:t>
+            </a:r>
+          </a:p>
+          <a:p>
+            <a:pPr marL="285750" indent="-285750">
+              <a:buFont typeface="Arial" panose="020B0604020202020204" pitchFamily="34" charset="0"/>
+              <a:buChar char="•"/>
+            </a:pPr>
+            <a:endParaRPr lang="en-US" dirty="0"/>
+          </a:p>
+          <a:p>
+            <a:pPr marL="285750" indent="-285750">
+              <a:buFont typeface="Arial" panose="020B0604020202020204" pitchFamily="34" charset="0"/>
+              <a:buChar char="•"/>
+            </a:pPr>
+            <a:endParaRPr lang="en-US" dirty="0" smtClean="0"/>
+          </a:p>
+          <a:p>
+            <a:pPr marL="285750" indent="-285750">
+              <a:buFont typeface="Arial" panose="020B0604020202020204" pitchFamily="34" charset="0"/>
+              <a:buChar char="•"/>
+            </a:pPr>
+            <a:endParaRPr lang="en-US" dirty="0"/>
+          </a:p>
+          <a:p>
+            <a:pPr marL="285750" indent="-285750">
+              <a:buFont typeface="Arial" panose="020B0604020202020204" pitchFamily="34" charset="0"/>
+              <a:buChar char="•"/>
+            </a:pPr>
+            <a:endParaRPr lang="en-US" dirty="0" smtClean="0"/>
+          </a:p>
+          <a:p>
+            <a:pPr marL="285750" indent="-285750">
+              <a:buFont typeface="Arial" panose="020B0604020202020204" pitchFamily="34" charset="0"/>
+              <a:buChar char="•"/>
+            </a:pPr>
+            <a:endParaRPr lang="en-US" dirty="0"/>
+          </a:p>
+          <a:p>
+            <a:pPr marL="285750" indent="-285750">
+              <a:buFont typeface="Arial" panose="020B0604020202020204" pitchFamily="34" charset="0"/>
+              <a:buChar char="•"/>
+            </a:pPr>
+            <a:endParaRPr lang="en-US" dirty="0" smtClean="0"/>
+          </a:p>
+          <a:p>
+            <a:pPr marL="285750" indent="-285750">
+              <a:buFont typeface="Arial" panose="020B0604020202020204" pitchFamily="34" charset="0"/>
+              <a:buChar char="•"/>
+            </a:pPr>
+            <a:r>
+              <a:rPr lang="en-US" dirty="0" smtClean="0"/>
+              <a:t>Bounding boxes based rejection (if two hypothesis bounding boxes intersect, keep the one which is stronger) </a:t>
+            </a:r>
+          </a:p>
+          <a:p>
+            <a:pPr marL="285750" indent="-285750">
+              <a:buFont typeface="Arial" panose="020B0604020202020204" pitchFamily="34" charset="0"/>
+              <a:buChar char="•"/>
+            </a:pPr>
+            <a:r>
+              <a:rPr lang="en-US" dirty="0" smtClean="0"/>
+              <a:t>solves above case. Bounding boxes may actually intersect due to occlusion</a:t>
+            </a:r>
+            <a:r>
+              <a:rPr lang="en-US" dirty="0" smtClean="0"/>
+              <a:t>. </a:t>
+            </a:r>
+          </a:p>
+          <a:p>
+            <a:pPr marL="285750" indent="-285750">
+              <a:buFont typeface="Arial" panose="020B0604020202020204" pitchFamily="34" charset="0"/>
+              <a:buChar char="•"/>
+            </a:pPr>
+            <a:endParaRPr lang="en-US" dirty="0"/>
+          </a:p>
+          <a:p>
+            <a:pPr marL="285750" indent="-285750">
+              <a:buFont typeface="Arial" panose="020B0604020202020204" pitchFamily="34" charset="0"/>
+              <a:buChar char="•"/>
+            </a:pPr>
+            <a:endParaRPr lang="en-US" dirty="0" smtClean="0"/>
+          </a:p>
+          <a:p>
+            <a:pPr marL="285750" indent="-285750">
+              <a:buFont typeface="Arial" panose="020B0604020202020204" pitchFamily="34" charset="0"/>
+              <a:buChar char="•"/>
+            </a:pPr>
+            <a:endParaRPr lang="en-US" dirty="0"/>
+          </a:p>
+          <a:p>
+            <a:pPr marL="285750" indent="-285750">
+              <a:buFont typeface="Arial" panose="020B0604020202020204" pitchFamily="34" charset="0"/>
+              <a:buChar char="•"/>
+            </a:pPr>
+            <a:endParaRPr lang="en-US" dirty="0" smtClean="0"/>
+          </a:p>
+          <a:p>
+            <a:pPr marL="285750" indent="-285750">
+              <a:buFont typeface="Arial" panose="020B0604020202020204" pitchFamily="34" charset="0"/>
+              <a:buChar char="•"/>
+            </a:pPr>
+            <a:endParaRPr lang="en-US" dirty="0"/>
+          </a:p>
+          <a:p>
+            <a:pPr marL="285750" indent="-285750">
+              <a:buFont typeface="Arial" panose="020B0604020202020204" pitchFamily="34" charset="0"/>
+              <a:buChar char="•"/>
+            </a:pPr>
+            <a:endParaRPr lang="en-US" dirty="0"/>
+          </a:p>
+          <a:p>
+            <a:pPr marL="285750" indent="-285750">
+              <a:buFont typeface="Arial" panose="020B0604020202020204" pitchFamily="34" charset="0"/>
+              <a:buChar char="•"/>
+            </a:pPr>
+            <a:r>
+              <a:rPr lang="en-US" b="1" dirty="0" smtClean="0"/>
+              <a:t>So, when do we combine report the weaker hypothesis as well, and when not?</a:t>
+            </a:r>
+            <a:endParaRPr lang="en-US" b="1" dirty="0" smtClean="0"/>
+          </a:p>
+        </p:txBody>
+      </p:sp>
+      <p:pic>
+        <p:nvPicPr>
+          <p:cNvPr id="7" name="Picture 6"/>
+          <p:cNvPicPr>
+            <a:picLocks noChangeAspect="1"/>
+          </p:cNvPicPr>
+          <p:nvPr/>
+        </p:nvPicPr>
+        <p:blipFill>
+          <a:blip r:embed="rId2"/>
+          <a:stretch>
+            <a:fillRect/>
+          </a:stretch>
+        </p:blipFill>
+        <p:spPr>
+          <a:xfrm>
+            <a:off x="2548144" y="2796829"/>
+            <a:ext cx="5962650" cy="1323975"/>
+          </a:xfrm>
+          <a:prstGeom prst="rect">
+            <a:avLst/>
+          </a:prstGeom>
+        </p:spPr>
+      </p:pic>
+      <p:pic>
+        <p:nvPicPr>
+          <p:cNvPr id="9" name="Picture 8"/>
+          <p:cNvPicPr>
+            <a:picLocks noChangeAspect="1"/>
+          </p:cNvPicPr>
+          <p:nvPr/>
+        </p:nvPicPr>
+        <p:blipFill>
+          <a:blip r:embed="rId3"/>
+          <a:stretch>
+            <a:fillRect/>
+          </a:stretch>
+        </p:blipFill>
+        <p:spPr>
+          <a:xfrm>
+            <a:off x="2548144" y="5244763"/>
+            <a:ext cx="5924550" cy="1009650"/>
+          </a:xfrm>
+          <a:prstGeom prst="rect">
+            <a:avLst/>
+          </a:prstGeom>
+        </p:spPr>
+      </p:pic>
+    </p:spTree>
+    <p:extLst>
+      <p:ext uri="{BB962C8B-B14F-4D97-AF65-F5344CB8AC3E}">
+        <p14:creationId xmlns:p14="http://schemas.microsoft.com/office/powerpoint/2010/main" val="3942624674"/>
+      </p:ext>
+    </p:extLst>
+  </p:cSld>
+  <p:clrMapOvr>
+    <a:masterClrMapping/>
+  </p:clrMapOvr>
+</p:sld>
+</file>
+
+<file path=ppt/slides/slide17.xml><?xml version="1.0" encoding="utf-8"?>
+<p:sld xmlns:a="http://schemas.openxmlformats.org/drawingml/2006/main" xmlns:r="http://schemas.openxmlformats.org/officeDocument/2006/relationships" xmlns:p="http://schemas.openxmlformats.org/presentationml/2006/main">
+  <p:cSld>
+    <p:spTree>
+      <p:nvGrpSpPr>
+        <p:cNvPr id="1" name=""/>
+        <p:cNvGrpSpPr/>
+        <p:nvPr/>
+      </p:nvGrpSpPr>
+      <p:grpSpPr>
+        <a:xfrm>
+          <a:off x="0" y="0"/>
+          <a:ext cx="0" cy="0"/>
+          <a:chOff x="0" y="0"/>
+          <a:chExt cx="0" cy="0"/>
+        </a:xfrm>
+      </p:grpSpPr>
+      <p:sp>
+        <p:nvSpPr>
+          <p:cNvPr id="2" name="Title 1"/>
+          <p:cNvSpPr>
+            <a:spLocks noGrp="1"/>
+          </p:cNvSpPr>
+          <p:nvPr>
+            <p:ph type="title"/>
+          </p:nvPr>
+        </p:nvSpPr>
+        <p:spPr/>
+        <p:txBody>
+          <a:bodyPr/>
+          <a:lstStyle/>
+          <a:p>
+            <a:r>
+              <a:rPr lang="en-US" dirty="0" smtClean="0"/>
+              <a:t>Hypothesis set selection based on Min Descriptor Length</a:t>
             </a:r>
             <a:endParaRPr lang="en-US" dirty="0"/>
           </a:p>
@@ -5023,6 +6954,281 @@
         </p:nvSpPr>
         <p:spPr/>
         <p:txBody>
+          <a:bodyPr/>
+          <a:lstStyle/>
+          <a:p>
+            <a:r>
+              <a:rPr lang="en-US" dirty="0" smtClean="0"/>
+              <a:t>Describe </a:t>
+            </a:r>
+            <a:r>
+              <a:rPr lang="en-US" dirty="0" smtClean="0"/>
+              <a:t>image: We can explain away a pixel as belonging to an object or </a:t>
+            </a:r>
+            <a:r>
+              <a:rPr lang="en-US" dirty="0" smtClean="0"/>
+              <a:t>we have to </a:t>
+            </a:r>
+            <a:r>
+              <a:rPr lang="en-US" dirty="0" smtClean="0"/>
+              <a:t>encode its grayscale value. We “save” on description length if we explain away </a:t>
+            </a:r>
+            <a:r>
+              <a:rPr lang="en-US" dirty="0" err="1" smtClean="0"/>
+              <a:t>S</a:t>
+            </a:r>
+            <a:r>
+              <a:rPr lang="en-US" baseline="-25000" dirty="0" err="1" smtClean="0"/>
+              <a:t>area</a:t>
+            </a:r>
+            <a:r>
+              <a:rPr lang="en-US" dirty="0" smtClean="0"/>
+              <a:t> pixels due to an object. </a:t>
+            </a:r>
+            <a:r>
+              <a:rPr lang="en-US" dirty="0" smtClean="0"/>
+              <a:t>However, we subtract </a:t>
+            </a:r>
+            <a:r>
+              <a:rPr lang="en-US" dirty="0" smtClean="0"/>
+              <a:t>model complexity – prefer low number of objects, and penalize explaining away a pixel as object when </a:t>
+            </a:r>
+            <a:r>
+              <a:rPr lang="en-US" dirty="0" smtClean="0"/>
+              <a:t>segmentation says </a:t>
+            </a:r>
+            <a:r>
+              <a:rPr lang="en-US" dirty="0" smtClean="0"/>
+              <a:t>it is background</a:t>
+            </a:r>
+            <a:r>
+              <a:rPr lang="en-US" dirty="0" smtClean="0"/>
+              <a:t>.</a:t>
+            </a:r>
+            <a:endParaRPr lang="en-US" dirty="0"/>
+          </a:p>
+          <a:p>
+            <a:endParaRPr lang="en-US" dirty="0" smtClean="0"/>
+          </a:p>
+          <a:p>
+            <a:r>
+              <a:rPr lang="en-US" dirty="0" smtClean="0"/>
+              <a:t>For overlapping hypotheses h</a:t>
+            </a:r>
+            <a:r>
+              <a:rPr lang="en-US" baseline="-25000" dirty="0" smtClean="0"/>
+              <a:t>1</a:t>
+            </a:r>
+            <a:r>
+              <a:rPr lang="en-US" dirty="0" smtClean="0"/>
+              <a:t> and h</a:t>
+            </a:r>
+            <a:r>
+              <a:rPr lang="en-US" baseline="-25000" dirty="0" smtClean="0"/>
+              <a:t>2</a:t>
+            </a:r>
+            <a:r>
+              <a:rPr lang="en-US" dirty="0" smtClean="0"/>
+              <a:t> consider the “savings” made by combined </a:t>
+            </a:r>
+            <a:r>
+              <a:rPr lang="en-US" dirty="0" smtClean="0"/>
+              <a:t>hypotheses. </a:t>
+            </a:r>
+            <a:r>
+              <a:rPr lang="en-US" dirty="0" smtClean="0"/>
+              <a:t>Select overlapping hypothesis </a:t>
+            </a:r>
+            <a:r>
+              <a:rPr lang="en-US" dirty="0" smtClean="0"/>
+              <a:t>if </a:t>
+            </a:r>
+            <a:r>
+              <a:rPr lang="en-US" dirty="0" smtClean="0"/>
+              <a:t>+</a:t>
+            </a:r>
+            <a:r>
+              <a:rPr lang="en-US" dirty="0" err="1" smtClean="0"/>
+              <a:t>ve</a:t>
+            </a:r>
+            <a:r>
+              <a:rPr lang="en-US" dirty="0" smtClean="0"/>
+              <a:t>.</a:t>
+            </a:r>
+            <a:endParaRPr lang="en-US" dirty="0"/>
+          </a:p>
+        </p:txBody>
+      </p:sp>
+      <p:pic>
+        <p:nvPicPr>
+          <p:cNvPr id="4" name="Picture 3"/>
+          <p:cNvPicPr>
+            <a:picLocks noChangeAspect="1"/>
+          </p:cNvPicPr>
+          <p:nvPr/>
+        </p:nvPicPr>
+        <p:blipFill>
+          <a:blip r:embed="rId2"/>
+          <a:stretch>
+            <a:fillRect/>
+          </a:stretch>
+        </p:blipFill>
+        <p:spPr>
+          <a:xfrm>
+            <a:off x="4472712" y="3786981"/>
+            <a:ext cx="3295650" cy="428625"/>
+          </a:xfrm>
+          <a:prstGeom prst="rect">
+            <a:avLst/>
+          </a:prstGeom>
+        </p:spPr>
+      </p:pic>
+      <p:cxnSp>
+        <p:nvCxnSpPr>
+          <p:cNvPr id="7" name="Straight Arrow Connector 6"/>
+          <p:cNvCxnSpPr/>
+          <p:nvPr/>
+        </p:nvCxnSpPr>
+        <p:spPr>
+          <a:xfrm>
+            <a:off x="7576197" y="4143657"/>
+            <a:ext cx="723694" cy="98872"/>
+          </a:xfrm>
+          <a:prstGeom prst="straightConnector1">
+            <a:avLst/>
+          </a:prstGeom>
+          <a:ln>
+            <a:tailEnd type="triangle"/>
+          </a:ln>
+        </p:spPr>
+        <p:style>
+          <a:lnRef idx="1">
+            <a:schemeClr val="accent1"/>
+          </a:lnRef>
+          <a:fillRef idx="0">
+            <a:schemeClr val="accent1"/>
+          </a:fillRef>
+          <a:effectRef idx="0">
+            <a:schemeClr val="accent1"/>
+          </a:effectRef>
+          <a:fontRef idx="minor">
+            <a:schemeClr val="tx1"/>
+          </a:fontRef>
+        </p:style>
+      </p:cxnSp>
+      <p:pic>
+        <p:nvPicPr>
+          <p:cNvPr id="9" name="Picture 8"/>
+          <p:cNvPicPr>
+            <a:picLocks noChangeAspect="1"/>
+          </p:cNvPicPr>
+          <p:nvPr/>
+        </p:nvPicPr>
+        <p:blipFill>
+          <a:blip r:embed="rId3"/>
+          <a:stretch>
+            <a:fillRect/>
+          </a:stretch>
+        </p:blipFill>
+        <p:spPr>
+          <a:xfrm>
+            <a:off x="3983855" y="5733240"/>
+            <a:ext cx="4676775" cy="371475"/>
+          </a:xfrm>
+          <a:prstGeom prst="rect">
+            <a:avLst/>
+          </a:prstGeom>
+        </p:spPr>
+      </p:pic>
+      <p:pic>
+        <p:nvPicPr>
+          <p:cNvPr id="6" name="Picture 5"/>
+          <p:cNvPicPr>
+            <a:picLocks noChangeAspect="1"/>
+          </p:cNvPicPr>
+          <p:nvPr/>
+        </p:nvPicPr>
+        <p:blipFill>
+          <a:blip r:embed="rId4"/>
+          <a:stretch>
+            <a:fillRect/>
+          </a:stretch>
+        </p:blipFill>
+        <p:spPr>
+          <a:xfrm>
+            <a:off x="8434387" y="4012635"/>
+            <a:ext cx="2476500" cy="666750"/>
+          </a:xfrm>
+          <a:prstGeom prst="rect">
+            <a:avLst/>
+          </a:prstGeom>
+        </p:spPr>
+      </p:pic>
+    </p:spTree>
+    <p:extLst>
+      <p:ext uri="{BB962C8B-B14F-4D97-AF65-F5344CB8AC3E}">
+        <p14:creationId xmlns:p14="http://schemas.microsoft.com/office/powerpoint/2010/main" val="1648320891"/>
+      </p:ext>
+    </p:extLst>
+  </p:cSld>
+  <p:clrMapOvr>
+    <a:masterClrMapping/>
+  </p:clrMapOvr>
+</p:sld>
+</file>
+
+<file path=ppt/slides/slide18.xml><?xml version="1.0" encoding="utf-8"?>
+<p:sld xmlns:a="http://schemas.openxmlformats.org/drawingml/2006/main" xmlns:r="http://schemas.openxmlformats.org/officeDocument/2006/relationships" xmlns:p="http://schemas.openxmlformats.org/presentationml/2006/main">
+  <p:cSld>
+    <p:spTree>
+      <p:nvGrpSpPr>
+        <p:cNvPr id="1" name=""/>
+        <p:cNvGrpSpPr/>
+        <p:nvPr/>
+      </p:nvGrpSpPr>
+      <p:grpSpPr>
+        <a:xfrm>
+          <a:off x="0" y="0"/>
+          <a:ext cx="0" cy="0"/>
+          <a:chOff x="0" y="0"/>
+          <a:chExt cx="0" cy="0"/>
+        </a:xfrm>
+      </p:grpSpPr>
+      <p:sp>
+        <p:nvSpPr>
+          <p:cNvPr id="2" name="Title 1"/>
+          <p:cNvSpPr>
+            <a:spLocks noGrp="1"/>
+          </p:cNvSpPr>
+          <p:nvPr>
+            <p:ph type="title"/>
+          </p:nvPr>
+        </p:nvSpPr>
+        <p:spPr/>
+        <p:txBody>
+          <a:bodyPr/>
+          <a:lstStyle/>
+          <a:p>
+            <a:r>
+              <a:rPr lang="en-US" dirty="0" smtClean="0"/>
+              <a:t>Potential discussion topics</a:t>
+            </a:r>
+            <a:endParaRPr lang="en-US" dirty="0"/>
+          </a:p>
+        </p:txBody>
+      </p:sp>
+      <p:sp>
+        <p:nvSpPr>
+          <p:cNvPr id="3" name="Content Placeholder 2"/>
+          <p:cNvSpPr>
+            <a:spLocks noGrp="1"/>
+          </p:cNvSpPr>
+          <p:nvPr>
+            <p:ph idx="1"/>
+          </p:nvPr>
+        </p:nvSpPr>
+        <p:spPr/>
+        <p:txBody>
           <a:bodyPr>
             <a:normAutofit fontScale="92500" lnSpcReduction="10000"/>
           </a:bodyPr>
@@ -5074,16 +7280,11 @@
               <a:rPr lang="en-US" dirty="0" smtClean="0"/>
               <a:t>          Testing</a:t>
             </a:r>
-            <a:endParaRPr lang="en-US" dirty="0" smtClean="0"/>
-          </a:p>
-          <a:p>
-            <a:r>
-              <a:rPr lang="en-US" dirty="0" smtClean="0"/>
-              <a:t>Invariances </a:t>
-            </a:r>
-            <a:r>
-              <a:rPr lang="en-US" dirty="0" smtClean="0"/>
-              <a:t>in the matching</a:t>
+          </a:p>
+          <a:p>
+            <a:r>
+              <a:rPr lang="en-US" dirty="0" smtClean="0"/>
+              <a:t>Invariances in the matching</a:t>
             </a:r>
             <a:r>
               <a:rPr lang="en-US" dirty="0"/>
@@ -5340,18 +7541,28 @@
         </p:nvSpPr>
         <p:spPr/>
         <p:txBody>
-          <a:bodyPr/>
-          <a:lstStyle/>
-          <a:p>
-            <a:r>
-              <a:rPr lang="en-US" dirty="0" smtClean="0"/>
-              <a:t>Goal – object categorization and segmentation in the wild.</a:t>
-            </a:r>
-          </a:p>
-          <a:p>
-            <a:r>
-              <a:rPr lang="en-US" dirty="0" smtClean="0"/>
-              <a:t>Steps:</a:t>
+          <a:bodyPr>
+            <a:normAutofit/>
+          </a:bodyPr>
+          <a:lstStyle/>
+          <a:p>
+            <a:r>
+              <a:rPr lang="en-US" dirty="0" smtClean="0"/>
+              <a:t>Goal – object categorization and segmentation in the wild</a:t>
+            </a:r>
+            <a:r>
+              <a:rPr lang="en-US" dirty="0" smtClean="0"/>
+              <a:t>.</a:t>
+            </a:r>
+          </a:p>
+          <a:p>
+            <a:r>
+              <a:rPr lang="en-US" dirty="0" smtClean="0"/>
+              <a:t>Steps</a:t>
+            </a:r>
+            <a:r>
+              <a:rPr lang="en-US" dirty="0" smtClean="0"/>
+              <a:t>:</a:t>
             </a:r>
           </a:p>
           <a:p>
@@ -5379,33 +7590,21 @@
             <a:pPr lvl="1"/>
             <a:r>
               <a:rPr lang="en-US" dirty="0" smtClean="0"/>
-              <a:t>Object Detection</a:t>
-            </a:r>
-            <a:r>
-              <a:rPr lang="en-US" dirty="0" smtClean="0"/>
-              <a:t>:</a:t>
+              <a:t>Object Detection:</a:t>
             </a:r>
           </a:p>
           <a:p>
             <a:pPr lvl="2"/>
             <a:r>
               <a:rPr lang="en-US" dirty="0" smtClean="0"/>
-              <a:t>Extract </a:t>
-            </a:r>
-            <a:r>
-              <a:rPr lang="en-US" dirty="0" smtClean="0"/>
-              <a:t>test image patches and match them to code-book entries for each object.</a:t>
+              <a:t>Extract test image patches and match them to code-book entries for each object.</a:t>
             </a:r>
           </a:p>
           <a:p>
             <a:pPr lvl="2"/>
             <a:r>
               <a:rPr lang="en-US" dirty="0" smtClean="0"/>
-              <a:t>Each “activated” code-book entry votes for the object and the object’s center</a:t>
-            </a:r>
-            <a:r>
-              <a:rPr lang="en-US" dirty="0" smtClean="0"/>
-              <a:t>.</a:t>
+              <a:t>Each “activated” code-book entry votes for the object and the object’s center.</a:t>
             </a:r>
           </a:p>
           <a:p>
@@ -5414,15 +7613,17 @@
               <a:rPr lang="en-US" dirty="0" smtClean="0"/>
               <a:t>Segmentation:</a:t>
             </a:r>
-            <a:endParaRPr lang="en-US" dirty="0" smtClean="0"/>
           </a:p>
           <a:p>
             <a:pPr lvl="2"/>
             <a:r>
               <a:rPr lang="en-US" dirty="0" smtClean="0"/>
-              <a:t>Segmentation mask + per-pixel confidence estimate for segmentation.</a:t>
-            </a:r>
-            <a:endParaRPr lang="en-US" dirty="0" smtClean="0"/>
+              <a:t>Per object segmentation masks </a:t>
+            </a:r>
+            <a:r>
+              <a:rPr lang="en-US" dirty="0" smtClean="0"/>
+              <a:t>+ per-pixel confidence estimate for segmentation.</a:t>
+            </a:r>
           </a:p>
           <a:p>
             <a:pPr lvl="2"/>
@@ -5477,7 +7678,7 @@
           <a:p>
             <a:r>
               <a:rPr lang="en-US" dirty="0" smtClean="0"/>
-              <a:t>Local code-book creation – Interest Point Detection</a:t>
+              <a:t>Overview</a:t>
             </a:r>
             <a:endParaRPr lang="en-US" dirty="0"/>
           </a:p>
@@ -5493,66 +7694,43 @@
             <p:ph idx="1"/>
           </p:nvPr>
         </p:nvSpPr>
-        <p:spPr/>
+        <p:spPr>
+          <a:xfrm>
+            <a:off x="838200" y="1819892"/>
+            <a:ext cx="11058427" cy="4351338"/>
+          </a:xfrm>
+        </p:spPr>
         <p:txBody>
           <a:bodyPr/>
           <a:lstStyle/>
           <a:p>
-            <a:r>
-              <a:rPr lang="en-US" dirty="0" smtClean="0"/>
-              <a:t>First, detect interest points using Harris detectors</a:t>
-            </a:r>
-          </a:p>
-          <a:p>
-            <a:pPr lvl="1"/>
-            <a:r>
-              <a:rPr lang="en-US" dirty="0" smtClean="0"/>
-              <a:t>Compute sample covariance matrix M for (2D) intensity gradient at each pixel.</a:t>
-            </a:r>
-          </a:p>
-          <a:p>
-            <a:pPr lvl="1"/>
-            <a:r>
-              <a:rPr lang="en-US" dirty="0" smtClean="0"/>
-              <a:t>Compute corner response (C = f(</a:t>
-            </a:r>
-            <a:r>
-              <a:rPr lang="en-US" dirty="0" err="1" smtClean="0"/>
-              <a:t>EigenVals</a:t>
-            </a:r>
-            <a:r>
-              <a:rPr lang="en-US" dirty="0" smtClean="0"/>
-              <a:t>(M))). </a:t>
-            </a:r>
-          </a:p>
-          <a:p>
-            <a:pPr lvl="1"/>
-            <a:r>
-              <a:rPr lang="en-US" dirty="0" smtClean="0"/>
-              <a:t>Interest points – maxima of </a:t>
-            </a:r>
-            <a:r>
-              <a:rPr lang="en-US" dirty="0" err="1" smtClean="0"/>
-              <a:t>thresholded</a:t>
-            </a:r>
-            <a:r>
-              <a:rPr lang="en-US" dirty="0" smtClean="0"/>
-              <a:t> C.</a:t>
-            </a:r>
-          </a:p>
-          <a:p>
-            <a:pPr lvl="1"/>
-            <a:r>
-              <a:rPr lang="en-US" dirty="0" smtClean="0"/>
-              <a:t>Take 25X25 pixel patches.</a:t>
-            </a:r>
-            <a:endParaRPr lang="en-US" b="1" dirty="0"/>
+            <a:pPr marL="0" indent="0">
+              <a:buNone/>
+            </a:pPr>
+            <a:r>
+              <a:rPr lang="en-US" dirty="0" smtClean="0"/>
+              <a:t>   Input                                                                                                    Output</a:t>
+            </a:r>
+          </a:p>
+          <a:p>
+            <a:pPr marL="0" indent="0">
+              <a:buNone/>
+            </a:pPr>
+            <a:r>
+              <a:rPr lang="en-US" dirty="0"/>
+              <a:t>	</a:t>
+            </a:r>
+            <a:r>
+              <a:rPr lang="en-US" dirty="0" smtClean="0"/>
+              <a:t>Training	 				Testing</a:t>
+            </a:r>
+            <a:endParaRPr lang="en-US" dirty="0"/>
           </a:p>
         </p:txBody>
       </p:sp>
       <p:pic>
         <p:nvPicPr>
-          <p:cNvPr id="15" name="Picture 14"/>
+          <p:cNvPr id="4" name="Picture 3"/>
           <p:cNvPicPr>
             <a:picLocks noChangeAspect="1"/>
           </p:cNvPicPr>
@@ -5566,74 +7744,64 @@
         </p:blipFill>
         <p:spPr>
           <a:xfrm>
-            <a:off x="7461873" y="2689224"/>
-            <a:ext cx="990600" cy="1504950"/>
+            <a:off x="500879" y="2682093"/>
+            <a:ext cx="1955558" cy="3007733"/>
           </a:xfrm>
           <a:prstGeom prst="rect">
             <a:avLst/>
           </a:prstGeom>
         </p:spPr>
       </p:pic>
-      <p:pic>
-        <p:nvPicPr>
-          <p:cNvPr id="16" name="Picture 15"/>
-          <p:cNvPicPr>
-            <a:picLocks noChangeAspect="1"/>
-          </p:cNvPicPr>
-          <p:nvPr/>
-        </p:nvPicPr>
-        <p:blipFill>
-          <a:blip r:embed="rId3"/>
-          <a:stretch>
-            <a:fillRect/>
-          </a:stretch>
-        </p:blipFill>
-        <p:spPr>
-          <a:xfrm>
-            <a:off x="8474386" y="2698749"/>
-            <a:ext cx="952500" cy="1495425"/>
-          </a:xfrm>
-          <a:prstGeom prst="rect">
-            <a:avLst/>
-          </a:prstGeom>
-        </p:spPr>
-      </p:pic>
-      <p:pic>
-        <p:nvPicPr>
-          <p:cNvPr id="18" name="Picture 17"/>
-          <p:cNvPicPr>
-            <a:picLocks noChangeAspect="1"/>
-          </p:cNvPicPr>
-          <p:nvPr/>
-        </p:nvPicPr>
-        <p:blipFill>
-          <a:blip r:embed="rId4"/>
-          <a:stretch>
-            <a:fillRect/>
-          </a:stretch>
-        </p:blipFill>
-        <p:spPr>
-          <a:xfrm>
-            <a:off x="11033705" y="2714943"/>
-            <a:ext cx="1028461" cy="1504950"/>
-          </a:xfrm>
-          <a:prstGeom prst="rect">
-            <a:avLst/>
-          </a:prstGeom>
-        </p:spPr>
-      </p:pic>
-      <p:sp>
-        <p:nvSpPr>
-          <p:cNvPr id="19" name="Oval 18"/>
+      <p:sp>
+        <p:nvSpPr>
+          <p:cNvPr id="5" name="TextBox 4"/>
+          <p:cNvSpPr txBox="1"/>
+          <p:nvPr/>
+        </p:nvSpPr>
+        <p:spPr>
+          <a:xfrm>
+            <a:off x="417118" y="5726722"/>
+            <a:ext cx="1933350" cy="369332"/>
+          </a:xfrm>
+          <a:prstGeom prst="rect">
+            <a:avLst/>
+          </a:prstGeom>
+          <a:noFill/>
+        </p:spPr>
+        <p:txBody>
+          <a:bodyPr wrap="none" rtlCol="0">
+            <a:spAutoFit/>
+          </a:bodyPr>
+          <a:lstStyle/>
+          <a:p>
+            <a:r>
+              <a:rPr lang="en-US" b="1" dirty="0" smtClean="0"/>
+              <a:t>     Training </a:t>
+            </a:r>
+            <a:r>
+              <a:rPr lang="en-US" b="1" dirty="0" smtClean="0"/>
+              <a:t>images</a:t>
+            </a:r>
+            <a:endParaRPr lang="en-US" b="1" dirty="0">
+              <a:solidFill>
+                <a:srgbClr val="FF0000"/>
+              </a:solidFill>
+            </a:endParaRPr>
+          </a:p>
+        </p:txBody>
+      </p:sp>
+      <p:sp>
+        <p:nvSpPr>
+          <p:cNvPr id="8" name="Rectangle 7"/>
           <p:cNvSpPr/>
           <p:nvPr/>
         </p:nvSpPr>
         <p:spPr>
           <a:xfrm>
-            <a:off x="11328400" y="3379154"/>
-            <a:ext cx="60960" cy="71120"/>
-          </a:xfrm>
-          <a:prstGeom prst="ellipse">
+            <a:off x="2686639" y="3524814"/>
+            <a:ext cx="1216057" cy="894278"/>
+          </a:xfrm>
+          <a:prstGeom prst="rect">
             <a:avLst/>
           </a:prstGeom>
         </p:spPr>
@@ -5662,287 +7830,239 @@
           </a:p>
         </p:txBody>
       </p:sp>
-      <p:sp>
-        <p:nvSpPr>
-          <p:cNvPr id="21" name="Oval 20"/>
-          <p:cNvSpPr/>
-          <p:nvPr/>
-        </p:nvSpPr>
-        <p:spPr>
-          <a:xfrm>
-            <a:off x="11308080" y="3816034"/>
-            <a:ext cx="60960" cy="71120"/>
-          </a:xfrm>
-          <a:prstGeom prst="ellipse">
-            <a:avLst/>
-          </a:prstGeom>
-        </p:spPr>
-        <p:style>
-          <a:lnRef idx="2">
-            <a:schemeClr val="accent1">
-              <a:shade val="50000"/>
-            </a:schemeClr>
-          </a:lnRef>
-          <a:fillRef idx="1">
-            <a:schemeClr val="accent1"/>
-          </a:fillRef>
-          <a:effectRef idx="0">
-            <a:schemeClr val="accent1"/>
-          </a:effectRef>
-          <a:fontRef idx="minor">
-            <a:schemeClr val="lt1"/>
-          </a:fontRef>
-        </p:style>
-        <p:txBody>
-          <a:bodyPr rtlCol="0" anchor="ctr"/>
-          <a:lstStyle/>
-          <a:p>
-            <a:pPr algn="ctr"/>
-            <a:endParaRPr lang="en-US"/>
-          </a:p>
-        </p:txBody>
-      </p:sp>
-      <p:sp>
-        <p:nvSpPr>
-          <p:cNvPr id="22" name="Oval 21"/>
-          <p:cNvSpPr/>
-          <p:nvPr/>
-        </p:nvSpPr>
-        <p:spPr>
-          <a:xfrm>
-            <a:off x="11612880" y="3175954"/>
-            <a:ext cx="60960" cy="71120"/>
-          </a:xfrm>
-          <a:prstGeom prst="ellipse">
-            <a:avLst/>
-          </a:prstGeom>
-        </p:spPr>
-        <p:style>
-          <a:lnRef idx="2">
-            <a:schemeClr val="accent1">
-              <a:shade val="50000"/>
-            </a:schemeClr>
-          </a:lnRef>
-          <a:fillRef idx="1">
-            <a:schemeClr val="accent1"/>
-          </a:fillRef>
-          <a:effectRef idx="0">
-            <a:schemeClr val="accent1"/>
-          </a:effectRef>
-          <a:fontRef idx="minor">
-            <a:schemeClr val="lt1"/>
-          </a:fontRef>
-        </p:style>
-        <p:txBody>
-          <a:bodyPr rtlCol="0" anchor="ctr"/>
-          <a:lstStyle/>
-          <a:p>
-            <a:pPr algn="ctr"/>
-            <a:endParaRPr lang="en-US"/>
-          </a:p>
-        </p:txBody>
-      </p:sp>
-      <p:sp>
-        <p:nvSpPr>
-          <p:cNvPr id="24" name="Oval 23"/>
-          <p:cNvSpPr/>
-          <p:nvPr/>
-        </p:nvSpPr>
-        <p:spPr>
-          <a:xfrm>
-            <a:off x="11450320" y="3927794"/>
-            <a:ext cx="60960" cy="71120"/>
-          </a:xfrm>
-          <a:prstGeom prst="ellipse">
-            <a:avLst/>
-          </a:prstGeom>
-        </p:spPr>
-        <p:style>
-          <a:lnRef idx="2">
-            <a:schemeClr val="accent1">
-              <a:shade val="50000"/>
-            </a:schemeClr>
-          </a:lnRef>
-          <a:fillRef idx="1">
-            <a:schemeClr val="accent1"/>
-          </a:fillRef>
-          <a:effectRef idx="0">
-            <a:schemeClr val="accent1"/>
-          </a:effectRef>
-          <a:fontRef idx="minor">
-            <a:schemeClr val="lt1"/>
-          </a:fontRef>
-        </p:style>
-        <p:txBody>
-          <a:bodyPr rtlCol="0" anchor="ctr"/>
-          <a:lstStyle/>
-          <a:p>
-            <a:pPr algn="ctr"/>
-            <a:endParaRPr lang="en-US"/>
-          </a:p>
-        </p:txBody>
-      </p:sp>
-      <p:sp>
-        <p:nvSpPr>
-          <p:cNvPr id="25" name="Oval 24"/>
-          <p:cNvSpPr/>
-          <p:nvPr/>
-        </p:nvSpPr>
-        <p:spPr>
-          <a:xfrm>
-            <a:off x="11907520" y="3663634"/>
-            <a:ext cx="60960" cy="71120"/>
-          </a:xfrm>
-          <a:prstGeom prst="ellipse">
-            <a:avLst/>
-          </a:prstGeom>
-        </p:spPr>
-        <p:style>
-          <a:lnRef idx="2">
-            <a:schemeClr val="accent1">
-              <a:shade val="50000"/>
-            </a:schemeClr>
-          </a:lnRef>
-          <a:fillRef idx="1">
-            <a:schemeClr val="accent1"/>
-          </a:fillRef>
-          <a:effectRef idx="0">
-            <a:schemeClr val="accent1"/>
-          </a:effectRef>
-          <a:fontRef idx="minor">
-            <a:schemeClr val="lt1"/>
-          </a:fontRef>
-        </p:style>
-        <p:txBody>
-          <a:bodyPr rtlCol="0" anchor="ctr"/>
-          <a:lstStyle/>
-          <a:p>
-            <a:pPr algn="ctr"/>
-            <a:endParaRPr lang="en-US"/>
-          </a:p>
-        </p:txBody>
-      </p:sp>
-      <p:sp>
-        <p:nvSpPr>
-          <p:cNvPr id="26" name="Oval 25"/>
-          <p:cNvSpPr/>
-          <p:nvPr/>
-        </p:nvSpPr>
-        <p:spPr>
-          <a:xfrm>
-            <a:off x="11673840" y="3501074"/>
-            <a:ext cx="60960" cy="71120"/>
-          </a:xfrm>
-          <a:prstGeom prst="ellipse">
-            <a:avLst/>
-          </a:prstGeom>
-        </p:spPr>
-        <p:style>
-          <a:lnRef idx="2">
-            <a:schemeClr val="accent1">
-              <a:shade val="50000"/>
-            </a:schemeClr>
-          </a:lnRef>
-          <a:fillRef idx="1">
-            <a:schemeClr val="accent1"/>
-          </a:fillRef>
-          <a:effectRef idx="0">
-            <a:schemeClr val="accent1"/>
-          </a:effectRef>
-          <a:fontRef idx="minor">
-            <a:schemeClr val="lt1"/>
-          </a:fontRef>
-        </p:style>
-        <p:txBody>
-          <a:bodyPr rtlCol="0" anchor="ctr"/>
-          <a:lstStyle/>
-          <a:p>
-            <a:pPr algn="ctr"/>
-            <a:endParaRPr lang="en-US"/>
-          </a:p>
-        </p:txBody>
-      </p:sp>
-      <p:sp>
-        <p:nvSpPr>
-          <p:cNvPr id="27" name="Oval 26"/>
-          <p:cNvSpPr/>
-          <p:nvPr/>
-        </p:nvSpPr>
-        <p:spPr>
-          <a:xfrm>
-            <a:off x="11389360" y="2739074"/>
-            <a:ext cx="60960" cy="71120"/>
-          </a:xfrm>
-          <a:prstGeom prst="ellipse">
-            <a:avLst/>
-          </a:prstGeom>
-        </p:spPr>
-        <p:style>
-          <a:lnRef idx="2">
-            <a:schemeClr val="accent1">
-              <a:shade val="50000"/>
-            </a:schemeClr>
-          </a:lnRef>
-          <a:fillRef idx="1">
-            <a:schemeClr val="accent1"/>
-          </a:fillRef>
-          <a:effectRef idx="0">
-            <a:schemeClr val="accent1"/>
-          </a:effectRef>
-          <a:fontRef idx="minor">
-            <a:schemeClr val="lt1"/>
-          </a:fontRef>
-        </p:style>
-        <p:txBody>
-          <a:bodyPr rtlCol="0" anchor="ctr"/>
-          <a:lstStyle/>
-          <a:p>
-            <a:pPr algn="ctr"/>
-            <a:endParaRPr lang="en-US"/>
-          </a:p>
-        </p:txBody>
-      </p:sp>
       <p:pic>
         <p:nvPicPr>
-          <p:cNvPr id="28" name="Picture 27"/>
+          <p:cNvPr id="6" name="Picture 5"/>
           <p:cNvPicPr>
             <a:picLocks noChangeAspect="1"/>
           </p:cNvPicPr>
           <p:nvPr/>
         </p:nvPicPr>
         <p:blipFill>
-          <a:blip r:embed="rId5"/>
+          <a:blip r:embed="rId3"/>
           <a:stretch>
             <a:fillRect/>
           </a:stretch>
         </p:blipFill>
         <p:spPr>
           <a:xfrm>
-            <a:off x="9468571" y="2714943"/>
-            <a:ext cx="916380" cy="1479232"/>
+            <a:off x="2772957" y="3616990"/>
+            <a:ext cx="1047750" cy="742950"/>
           </a:xfrm>
           <a:prstGeom prst="rect">
             <a:avLst/>
           </a:prstGeom>
         </p:spPr>
       </p:pic>
+      <p:sp>
+        <p:nvSpPr>
+          <p:cNvPr id="7" name="TextBox 6"/>
+          <p:cNvSpPr txBox="1"/>
+          <p:nvPr/>
+        </p:nvSpPr>
+        <p:spPr>
+          <a:xfrm>
+            <a:off x="2530713" y="4369363"/>
+            <a:ext cx="1606465" cy="369332"/>
+          </a:xfrm>
+          <a:prstGeom prst="rect">
+            <a:avLst/>
+          </a:prstGeom>
+          <a:noFill/>
+        </p:spPr>
+        <p:txBody>
+          <a:bodyPr wrap="none" rtlCol="0">
+            <a:spAutoFit/>
+          </a:bodyPr>
+          <a:lstStyle/>
+          <a:p>
+            <a:r>
+              <a:rPr lang="en-US" b="1" dirty="0" smtClean="0"/>
+              <a:t>Segmentations</a:t>
+            </a:r>
+            <a:endParaRPr lang="en-US" b="1" dirty="0">
+              <a:solidFill>
+                <a:srgbClr val="FF0000"/>
+              </a:solidFill>
+            </a:endParaRPr>
+          </a:p>
+        </p:txBody>
+      </p:sp>
+      <p:sp>
+        <p:nvSpPr>
+          <p:cNvPr id="10" name="TextBox 9"/>
+          <p:cNvSpPr txBox="1"/>
+          <p:nvPr/>
+        </p:nvSpPr>
+        <p:spPr>
+          <a:xfrm>
+            <a:off x="4462211" y="4320137"/>
+            <a:ext cx="1531445" cy="1200329"/>
+          </a:xfrm>
+          <a:prstGeom prst="rect">
+            <a:avLst/>
+          </a:prstGeom>
+          <a:noFill/>
+        </p:spPr>
+        <p:txBody>
+          <a:bodyPr wrap="none" rtlCol="0">
+            <a:spAutoFit/>
+          </a:bodyPr>
+          <a:lstStyle/>
+          <a:p>
+            <a:r>
+              <a:rPr lang="en-US" b="1" dirty="0" smtClean="0"/>
+              <a:t>Object Labels</a:t>
+            </a:r>
+          </a:p>
+          <a:p>
+            <a:endParaRPr lang="en-US" b="1" dirty="0">
+              <a:solidFill>
+                <a:srgbClr val="FF0000"/>
+              </a:solidFill>
+            </a:endParaRPr>
+          </a:p>
+          <a:p>
+            <a:r>
+              <a:rPr lang="en-US" b="1" dirty="0" smtClean="0">
+                <a:solidFill>
+                  <a:srgbClr val="FF0000"/>
+                </a:solidFill>
+              </a:rPr>
+              <a:t>+ Perhaps</a:t>
+            </a:r>
+          </a:p>
+          <a:p>
+            <a:r>
+              <a:rPr lang="en-US" b="1" dirty="0" smtClean="0">
+                <a:solidFill>
+                  <a:srgbClr val="FF0000"/>
+                </a:solidFill>
+              </a:rPr>
+              <a:t>object centers</a:t>
+            </a:r>
+            <a:endParaRPr lang="en-US" b="1" dirty="0">
+              <a:solidFill>
+                <a:srgbClr val="FF0000"/>
+              </a:solidFill>
+            </a:endParaRPr>
+          </a:p>
+        </p:txBody>
+      </p:sp>
+      <p:sp>
+        <p:nvSpPr>
+          <p:cNvPr id="11" name="TextBox 10"/>
+          <p:cNvSpPr txBox="1"/>
+          <p:nvPr/>
+        </p:nvSpPr>
+        <p:spPr>
+          <a:xfrm>
+            <a:off x="4462211" y="3862951"/>
+            <a:ext cx="819455" cy="369332"/>
+          </a:xfrm>
+          <a:prstGeom prst="rect">
+            <a:avLst/>
+          </a:prstGeom>
+          <a:noFill/>
+        </p:spPr>
+        <p:txBody>
+          <a:bodyPr wrap="none" rtlCol="0">
+            <a:spAutoFit/>
+          </a:bodyPr>
+          <a:lstStyle/>
+          <a:p>
+            <a:r>
+              <a:rPr lang="en-US" b="1" dirty="0" smtClean="0"/>
+              <a:t>      Car</a:t>
+            </a:r>
+            <a:endParaRPr lang="en-US" b="1" dirty="0">
+              <a:solidFill>
+                <a:srgbClr val="FF0000"/>
+              </a:solidFill>
+            </a:endParaRPr>
+          </a:p>
+        </p:txBody>
+      </p:sp>
+      <p:pic>
+        <p:nvPicPr>
+          <p:cNvPr id="12" name="Picture 11"/>
+          <p:cNvPicPr>
+            <a:picLocks noChangeAspect="1"/>
+          </p:cNvPicPr>
+          <p:nvPr/>
+        </p:nvPicPr>
+        <p:blipFill>
+          <a:blip r:embed="rId4"/>
+          <a:stretch>
+            <a:fillRect/>
+          </a:stretch>
+        </p:blipFill>
+        <p:spPr>
+          <a:xfrm>
+            <a:off x="6487192" y="3292269"/>
+            <a:ext cx="2000250" cy="1314450"/>
+          </a:xfrm>
+          <a:prstGeom prst="rect">
+            <a:avLst/>
+          </a:prstGeom>
+        </p:spPr>
+      </p:pic>
+      <p:sp>
+        <p:nvSpPr>
+          <p:cNvPr id="13" name="TextBox 12"/>
+          <p:cNvSpPr txBox="1"/>
+          <p:nvPr/>
+        </p:nvSpPr>
+        <p:spPr>
+          <a:xfrm>
+            <a:off x="6619109" y="4634520"/>
+            <a:ext cx="2658526" cy="923330"/>
+          </a:xfrm>
+          <a:prstGeom prst="rect">
+            <a:avLst/>
+          </a:prstGeom>
+          <a:noFill/>
+        </p:spPr>
+        <p:txBody>
+          <a:bodyPr wrap="square" rtlCol="0">
+            <a:spAutoFit/>
+          </a:bodyPr>
+          <a:lstStyle/>
+          <a:p>
+            <a:r>
+              <a:rPr lang="en-US" b="1" dirty="0" smtClean="0"/>
+              <a:t>Novel Image</a:t>
+            </a:r>
+          </a:p>
+          <a:p>
+            <a:r>
+              <a:rPr lang="en-US" b="1" dirty="0" smtClean="0"/>
+              <a:t>(ignore bounding</a:t>
+            </a:r>
+          </a:p>
+          <a:p>
+            <a:r>
+              <a:rPr lang="en-US" b="1" dirty="0" smtClean="0"/>
+              <a:t>boxes)</a:t>
+            </a:r>
+            <a:endParaRPr lang="en-US" b="1" dirty="0"/>
+          </a:p>
+        </p:txBody>
+      </p:sp>
       <p:cxnSp>
         <p:nvCxnSpPr>
-          <p:cNvPr id="30" name="Straight Arrow Connector 29"/>
+          <p:cNvPr id="15" name="Straight Connector 14"/>
           <p:cNvCxnSpPr/>
           <p:nvPr/>
         </p:nvCxnSpPr>
         <p:spPr>
           <a:xfrm>
-            <a:off x="10515600" y="3379154"/>
-            <a:ext cx="386080" cy="0"/>
-          </a:xfrm>
-          <a:prstGeom prst="straightConnector1">
-            <a:avLst/>
-          </a:prstGeom>
-          <a:ln>
-            <a:tailEnd type="triangle"/>
-          </a:ln>
+            <a:off x="6094342" y="2526384"/>
+            <a:ext cx="23914" cy="4034672"/>
+          </a:xfrm>
+          <a:prstGeom prst="line">
+            <a:avLst/>
+          </a:prstGeom>
         </p:spPr>
         <p:style>
           <a:lnRef idx="1">
@@ -5959,89 +8079,63 @@
           </a:fontRef>
         </p:style>
       </p:cxnSp>
-      <p:sp>
-        <p:nvSpPr>
-          <p:cNvPr id="31" name="Oval 30"/>
-          <p:cNvSpPr/>
-          <p:nvPr/>
-        </p:nvSpPr>
-        <p:spPr>
-          <a:xfrm>
-            <a:off x="11775440" y="3897314"/>
-            <a:ext cx="60960" cy="71120"/>
-          </a:xfrm>
-          <a:prstGeom prst="ellipse">
+      <p:cxnSp>
+        <p:nvCxnSpPr>
+          <p:cNvPr id="18" name="Straight Connector 17"/>
+          <p:cNvCxnSpPr/>
+          <p:nvPr/>
+        </p:nvCxnSpPr>
+        <p:spPr>
+          <a:xfrm flipH="1">
+            <a:off x="9155011" y="1432874"/>
+            <a:ext cx="3827" cy="5116717"/>
+          </a:xfrm>
+          <a:prstGeom prst="line">
             <a:avLst/>
           </a:prstGeom>
         </p:spPr>
         <p:style>
-          <a:lnRef idx="2">
-            <a:schemeClr val="accent1">
-              <a:shade val="50000"/>
-            </a:schemeClr>
+          <a:lnRef idx="1">
+            <a:schemeClr val="accent1"/>
           </a:lnRef>
-          <a:fillRef idx="1">
+          <a:fillRef idx="0">
             <a:schemeClr val="accent1"/>
           </a:fillRef>
           <a:effectRef idx="0">
             <a:schemeClr val="accent1"/>
           </a:effectRef>
           <a:fontRef idx="minor">
-            <a:schemeClr val="lt1"/>
+            <a:schemeClr val="tx1"/>
           </a:fontRef>
         </p:style>
-        <p:txBody>
-          <a:bodyPr rtlCol="0" anchor="ctr"/>
-          <a:lstStyle/>
-          <a:p>
-            <a:pPr algn="ctr"/>
-            <a:endParaRPr lang="en-US"/>
-          </a:p>
-        </p:txBody>
-      </p:sp>
-      <p:sp>
-        <p:nvSpPr>
-          <p:cNvPr id="32" name="Oval 31"/>
-          <p:cNvSpPr/>
-          <p:nvPr/>
-        </p:nvSpPr>
-        <p:spPr>
-          <a:xfrm>
-            <a:off x="11155680" y="3582354"/>
-            <a:ext cx="60960" cy="71120"/>
-          </a:xfrm>
-          <a:prstGeom prst="ellipse">
-            <a:avLst/>
-          </a:prstGeom>
-        </p:spPr>
-        <p:style>
-          <a:lnRef idx="2">
-            <a:schemeClr val="accent1">
-              <a:shade val="50000"/>
-            </a:schemeClr>
-          </a:lnRef>
-          <a:fillRef idx="1">
-            <a:schemeClr val="accent1"/>
-          </a:fillRef>
-          <a:effectRef idx="0">
-            <a:schemeClr val="accent1"/>
-          </a:effectRef>
-          <a:fontRef idx="minor">
-            <a:schemeClr val="lt1"/>
-          </a:fontRef>
-        </p:style>
-        <p:txBody>
-          <a:bodyPr rtlCol="0" anchor="ctr"/>
-          <a:lstStyle/>
-          <a:p>
-            <a:pPr algn="ctr"/>
-            <a:endParaRPr lang="en-US"/>
-          </a:p>
-        </p:txBody>
-      </p:sp>
+      </p:cxnSp>
       <p:pic>
         <p:nvPicPr>
-          <p:cNvPr id="36" name="Picture 35"/>
+          <p:cNvPr id="22" name="Picture 21"/>
+          <p:cNvPicPr>
+            <a:picLocks noChangeAspect="1"/>
+          </p:cNvPicPr>
+          <p:nvPr/>
+        </p:nvPicPr>
+        <p:blipFill>
+          <a:blip r:embed="rId5"/>
+          <a:stretch>
+            <a:fillRect/>
+          </a:stretch>
+        </p:blipFill>
+        <p:spPr>
+          <a:xfrm>
+            <a:off x="9577481" y="2295624"/>
+            <a:ext cx="2047875" cy="1295400"/>
+          </a:xfrm>
+          <a:prstGeom prst="rect">
+            <a:avLst/>
+          </a:prstGeom>
+        </p:spPr>
+      </p:pic>
+      <p:pic>
+        <p:nvPicPr>
+          <p:cNvPr id="23" name="Picture 22"/>
           <p:cNvPicPr>
             <a:picLocks noChangeAspect="1"/>
           </p:cNvPicPr>
@@ -6055,130 +8149,54 @@
         </p:blipFill>
         <p:spPr>
           <a:xfrm>
-            <a:off x="5490754" y="4219893"/>
-            <a:ext cx="1411593" cy="1332191"/>
+            <a:off x="9614956" y="3707477"/>
+            <a:ext cx="2019300" cy="1304925"/>
           </a:xfrm>
           <a:prstGeom prst="rect">
             <a:avLst/>
           </a:prstGeom>
         </p:spPr>
       </p:pic>
-      <p:pic>
-        <p:nvPicPr>
-          <p:cNvPr id="37" name="Picture 36"/>
-          <p:cNvPicPr>
-            <a:picLocks noChangeAspect="1"/>
-          </p:cNvPicPr>
-          <p:nvPr/>
-        </p:nvPicPr>
-        <p:blipFill>
-          <a:blip r:embed="rId7"/>
-          <a:stretch>
-            <a:fillRect/>
-          </a:stretch>
-        </p:blipFill>
-        <p:spPr>
-          <a:xfrm>
-            <a:off x="3746091" y="4219893"/>
-            <a:ext cx="1500823" cy="1332191"/>
-          </a:xfrm>
-          <a:prstGeom prst="rect">
-            <a:avLst/>
-          </a:prstGeom>
-        </p:spPr>
-      </p:pic>
-      <p:sp>
-        <p:nvSpPr>
-          <p:cNvPr id="38" name="Rectangle 37"/>
-          <p:cNvSpPr/>
-          <p:nvPr/>
-        </p:nvSpPr>
-        <p:spPr>
-          <a:xfrm>
-            <a:off x="6564984" y="4674985"/>
-            <a:ext cx="183148" cy="211003"/>
-          </a:xfrm>
-          <a:prstGeom prst="rect">
-            <a:avLst/>
-          </a:prstGeom>
-        </p:spPr>
-        <p:style>
-          <a:lnRef idx="2">
-            <a:schemeClr val="accent2">
-              <a:shade val="50000"/>
-            </a:schemeClr>
-          </a:lnRef>
-          <a:fillRef idx="1">
-            <a:schemeClr val="accent2"/>
-          </a:fillRef>
-          <a:effectRef idx="0">
-            <a:schemeClr val="accent2"/>
-          </a:effectRef>
-          <a:fontRef idx="minor">
-            <a:schemeClr val="lt1"/>
-          </a:fontRef>
-        </p:style>
-        <p:txBody>
-          <a:bodyPr rtlCol="0" anchor="ctr"/>
-          <a:lstStyle/>
-          <a:p>
-            <a:pPr algn="ctr"/>
-            <a:r>
-              <a:rPr lang="en-US" dirty="0" smtClean="0"/>
-              <a:t>6</a:t>
-            </a:r>
-            <a:endParaRPr lang="en-US" dirty="0"/>
-          </a:p>
-        </p:txBody>
-      </p:sp>
-      <p:sp>
-        <p:nvSpPr>
-          <p:cNvPr id="39" name="Rectangle 38"/>
-          <p:cNvSpPr/>
-          <p:nvPr/>
-        </p:nvSpPr>
-        <p:spPr>
-          <a:xfrm>
-            <a:off x="6196550" y="4548792"/>
-            <a:ext cx="183148" cy="211003"/>
-          </a:xfrm>
-          <a:prstGeom prst="rect">
-            <a:avLst/>
-          </a:prstGeom>
-        </p:spPr>
-        <p:style>
-          <a:lnRef idx="2">
-            <a:schemeClr val="accent2">
-              <a:shade val="50000"/>
-            </a:schemeClr>
-          </a:lnRef>
-          <a:fillRef idx="1">
-            <a:schemeClr val="accent2"/>
-          </a:fillRef>
-          <a:effectRef idx="0">
-            <a:schemeClr val="accent2"/>
-          </a:effectRef>
-          <a:fontRef idx="minor">
-            <a:schemeClr val="lt1"/>
-          </a:fontRef>
-        </p:style>
-        <p:txBody>
-          <a:bodyPr rtlCol="0" anchor="ctr"/>
-          <a:lstStyle/>
-          <a:p>
-            <a:pPr algn="ctr"/>
-            <a:r>
-              <a:rPr lang="en-US" dirty="0" smtClean="0"/>
-              <a:t>5</a:t>
-            </a:r>
-            <a:endParaRPr lang="en-US" dirty="0"/>
+      <p:sp>
+        <p:nvSpPr>
+          <p:cNvPr id="24" name="TextBox 23"/>
+          <p:cNvSpPr txBox="1"/>
+          <p:nvPr/>
+        </p:nvSpPr>
+        <p:spPr>
+          <a:xfrm>
+            <a:off x="9592780" y="5160081"/>
+            <a:ext cx="2148997" cy="1200329"/>
+          </a:xfrm>
+          <a:prstGeom prst="rect">
+            <a:avLst/>
+          </a:prstGeom>
+          <a:noFill/>
+        </p:spPr>
+        <p:txBody>
+          <a:bodyPr wrap="square" rtlCol="0">
+            <a:spAutoFit/>
+          </a:bodyPr>
+          <a:lstStyle/>
+          <a:p>
+            <a:r>
+              <a:rPr lang="en-US" b="1" dirty="0" smtClean="0"/>
+              <a:t>Object Hypotheses + </a:t>
+            </a:r>
+          </a:p>
+          <a:p>
+            <a:r>
+              <a:rPr lang="en-US" b="1" dirty="0" smtClean="0"/>
+              <a:t>Per pixel background / foreground estimate</a:t>
+            </a:r>
+            <a:endParaRPr lang="en-US" b="1" dirty="0"/>
           </a:p>
         </p:txBody>
       </p:sp>
     </p:spTree>
     <p:extLst>
       <p:ext uri="{BB962C8B-B14F-4D97-AF65-F5344CB8AC3E}">
-        <p14:creationId xmlns:p14="http://schemas.microsoft.com/office/powerpoint/2010/main" val="477686783"/>
+        <p14:creationId xmlns:p14="http://schemas.microsoft.com/office/powerpoint/2010/main" val="3300232228"/>
       </p:ext>
     </p:extLst>
   </p:cSld>
@@ -6215,33 +8233,93 @@
             <p:ph type="title"/>
           </p:nvPr>
         </p:nvSpPr>
-        <p:spPr>
-          <a:xfrm>
-            <a:off x="891021" y="386920"/>
-            <a:ext cx="10515600" cy="1325563"/>
-          </a:xfrm>
-        </p:spPr>
+        <p:spPr/>
         <p:txBody>
           <a:bodyPr/>
           <a:lstStyle/>
           <a:p>
             <a:r>
               <a:rPr lang="en-US" dirty="0" smtClean="0"/>
-              <a:t>Local code-book creation – Agglomerative Clustering</a:t>
+              <a:t>Local code-book creation – Interest Point Detection</a:t>
             </a:r>
             <a:endParaRPr lang="en-US" dirty="0"/>
           </a:p>
         </p:txBody>
       </p:sp>
-      <p:pic>
-        <p:nvPicPr>
-          <p:cNvPr id="4" name="Content Placeholder 3"/>
-          <p:cNvPicPr>
-            <a:picLocks noGrp="1" noChangeAspect="1"/>
-          </p:cNvPicPr>
+      <p:sp>
+        <p:nvSpPr>
+          <p:cNvPr id="3" name="Content Placeholder 2"/>
+          <p:cNvSpPr>
+            <a:spLocks noGrp="1"/>
+          </p:cNvSpPr>
           <p:nvPr>
             <p:ph idx="1"/>
           </p:nvPr>
+        </p:nvSpPr>
+        <p:spPr/>
+        <p:txBody>
+          <a:bodyPr/>
+          <a:lstStyle/>
+          <a:p>
+            <a:r>
+              <a:rPr lang="en-US" dirty="0" smtClean="0"/>
+              <a:t>First, detect interest points using Harris detectors</a:t>
+            </a:r>
+          </a:p>
+          <a:p>
+            <a:pPr lvl="1"/>
+            <a:r>
+              <a:rPr lang="en-US" dirty="0" smtClean="0"/>
+              <a:t>Compute sample covariance matrix M for (2D) intensity gradient at each pixel.</a:t>
+            </a:r>
+          </a:p>
+          <a:p>
+            <a:pPr lvl="1"/>
+            <a:r>
+              <a:rPr lang="en-US" dirty="0" smtClean="0"/>
+              <a:t>Compute corner response (C = f(</a:t>
+            </a:r>
+            <a:r>
+              <a:rPr lang="en-US" dirty="0" err="1" smtClean="0"/>
+              <a:t>EigenVals</a:t>
+            </a:r>
+            <a:r>
+              <a:rPr lang="en-US" dirty="0" smtClean="0"/>
+              <a:t>(M))). </a:t>
+            </a:r>
+          </a:p>
+          <a:p>
+            <a:pPr lvl="1"/>
+            <a:r>
+              <a:rPr lang="en-US" dirty="0" smtClean="0"/>
+              <a:t>Interest points – maxima of </a:t>
+            </a:r>
+            <a:r>
+              <a:rPr lang="en-US" dirty="0" err="1" smtClean="0"/>
+              <a:t>thresholded</a:t>
+            </a:r>
+            <a:r>
+              <a:rPr lang="en-US" dirty="0" smtClean="0"/>
+              <a:t> C.</a:t>
+            </a:r>
+          </a:p>
+          <a:p>
+            <a:pPr lvl="1"/>
+            <a:r>
+              <a:rPr lang="en-US" dirty="0" smtClean="0"/>
+              <a:t>Take 25X25 pixel patches.</a:t>
+            </a:r>
+            <a:endParaRPr lang="en-US" b="1" dirty="0"/>
+          </a:p>
+        </p:txBody>
+      </p:sp>
+      <p:pic>
+        <p:nvPicPr>
+          <p:cNvPr id="15" name="Picture 14"/>
+          <p:cNvPicPr>
+            <a:picLocks noChangeAspect="1"/>
+          </p:cNvPicPr>
+          <p:nvPr/>
         </p:nvPicPr>
         <p:blipFill>
           <a:blip r:embed="rId2"/>
@@ -6251,8 +8329,8 @@
         </p:blipFill>
         <p:spPr>
           <a:xfrm>
-            <a:off x="8519434" y="3688647"/>
-            <a:ext cx="2887187" cy="503754"/>
+            <a:off x="7461873" y="2689224"/>
+            <a:ext cx="990600" cy="1504950"/>
           </a:xfrm>
           <a:prstGeom prst="rect">
             <a:avLst/>
@@ -6261,7 +8339,7 @@
       </p:pic>
       <p:pic>
         <p:nvPicPr>
-          <p:cNvPr id="5" name="Picture 4"/>
+          <p:cNvPr id="16" name="Picture 15"/>
           <p:cNvPicPr>
             <a:picLocks noChangeAspect="1"/>
           </p:cNvPicPr>
@@ -6275,8 +8353,8 @@
         </p:blipFill>
         <p:spPr>
           <a:xfrm>
-            <a:off x="6746282" y="1807565"/>
-            <a:ext cx="3371850" cy="638175"/>
+            <a:off x="8474386" y="2698749"/>
+            <a:ext cx="952500" cy="1495425"/>
           </a:xfrm>
           <a:prstGeom prst="rect">
             <a:avLst/>
@@ -6285,7 +8363,7 @@
       </p:pic>
       <p:pic>
         <p:nvPicPr>
-          <p:cNvPr id="9" name="Picture 8"/>
+          <p:cNvPr id="18" name="Picture 17"/>
           <p:cNvPicPr>
             <a:picLocks noChangeAspect="1"/>
           </p:cNvPicPr>
@@ -6299,17 +8377,297 @@
         </p:blipFill>
         <p:spPr>
           <a:xfrm>
-            <a:off x="1893710" y="4617689"/>
-            <a:ext cx="1438275" cy="466725"/>
+            <a:off x="11033705" y="2714943"/>
+            <a:ext cx="1028461" cy="1504950"/>
           </a:xfrm>
           <a:prstGeom prst="rect">
             <a:avLst/>
           </a:prstGeom>
         </p:spPr>
       </p:pic>
+      <p:sp>
+        <p:nvSpPr>
+          <p:cNvPr id="19" name="Oval 18"/>
+          <p:cNvSpPr/>
+          <p:nvPr/>
+        </p:nvSpPr>
+        <p:spPr>
+          <a:xfrm>
+            <a:off x="11328400" y="3379154"/>
+            <a:ext cx="60960" cy="71120"/>
+          </a:xfrm>
+          <a:prstGeom prst="ellipse">
+            <a:avLst/>
+          </a:prstGeom>
+        </p:spPr>
+        <p:style>
+          <a:lnRef idx="2">
+            <a:schemeClr val="accent1">
+              <a:shade val="50000"/>
+            </a:schemeClr>
+          </a:lnRef>
+          <a:fillRef idx="1">
+            <a:schemeClr val="accent1"/>
+          </a:fillRef>
+          <a:effectRef idx="0">
+            <a:schemeClr val="accent1"/>
+          </a:effectRef>
+          <a:fontRef idx="minor">
+            <a:schemeClr val="lt1"/>
+          </a:fontRef>
+        </p:style>
+        <p:txBody>
+          <a:bodyPr rtlCol="0" anchor="ctr"/>
+          <a:lstStyle/>
+          <a:p>
+            <a:pPr algn="ctr"/>
+            <a:endParaRPr lang="en-US"/>
+          </a:p>
+        </p:txBody>
+      </p:sp>
+      <p:sp>
+        <p:nvSpPr>
+          <p:cNvPr id="21" name="Oval 20"/>
+          <p:cNvSpPr/>
+          <p:nvPr/>
+        </p:nvSpPr>
+        <p:spPr>
+          <a:xfrm>
+            <a:off x="11308080" y="3816034"/>
+            <a:ext cx="60960" cy="71120"/>
+          </a:xfrm>
+          <a:prstGeom prst="ellipse">
+            <a:avLst/>
+          </a:prstGeom>
+        </p:spPr>
+        <p:style>
+          <a:lnRef idx="2">
+            <a:schemeClr val="accent1">
+              <a:shade val="50000"/>
+            </a:schemeClr>
+          </a:lnRef>
+          <a:fillRef idx="1">
+            <a:schemeClr val="accent1"/>
+          </a:fillRef>
+          <a:effectRef idx="0">
+            <a:schemeClr val="accent1"/>
+          </a:effectRef>
+          <a:fontRef idx="minor">
+            <a:schemeClr val="lt1"/>
+          </a:fontRef>
+        </p:style>
+        <p:txBody>
+          <a:bodyPr rtlCol="0" anchor="ctr"/>
+          <a:lstStyle/>
+          <a:p>
+            <a:pPr algn="ctr"/>
+            <a:endParaRPr lang="en-US"/>
+          </a:p>
+        </p:txBody>
+      </p:sp>
+      <p:sp>
+        <p:nvSpPr>
+          <p:cNvPr id="22" name="Oval 21"/>
+          <p:cNvSpPr/>
+          <p:nvPr/>
+        </p:nvSpPr>
+        <p:spPr>
+          <a:xfrm>
+            <a:off x="11612880" y="3175954"/>
+            <a:ext cx="60960" cy="71120"/>
+          </a:xfrm>
+          <a:prstGeom prst="ellipse">
+            <a:avLst/>
+          </a:prstGeom>
+        </p:spPr>
+        <p:style>
+          <a:lnRef idx="2">
+            <a:schemeClr val="accent1">
+              <a:shade val="50000"/>
+            </a:schemeClr>
+          </a:lnRef>
+          <a:fillRef idx="1">
+            <a:schemeClr val="accent1"/>
+          </a:fillRef>
+          <a:effectRef idx="0">
+            <a:schemeClr val="accent1"/>
+          </a:effectRef>
+          <a:fontRef idx="minor">
+            <a:schemeClr val="lt1"/>
+          </a:fontRef>
+        </p:style>
+        <p:txBody>
+          <a:bodyPr rtlCol="0" anchor="ctr"/>
+          <a:lstStyle/>
+          <a:p>
+            <a:pPr algn="ctr"/>
+            <a:endParaRPr lang="en-US"/>
+          </a:p>
+        </p:txBody>
+      </p:sp>
+      <p:sp>
+        <p:nvSpPr>
+          <p:cNvPr id="24" name="Oval 23"/>
+          <p:cNvSpPr/>
+          <p:nvPr/>
+        </p:nvSpPr>
+        <p:spPr>
+          <a:xfrm>
+            <a:off x="11450320" y="3927794"/>
+            <a:ext cx="60960" cy="71120"/>
+          </a:xfrm>
+          <a:prstGeom prst="ellipse">
+            <a:avLst/>
+          </a:prstGeom>
+        </p:spPr>
+        <p:style>
+          <a:lnRef idx="2">
+            <a:schemeClr val="accent1">
+              <a:shade val="50000"/>
+            </a:schemeClr>
+          </a:lnRef>
+          <a:fillRef idx="1">
+            <a:schemeClr val="accent1"/>
+          </a:fillRef>
+          <a:effectRef idx="0">
+            <a:schemeClr val="accent1"/>
+          </a:effectRef>
+          <a:fontRef idx="minor">
+            <a:schemeClr val="lt1"/>
+          </a:fontRef>
+        </p:style>
+        <p:txBody>
+          <a:bodyPr rtlCol="0" anchor="ctr"/>
+          <a:lstStyle/>
+          <a:p>
+            <a:pPr algn="ctr"/>
+            <a:endParaRPr lang="en-US"/>
+          </a:p>
+        </p:txBody>
+      </p:sp>
+      <p:sp>
+        <p:nvSpPr>
+          <p:cNvPr id="25" name="Oval 24"/>
+          <p:cNvSpPr/>
+          <p:nvPr/>
+        </p:nvSpPr>
+        <p:spPr>
+          <a:xfrm>
+            <a:off x="11907520" y="3663634"/>
+            <a:ext cx="60960" cy="71120"/>
+          </a:xfrm>
+          <a:prstGeom prst="ellipse">
+            <a:avLst/>
+          </a:prstGeom>
+        </p:spPr>
+        <p:style>
+          <a:lnRef idx="2">
+            <a:schemeClr val="accent1">
+              <a:shade val="50000"/>
+            </a:schemeClr>
+          </a:lnRef>
+          <a:fillRef idx="1">
+            <a:schemeClr val="accent1"/>
+          </a:fillRef>
+          <a:effectRef idx="0">
+            <a:schemeClr val="accent1"/>
+          </a:effectRef>
+          <a:fontRef idx="minor">
+            <a:schemeClr val="lt1"/>
+          </a:fontRef>
+        </p:style>
+        <p:txBody>
+          <a:bodyPr rtlCol="0" anchor="ctr"/>
+          <a:lstStyle/>
+          <a:p>
+            <a:pPr algn="ctr"/>
+            <a:endParaRPr lang="en-US"/>
+          </a:p>
+        </p:txBody>
+      </p:sp>
+      <p:sp>
+        <p:nvSpPr>
+          <p:cNvPr id="26" name="Oval 25"/>
+          <p:cNvSpPr/>
+          <p:nvPr/>
+        </p:nvSpPr>
+        <p:spPr>
+          <a:xfrm>
+            <a:off x="11673840" y="3501074"/>
+            <a:ext cx="60960" cy="71120"/>
+          </a:xfrm>
+          <a:prstGeom prst="ellipse">
+            <a:avLst/>
+          </a:prstGeom>
+        </p:spPr>
+        <p:style>
+          <a:lnRef idx="2">
+            <a:schemeClr val="accent1">
+              <a:shade val="50000"/>
+            </a:schemeClr>
+          </a:lnRef>
+          <a:fillRef idx="1">
+            <a:schemeClr val="accent1"/>
+          </a:fillRef>
+          <a:effectRef idx="0">
+            <a:schemeClr val="accent1"/>
+          </a:effectRef>
+          <a:fontRef idx="minor">
+            <a:schemeClr val="lt1"/>
+          </a:fontRef>
+        </p:style>
+        <p:txBody>
+          <a:bodyPr rtlCol="0" anchor="ctr"/>
+          <a:lstStyle/>
+          <a:p>
+            <a:pPr algn="ctr"/>
+            <a:endParaRPr lang="en-US"/>
+          </a:p>
+        </p:txBody>
+      </p:sp>
+      <p:sp>
+        <p:nvSpPr>
+          <p:cNvPr id="27" name="Oval 26"/>
+          <p:cNvSpPr/>
+          <p:nvPr/>
+        </p:nvSpPr>
+        <p:spPr>
+          <a:xfrm>
+            <a:off x="11389360" y="2739074"/>
+            <a:ext cx="60960" cy="71120"/>
+          </a:xfrm>
+          <a:prstGeom prst="ellipse">
+            <a:avLst/>
+          </a:prstGeom>
+        </p:spPr>
+        <p:style>
+          <a:lnRef idx="2">
+            <a:schemeClr val="accent1">
+              <a:shade val="50000"/>
+            </a:schemeClr>
+          </a:lnRef>
+          <a:fillRef idx="1">
+            <a:schemeClr val="accent1"/>
+          </a:fillRef>
+          <a:effectRef idx="0">
+            <a:schemeClr val="accent1"/>
+          </a:effectRef>
+          <a:fontRef idx="minor">
+            <a:schemeClr val="lt1"/>
+          </a:fontRef>
+        </p:style>
+        <p:txBody>
+          <a:bodyPr rtlCol="0" anchor="ctr"/>
+          <a:lstStyle/>
+          <a:p>
+            <a:pPr algn="ctr"/>
+            <a:endParaRPr lang="en-US"/>
+          </a:p>
+        </p:txBody>
+      </p:sp>
       <p:pic>
         <p:nvPicPr>
-          <p:cNvPr id="11" name="Picture 10"/>
+          <p:cNvPr id="28" name="Picture 27"/>
           <p:cNvPicPr>
             <a:picLocks noChangeAspect="1"/>
           </p:cNvPicPr>
@@ -6323,286 +8681,8 @@
         </p:blipFill>
         <p:spPr>
           <a:xfrm>
-            <a:off x="7722496" y="5356268"/>
-            <a:ext cx="1571625" cy="476250"/>
-          </a:xfrm>
-          <a:prstGeom prst="rect">
-            <a:avLst/>
-          </a:prstGeom>
-        </p:spPr>
-      </p:pic>
-      <p:sp>
-        <p:nvSpPr>
-          <p:cNvPr id="12" name="TextBox 11"/>
-          <p:cNvSpPr txBox="1"/>
-          <p:nvPr/>
-        </p:nvSpPr>
-        <p:spPr>
-          <a:xfrm>
-            <a:off x="908498" y="1941987"/>
-            <a:ext cx="5978175" cy="369332"/>
-          </a:xfrm>
-          <a:prstGeom prst="rect">
-            <a:avLst/>
-          </a:prstGeom>
-          <a:noFill/>
-        </p:spPr>
-        <p:txBody>
-          <a:bodyPr wrap="none" rtlCol="0">
-            <a:spAutoFit/>
-          </a:bodyPr>
-          <a:lstStyle/>
-          <a:p>
-            <a:r>
-              <a:rPr lang="en-US" dirty="0" smtClean="0"/>
-              <a:t>For a pair of patches (</a:t>
-            </a:r>
-            <a:r>
-              <a:rPr lang="en-US" dirty="0" err="1" smtClean="0"/>
-              <a:t>p,q</a:t>
-            </a:r>
-            <a:r>
-              <a:rPr lang="en-US" dirty="0" smtClean="0"/>
-              <a:t>): Normalized Grayscale correlation =</a:t>
-            </a:r>
-            <a:endParaRPr lang="en-US" dirty="0"/>
-          </a:p>
-        </p:txBody>
-      </p:sp>
-      <p:pic>
-        <p:nvPicPr>
-          <p:cNvPr id="13" name="Picture 12"/>
-          <p:cNvPicPr>
-            <a:picLocks noChangeAspect="1"/>
-          </p:cNvPicPr>
-          <p:nvPr/>
-        </p:nvPicPr>
-        <p:blipFill>
-          <a:blip r:embed="rId6"/>
-          <a:stretch>
-            <a:fillRect/>
-          </a:stretch>
-        </p:blipFill>
-        <p:spPr>
-          <a:xfrm>
-            <a:off x="3897585" y="2406401"/>
-            <a:ext cx="643729" cy="588944"/>
-          </a:xfrm>
-          <a:prstGeom prst="rect">
-            <a:avLst/>
-          </a:prstGeom>
-        </p:spPr>
-      </p:pic>
-      <p:pic>
-        <p:nvPicPr>
-          <p:cNvPr id="14" name="Picture 13"/>
-          <p:cNvPicPr>
-            <a:picLocks noChangeAspect="1"/>
-          </p:cNvPicPr>
-          <p:nvPr/>
-        </p:nvPicPr>
-        <p:blipFill>
-          <a:blip r:embed="rId7"/>
-          <a:stretch>
-            <a:fillRect/>
-          </a:stretch>
-        </p:blipFill>
-        <p:spPr>
-          <a:xfrm>
-            <a:off x="4541314" y="2406401"/>
-            <a:ext cx="620451" cy="593475"/>
-          </a:xfrm>
-          <a:prstGeom prst="rect">
-            <a:avLst/>
-          </a:prstGeom>
-        </p:spPr>
-      </p:pic>
-      <p:sp>
-        <p:nvSpPr>
-          <p:cNvPr id="15" name="TextBox 14"/>
-          <p:cNvSpPr txBox="1"/>
-          <p:nvPr/>
-        </p:nvSpPr>
-        <p:spPr>
-          <a:xfrm>
-            <a:off x="5288397" y="2462754"/>
-            <a:ext cx="1116011" cy="369332"/>
-          </a:xfrm>
-          <a:prstGeom prst="rect">
-            <a:avLst/>
-          </a:prstGeom>
-          <a:noFill/>
-        </p:spPr>
-        <p:txBody>
-          <a:bodyPr wrap="none" rtlCol="0">
-            <a:spAutoFit/>
-          </a:bodyPr>
-          <a:lstStyle/>
-          <a:p>
-            <a:r>
-              <a:rPr lang="en-US" dirty="0" smtClean="0"/>
-              <a:t>NGC = 0.9</a:t>
-            </a:r>
-            <a:endParaRPr lang="en-US" dirty="0"/>
-          </a:p>
-        </p:txBody>
-      </p:sp>
-      <p:pic>
-        <p:nvPicPr>
-          <p:cNvPr id="17" name="Picture 16"/>
-          <p:cNvPicPr>
-            <a:picLocks noChangeAspect="1"/>
-          </p:cNvPicPr>
-          <p:nvPr/>
-        </p:nvPicPr>
-        <p:blipFill>
-          <a:blip r:embed="rId6"/>
-          <a:stretch>
-            <a:fillRect/>
-          </a:stretch>
-        </p:blipFill>
-        <p:spPr>
-          <a:xfrm>
-            <a:off x="3897585" y="3136838"/>
-            <a:ext cx="643729" cy="588944"/>
-          </a:xfrm>
-          <a:prstGeom prst="rect">
-            <a:avLst/>
-          </a:prstGeom>
-        </p:spPr>
-      </p:pic>
-      <p:pic>
-        <p:nvPicPr>
-          <p:cNvPr id="18" name="Picture 17"/>
-          <p:cNvPicPr>
-            <a:picLocks noChangeAspect="1"/>
-          </p:cNvPicPr>
-          <p:nvPr/>
-        </p:nvPicPr>
-        <p:blipFill>
-          <a:blip r:embed="rId8"/>
-          <a:stretch>
-            <a:fillRect/>
-          </a:stretch>
-        </p:blipFill>
-        <p:spPr>
-          <a:xfrm>
-            <a:off x="4549442" y="3132307"/>
-            <a:ext cx="612323" cy="599012"/>
-          </a:xfrm>
-          <a:prstGeom prst="rect">
-            <a:avLst/>
-          </a:prstGeom>
-        </p:spPr>
-      </p:pic>
-      <p:sp>
-        <p:nvSpPr>
-          <p:cNvPr id="21" name="TextBox 20"/>
-          <p:cNvSpPr txBox="1"/>
-          <p:nvPr/>
-        </p:nvSpPr>
-        <p:spPr>
-          <a:xfrm>
-            <a:off x="5282578" y="3246644"/>
-            <a:ext cx="1116011" cy="369332"/>
-          </a:xfrm>
-          <a:prstGeom prst="rect">
-            <a:avLst/>
-          </a:prstGeom>
-          <a:noFill/>
-        </p:spPr>
-        <p:txBody>
-          <a:bodyPr wrap="none" rtlCol="0">
-            <a:spAutoFit/>
-          </a:bodyPr>
-          <a:lstStyle/>
-          <a:p>
-            <a:r>
-              <a:rPr lang="en-US" dirty="0" smtClean="0"/>
-              <a:t>NGC = 0.4</a:t>
-            </a:r>
-            <a:endParaRPr lang="en-US" dirty="0"/>
-          </a:p>
-        </p:txBody>
-      </p:sp>
-      <p:sp>
-        <p:nvSpPr>
-          <p:cNvPr id="22" name="TextBox 21"/>
-          <p:cNvSpPr txBox="1"/>
-          <p:nvPr/>
-        </p:nvSpPr>
-        <p:spPr>
-          <a:xfrm>
-            <a:off x="908498" y="3803316"/>
-            <a:ext cx="8994123" cy="646331"/>
-          </a:xfrm>
-          <a:prstGeom prst="rect">
-            <a:avLst/>
-          </a:prstGeom>
-          <a:noFill/>
-        </p:spPr>
-        <p:txBody>
-          <a:bodyPr wrap="square" rtlCol="0">
-            <a:spAutoFit/>
-          </a:bodyPr>
-          <a:lstStyle/>
-          <a:p>
-            <a:r>
-              <a:rPr lang="en-US" dirty="0" smtClean="0"/>
-              <a:t>Start with each patch as a separate cluster. Merge two clusters if they are similar.</a:t>
-            </a:r>
-          </a:p>
-          <a:p>
-            <a:r>
-              <a:rPr lang="en-US" dirty="0" smtClean="0"/>
-              <a:t>(Average of pair-wise NGCs of each pair in C1 X C2. t = 0.7 for their experiments)</a:t>
-            </a:r>
-            <a:endParaRPr lang="en-US" dirty="0"/>
-          </a:p>
-        </p:txBody>
-      </p:sp>
-      <p:pic>
-        <p:nvPicPr>
-          <p:cNvPr id="23" name="Picture 22"/>
-          <p:cNvPicPr>
-            <a:picLocks noChangeAspect="1"/>
-          </p:cNvPicPr>
-          <p:nvPr/>
-        </p:nvPicPr>
-        <p:blipFill>
-          <a:blip r:embed="rId9"/>
-          <a:stretch>
-            <a:fillRect/>
-          </a:stretch>
-        </p:blipFill>
-        <p:spPr>
-          <a:xfrm>
-            <a:off x="1978551" y="5432468"/>
-            <a:ext cx="828675" cy="400050"/>
-          </a:xfrm>
-          <a:prstGeom prst="rect">
-            <a:avLst/>
-          </a:prstGeom>
-        </p:spPr>
-      </p:pic>
-      <p:pic>
-        <p:nvPicPr>
-          <p:cNvPr id="24" name="Picture 23"/>
-          <p:cNvPicPr>
-            <a:picLocks noChangeAspect="1"/>
-          </p:cNvPicPr>
-          <p:nvPr/>
-        </p:nvPicPr>
-        <p:blipFill>
-          <a:blip r:embed="rId4"/>
-          <a:stretch>
-            <a:fillRect/>
-          </a:stretch>
-        </p:blipFill>
-        <p:spPr>
-          <a:xfrm>
-            <a:off x="7722496" y="4557082"/>
-            <a:ext cx="1438275" cy="466725"/>
+            <a:off x="9468571" y="2714943"/>
+            <a:ext cx="916380" cy="1479232"/>
           </a:xfrm>
           <a:prstGeom prst="rect">
             <a:avLst/>
@@ -6611,14 +8691,14 @@
       </p:pic>
       <p:cxnSp>
         <p:nvCxnSpPr>
-          <p:cNvPr id="26" name="Straight Arrow Connector 25"/>
+          <p:cNvPr id="30" name="Straight Arrow Connector 29"/>
           <p:cNvCxnSpPr/>
           <p:nvPr/>
         </p:nvCxnSpPr>
         <p:spPr>
           <a:xfrm>
-            <a:off x="2111604" y="5084414"/>
-            <a:ext cx="0" cy="348054"/>
+            <a:off x="10515600" y="3379154"/>
+            <a:ext cx="386080" cy="0"/>
           </a:xfrm>
           <a:prstGeom prst="straightConnector1">
             <a:avLst/>
@@ -6644,355 +8724,102 @@
       </p:cxnSp>
       <p:sp>
         <p:nvSpPr>
-          <p:cNvPr id="27" name="TextBox 26"/>
-          <p:cNvSpPr txBox="1"/>
-          <p:nvPr/>
-        </p:nvSpPr>
-        <p:spPr>
-          <a:xfrm>
-            <a:off x="1422369" y="5037316"/>
-            <a:ext cx="875561" cy="261610"/>
-          </a:xfrm>
-          <a:prstGeom prst="rect">
-            <a:avLst/>
-          </a:prstGeom>
-          <a:noFill/>
-        </p:spPr>
-        <p:txBody>
-          <a:bodyPr wrap="none" rtlCol="0">
-            <a:spAutoFit/>
-          </a:bodyPr>
-          <a:lstStyle/>
-          <a:p>
-            <a:r>
-              <a:rPr lang="en-US" sz="1100" dirty="0" smtClean="0"/>
-              <a:t>NGC</a:t>
-            </a:r>
-            <a:r>
-              <a:rPr lang="en-US" sz="1100" baseline="-25000" dirty="0" smtClean="0"/>
-              <a:t>0,0</a:t>
-            </a:r>
-            <a:r>
-              <a:rPr lang="en-US" sz="1100" dirty="0" smtClean="0"/>
-              <a:t> = 0.9</a:t>
-            </a:r>
-            <a:endParaRPr lang="en-US" sz="1100" dirty="0"/>
-          </a:p>
-        </p:txBody>
-      </p:sp>
-      <p:cxnSp>
-        <p:nvCxnSpPr>
-          <p:cNvPr id="28" name="Straight Arrow Connector 27"/>
-          <p:cNvCxnSpPr>
-            <a:stCxn id="27" idx="3"/>
-          </p:cNvCxnSpPr>
-          <p:nvPr/>
-        </p:nvCxnSpPr>
-        <p:spPr>
-          <a:xfrm>
-            <a:off x="2297930" y="5168121"/>
-            <a:ext cx="314917" cy="264347"/>
-          </a:xfrm>
-          <a:prstGeom prst="straightConnector1">
-            <a:avLst/>
-          </a:prstGeom>
-          <a:ln>
-            <a:tailEnd type="triangle"/>
-          </a:ln>
+          <p:cNvPr id="31" name="Oval 30"/>
+          <p:cNvSpPr/>
+          <p:nvPr/>
+        </p:nvSpPr>
+        <p:spPr>
+          <a:xfrm>
+            <a:off x="11775440" y="3897314"/>
+            <a:ext cx="60960" cy="71120"/>
+          </a:xfrm>
+          <a:prstGeom prst="ellipse">
+            <a:avLst/>
+          </a:prstGeom>
         </p:spPr>
         <p:style>
-          <a:lnRef idx="1">
-            <a:schemeClr val="accent1"/>
+          <a:lnRef idx="2">
+            <a:schemeClr val="accent1">
+              <a:shade val="50000"/>
+            </a:schemeClr>
           </a:lnRef>
-          <a:fillRef idx="0">
+          <a:fillRef idx="1">
             <a:schemeClr val="accent1"/>
           </a:fillRef>
           <a:effectRef idx="0">
             <a:schemeClr val="accent1"/>
           </a:effectRef>
           <a:fontRef idx="minor">
-            <a:schemeClr val="tx1"/>
+            <a:schemeClr val="lt1"/>
           </a:fontRef>
         </p:style>
-      </p:cxnSp>
-      <p:cxnSp>
-        <p:nvCxnSpPr>
-          <p:cNvPr id="31" name="Straight Arrow Connector 30"/>
-          <p:cNvCxnSpPr/>
-          <p:nvPr/>
-        </p:nvCxnSpPr>
-        <p:spPr>
-          <a:xfrm>
-            <a:off x="2612847" y="5084414"/>
-            <a:ext cx="0" cy="271854"/>
-          </a:xfrm>
-          <a:prstGeom prst="straightConnector1">
-            <a:avLst/>
-          </a:prstGeom>
-          <a:ln>
-            <a:tailEnd type="triangle"/>
-          </a:ln>
+        <p:txBody>
+          <a:bodyPr rtlCol="0" anchor="ctr"/>
+          <a:lstStyle/>
+          <a:p>
+            <a:pPr algn="ctr"/>
+            <a:endParaRPr lang="en-US"/>
+          </a:p>
+        </p:txBody>
+      </p:sp>
+      <p:sp>
+        <p:nvSpPr>
+          <p:cNvPr id="32" name="Oval 31"/>
+          <p:cNvSpPr/>
+          <p:nvPr/>
+        </p:nvSpPr>
+        <p:spPr>
+          <a:xfrm>
+            <a:off x="11155680" y="3582354"/>
+            <a:ext cx="60960" cy="71120"/>
+          </a:xfrm>
+          <a:prstGeom prst="ellipse">
+            <a:avLst/>
+          </a:prstGeom>
         </p:spPr>
         <p:style>
-          <a:lnRef idx="1">
-            <a:schemeClr val="accent1"/>
+          <a:lnRef idx="2">
+            <a:schemeClr val="accent1">
+              <a:shade val="50000"/>
+            </a:schemeClr>
           </a:lnRef>
-          <a:fillRef idx="0">
+          <a:fillRef idx="1">
             <a:schemeClr val="accent1"/>
           </a:fillRef>
           <a:effectRef idx="0">
             <a:schemeClr val="accent1"/>
           </a:effectRef>
           <a:fontRef idx="minor">
-            <a:schemeClr val="tx1"/>
+            <a:schemeClr val="lt1"/>
           </a:fontRef>
         </p:style>
-      </p:cxnSp>
-      <p:cxnSp>
-        <p:nvCxnSpPr>
-          <p:cNvPr id="32" name="Straight Arrow Connector 31"/>
-          <p:cNvCxnSpPr>
-            <a:stCxn id="9" idx="2"/>
-          </p:cNvCxnSpPr>
-          <p:nvPr/>
-        </p:nvCxnSpPr>
-        <p:spPr>
-          <a:xfrm flipH="1">
-            <a:off x="2111601" y="5084414"/>
-            <a:ext cx="501247" cy="298219"/>
-          </a:xfrm>
-          <a:prstGeom prst="straightConnector1">
-            <a:avLst/>
-          </a:prstGeom>
-          <a:ln>
-            <a:tailEnd type="triangle"/>
-          </a:ln>
-        </p:spPr>
-        <p:style>
-          <a:lnRef idx="1">
-            <a:schemeClr val="accent1"/>
-          </a:lnRef>
-          <a:fillRef idx="0">
-            <a:schemeClr val="accent1"/>
-          </a:fillRef>
-          <a:effectRef idx="0">
-            <a:schemeClr val="accent1"/>
-          </a:effectRef>
-          <a:fontRef idx="minor">
-            <a:schemeClr val="tx1"/>
-          </a:fontRef>
-        </p:style>
-      </p:cxnSp>
-      <p:cxnSp>
-        <p:nvCxnSpPr>
-          <p:cNvPr id="36" name="Straight Arrow Connector 35"/>
-          <p:cNvCxnSpPr/>
-          <p:nvPr/>
-        </p:nvCxnSpPr>
-        <p:spPr>
-          <a:xfrm flipH="1">
-            <a:off x="2111602" y="5037316"/>
-            <a:ext cx="952111" cy="395152"/>
-          </a:xfrm>
-          <a:prstGeom prst="straightConnector1">
-            <a:avLst/>
-          </a:prstGeom>
-          <a:ln>
-            <a:tailEnd type="triangle"/>
-          </a:ln>
-        </p:spPr>
-        <p:style>
-          <a:lnRef idx="1">
-            <a:schemeClr val="accent1"/>
-          </a:lnRef>
-          <a:fillRef idx="0">
-            <a:schemeClr val="accent1"/>
-          </a:fillRef>
-          <a:effectRef idx="0">
-            <a:schemeClr val="accent1"/>
-          </a:effectRef>
-          <a:fontRef idx="minor">
-            <a:schemeClr val="tx1"/>
-          </a:fontRef>
-        </p:style>
-      </p:cxnSp>
-      <p:cxnSp>
-        <p:nvCxnSpPr>
-          <p:cNvPr id="39" name="Straight Arrow Connector 38"/>
-          <p:cNvCxnSpPr/>
-          <p:nvPr/>
-        </p:nvCxnSpPr>
-        <p:spPr>
-          <a:xfrm flipH="1">
-            <a:off x="2600565" y="5037316"/>
-            <a:ext cx="463147" cy="395152"/>
-          </a:xfrm>
-          <a:prstGeom prst="straightConnector1">
-            <a:avLst/>
-          </a:prstGeom>
-          <a:ln>
-            <a:tailEnd type="triangle"/>
-          </a:ln>
-        </p:spPr>
-        <p:style>
-          <a:lnRef idx="1">
-            <a:schemeClr val="accent1"/>
-          </a:lnRef>
-          <a:fillRef idx="0">
-            <a:schemeClr val="accent1"/>
-          </a:fillRef>
-          <a:effectRef idx="0">
-            <a:schemeClr val="accent1"/>
-          </a:effectRef>
-          <a:fontRef idx="minor">
-            <a:schemeClr val="tx1"/>
-          </a:fontRef>
-        </p:style>
-      </p:cxnSp>
-      <p:sp>
-        <p:nvSpPr>
-          <p:cNvPr id="45" name="TextBox 44"/>
-          <p:cNvSpPr txBox="1"/>
-          <p:nvPr/>
-        </p:nvSpPr>
-        <p:spPr>
-          <a:xfrm>
-            <a:off x="3448334" y="5063136"/>
-            <a:ext cx="2707536" cy="646331"/>
-          </a:xfrm>
-          <a:prstGeom prst="rect">
-            <a:avLst/>
-          </a:prstGeom>
-          <a:noFill/>
-        </p:spPr>
-        <p:txBody>
-          <a:bodyPr wrap="none" rtlCol="0">
-            <a:spAutoFit/>
-          </a:bodyPr>
-          <a:lstStyle/>
-          <a:p>
-            <a:r>
-              <a:rPr lang="en-US" dirty="0" smtClean="0"/>
-              <a:t>Similarity(C1, C2) = 0.85</a:t>
-            </a:r>
-          </a:p>
-          <a:p>
-            <a:r>
-              <a:rPr lang="en-US" dirty="0" smtClean="0"/>
-              <a:t>(C1 and C2 will be merged)</a:t>
-            </a:r>
-            <a:endParaRPr lang="en-US" dirty="0"/>
-          </a:p>
-        </p:txBody>
-      </p:sp>
-      <p:sp>
-        <p:nvSpPr>
-          <p:cNvPr id="46" name="TextBox 45"/>
-          <p:cNvSpPr txBox="1"/>
-          <p:nvPr/>
-        </p:nvSpPr>
-        <p:spPr>
-          <a:xfrm>
-            <a:off x="9596181" y="4990836"/>
-            <a:ext cx="1571264" cy="369332"/>
-          </a:xfrm>
-          <a:prstGeom prst="rect">
-            <a:avLst/>
-          </a:prstGeom>
-          <a:noFill/>
-        </p:spPr>
-        <p:txBody>
-          <a:bodyPr wrap="none" rtlCol="0">
-            <a:spAutoFit/>
-          </a:bodyPr>
-          <a:lstStyle/>
-          <a:p>
-            <a:r>
-              <a:rPr lang="en-US" dirty="0" smtClean="0"/>
-              <a:t>Similarity = 0.4</a:t>
-            </a:r>
-            <a:endParaRPr lang="en-US" dirty="0"/>
-          </a:p>
-        </p:txBody>
-      </p:sp>
-      <p:sp>
-        <p:nvSpPr>
-          <p:cNvPr id="47" name="TextBox 46"/>
-          <p:cNvSpPr txBox="1"/>
-          <p:nvPr/>
-        </p:nvSpPr>
-        <p:spPr>
-          <a:xfrm>
-            <a:off x="1547146" y="4385711"/>
-            <a:ext cx="425116" cy="369332"/>
-          </a:xfrm>
-          <a:prstGeom prst="rect">
-            <a:avLst/>
-          </a:prstGeom>
-          <a:noFill/>
-        </p:spPr>
-        <p:txBody>
-          <a:bodyPr wrap="none" rtlCol="0">
-            <a:spAutoFit/>
-          </a:bodyPr>
-          <a:lstStyle/>
-          <a:p>
-            <a:r>
-              <a:rPr lang="en-US" dirty="0" smtClean="0"/>
-              <a:t>C1</a:t>
-            </a:r>
-            <a:endParaRPr lang="en-US" dirty="0"/>
-          </a:p>
-        </p:txBody>
-      </p:sp>
-      <p:sp>
-        <p:nvSpPr>
-          <p:cNvPr id="48" name="TextBox 47"/>
-          <p:cNvSpPr txBox="1"/>
-          <p:nvPr/>
-        </p:nvSpPr>
-        <p:spPr>
-          <a:xfrm>
-            <a:off x="1547146" y="5727533"/>
-            <a:ext cx="425116" cy="369332"/>
-          </a:xfrm>
-          <a:prstGeom prst="rect">
-            <a:avLst/>
-          </a:prstGeom>
-          <a:noFill/>
-        </p:spPr>
-        <p:txBody>
-          <a:bodyPr wrap="none" rtlCol="0">
-            <a:spAutoFit/>
-          </a:bodyPr>
-          <a:lstStyle/>
-          <a:p>
-            <a:r>
-              <a:rPr lang="en-US" dirty="0" smtClean="0"/>
-              <a:t>C2</a:t>
-            </a:r>
-            <a:endParaRPr lang="en-US" dirty="0"/>
+        <p:txBody>
+          <a:bodyPr rtlCol="0" anchor="ctr"/>
+          <a:lstStyle/>
+          <a:p>
+            <a:pPr algn="ctr"/>
+            <a:endParaRPr lang="en-US"/>
           </a:p>
         </p:txBody>
       </p:sp>
       <p:pic>
         <p:nvPicPr>
-          <p:cNvPr id="50" name="Picture 49"/>
+          <p:cNvPr id="36" name="Picture 35"/>
           <p:cNvPicPr>
             <a:picLocks noChangeAspect="1"/>
           </p:cNvPicPr>
           <p:nvPr/>
         </p:nvPicPr>
         <p:blipFill>
-          <a:blip r:embed="rId10"/>
+          <a:blip r:embed="rId6"/>
           <a:stretch>
             <a:fillRect/>
           </a:stretch>
         </p:blipFill>
         <p:spPr>
           <a:xfrm>
-            <a:off x="4352828" y="6364220"/>
-            <a:ext cx="3686891" cy="493780"/>
+            <a:off x="5490754" y="4219893"/>
+            <a:ext cx="1411593" cy="1332191"/>
           </a:xfrm>
           <a:prstGeom prst="rect">
             <a:avLst/>
@@ -7001,22 +8828,22 @@
       </p:pic>
       <p:pic>
         <p:nvPicPr>
-          <p:cNvPr id="51" name="Picture 50"/>
+          <p:cNvPr id="37" name="Picture 36"/>
           <p:cNvPicPr>
             <a:picLocks noChangeAspect="1"/>
           </p:cNvPicPr>
           <p:nvPr/>
         </p:nvPicPr>
         <p:blipFill>
-          <a:blip r:embed="rId11"/>
+          <a:blip r:embed="rId7"/>
           <a:stretch>
             <a:fillRect/>
           </a:stretch>
         </p:blipFill>
         <p:spPr>
           <a:xfrm>
-            <a:off x="8039719" y="6404025"/>
-            <a:ext cx="838200" cy="414170"/>
+            <a:off x="3746091" y="4219893"/>
+            <a:ext cx="1500823" cy="1332191"/>
           </a:xfrm>
           <a:prstGeom prst="rect">
             <a:avLst/>
@@ -7025,29 +8852,87 @@
       </p:pic>
       <p:sp>
         <p:nvSpPr>
-          <p:cNvPr id="52" name="TextBox 51"/>
-          <p:cNvSpPr txBox="1"/>
-          <p:nvPr/>
-        </p:nvSpPr>
-        <p:spPr>
-          <a:xfrm>
-            <a:off x="862986" y="6068764"/>
-            <a:ext cx="11329014" cy="369332"/>
-          </a:xfrm>
-          <a:prstGeom prst="rect">
-            <a:avLst/>
-          </a:prstGeom>
-          <a:noFill/>
-        </p:spPr>
-        <p:txBody>
-          <a:bodyPr wrap="square" rtlCol="0">
-            <a:spAutoFit/>
-          </a:bodyPr>
-          <a:lstStyle/>
-          <a:p>
-            <a:r>
-              <a:rPr lang="en-US" dirty="0" smtClean="0"/>
-              <a:t>When no more clustering possible, average patches in each cluster to obtain representative patch for each cluster.</a:t>
+          <p:cNvPr id="38" name="Rectangle 37"/>
+          <p:cNvSpPr/>
+          <p:nvPr/>
+        </p:nvSpPr>
+        <p:spPr>
+          <a:xfrm>
+            <a:off x="6564984" y="4674985"/>
+            <a:ext cx="183148" cy="211003"/>
+          </a:xfrm>
+          <a:prstGeom prst="rect">
+            <a:avLst/>
+          </a:prstGeom>
+        </p:spPr>
+        <p:style>
+          <a:lnRef idx="2">
+            <a:schemeClr val="accent2">
+              <a:shade val="50000"/>
+            </a:schemeClr>
+          </a:lnRef>
+          <a:fillRef idx="1">
+            <a:schemeClr val="accent2"/>
+          </a:fillRef>
+          <a:effectRef idx="0">
+            <a:schemeClr val="accent2"/>
+          </a:effectRef>
+          <a:fontRef idx="minor">
+            <a:schemeClr val="lt1"/>
+          </a:fontRef>
+        </p:style>
+        <p:txBody>
+          <a:bodyPr rtlCol="0" anchor="ctr"/>
+          <a:lstStyle/>
+          <a:p>
+            <a:pPr algn="ctr"/>
+            <a:r>
+              <a:rPr lang="en-US" dirty="0" smtClean="0"/>
+              <a:t>6</a:t>
+            </a:r>
+            <a:endParaRPr lang="en-US" dirty="0"/>
+          </a:p>
+        </p:txBody>
+      </p:sp>
+      <p:sp>
+        <p:nvSpPr>
+          <p:cNvPr id="39" name="Rectangle 38"/>
+          <p:cNvSpPr/>
+          <p:nvPr/>
+        </p:nvSpPr>
+        <p:spPr>
+          <a:xfrm>
+            <a:off x="6196550" y="4548792"/>
+            <a:ext cx="183148" cy="211003"/>
+          </a:xfrm>
+          <a:prstGeom prst="rect">
+            <a:avLst/>
+          </a:prstGeom>
+        </p:spPr>
+        <p:style>
+          <a:lnRef idx="2">
+            <a:schemeClr val="accent2">
+              <a:shade val="50000"/>
+            </a:schemeClr>
+          </a:lnRef>
+          <a:fillRef idx="1">
+            <a:schemeClr val="accent2"/>
+          </a:fillRef>
+          <a:effectRef idx="0">
+            <a:schemeClr val="accent2"/>
+          </a:effectRef>
+          <a:fontRef idx="minor">
+            <a:schemeClr val="lt1"/>
+          </a:fontRef>
+        </p:style>
+        <p:txBody>
+          <a:bodyPr rtlCol="0" anchor="ctr"/>
+          <a:lstStyle/>
+          <a:p>
+            <a:pPr algn="ctr"/>
+            <a:r>
+              <a:rPr lang="en-US" dirty="0" smtClean="0"/>
+              <a:t>5</a:t>
             </a:r>
             <a:endParaRPr lang="en-US" dirty="0"/>
           </a:p>
@@ -7056,7 +8941,7 @@
     </p:spTree>
     <p:extLst>
       <p:ext uri="{BB962C8B-B14F-4D97-AF65-F5344CB8AC3E}">
-        <p14:creationId xmlns:p14="http://schemas.microsoft.com/office/powerpoint/2010/main" val="523556827"/>
+        <p14:creationId xmlns:p14="http://schemas.microsoft.com/office/powerpoint/2010/main" val="477686783"/>
       </p:ext>
     </p:extLst>
   </p:cSld>
@@ -7093,101 +8978,19 @@
             <p:ph type="title"/>
           </p:nvPr>
         </p:nvSpPr>
-        <p:spPr/>
+        <p:spPr>
+          <a:xfrm>
+            <a:off x="891021" y="386920"/>
+            <a:ext cx="10515600" cy="1325563"/>
+          </a:xfrm>
+        </p:spPr>
         <p:txBody>
           <a:bodyPr/>
           <a:lstStyle/>
           <a:p>
             <a:r>
               <a:rPr lang="en-US" dirty="0" smtClean="0"/>
-              <a:t>Local code-book creation: Input =&gt; Output</a:t>
-            </a:r>
-            <a:endParaRPr lang="en-US" dirty="0"/>
-          </a:p>
-        </p:txBody>
-      </p:sp>
-      <p:sp>
-        <p:nvSpPr>
-          <p:cNvPr id="5" name="TextBox 4"/>
-          <p:cNvSpPr txBox="1"/>
-          <p:nvPr/>
-        </p:nvSpPr>
-        <p:spPr>
-          <a:xfrm>
-            <a:off x="2038527" y="5357169"/>
-            <a:ext cx="2657587" cy="923330"/>
-          </a:xfrm>
-          <a:prstGeom prst="rect">
-            <a:avLst/>
-          </a:prstGeom>
-          <a:noFill/>
-        </p:spPr>
-        <p:txBody>
-          <a:bodyPr wrap="none" rtlCol="0">
-            <a:spAutoFit/>
-          </a:bodyPr>
-          <a:lstStyle/>
-          <a:p>
-            <a:r>
-              <a:rPr lang="en-US" b="1" dirty="0" smtClean="0"/>
-              <a:t>     </a:t>
-            </a:r>
-            <a:r>
-              <a:rPr lang="en-US" b="1" dirty="0" smtClean="0"/>
-              <a:t>Training images + </a:t>
-            </a:r>
-          </a:p>
-          <a:p>
-            <a:r>
-              <a:rPr lang="en-US" b="1" dirty="0" smtClean="0"/>
-              <a:t>Labels (object categories</a:t>
-            </a:r>
-            <a:r>
-              <a:rPr lang="en-US" b="1" dirty="0" smtClean="0"/>
-              <a:t>) </a:t>
-            </a:r>
-          </a:p>
-          <a:p>
-            <a:r>
-              <a:rPr lang="en-US" b="1" dirty="0" smtClean="0">
-                <a:solidFill>
-                  <a:srgbClr val="FF0000"/>
-                </a:solidFill>
-              </a:rPr>
-              <a:t>       Object centers??</a:t>
-            </a:r>
-            <a:endParaRPr lang="en-US" b="1" dirty="0">
-              <a:solidFill>
-                <a:srgbClr val="FF0000"/>
-              </a:solidFill>
-            </a:endParaRPr>
-          </a:p>
-        </p:txBody>
-      </p:sp>
-      <p:sp>
-        <p:nvSpPr>
-          <p:cNvPr id="6" name="Rectangle 5"/>
-          <p:cNvSpPr/>
-          <p:nvPr/>
-        </p:nvSpPr>
-        <p:spPr>
-          <a:xfrm>
-            <a:off x="3117894" y="4722662"/>
-            <a:ext cx="498855" cy="369332"/>
-          </a:xfrm>
-          <a:prstGeom prst="rect">
-            <a:avLst/>
-          </a:prstGeom>
-        </p:spPr>
-        <p:txBody>
-          <a:bodyPr wrap="none">
-            <a:spAutoFit/>
-          </a:bodyPr>
-          <a:lstStyle/>
-          <a:p>
-            <a:r>
-              <a:rPr lang="en-US" dirty="0" smtClean="0"/>
-              <a:t>Car</a:t>
+              <a:t>Local code-book creation – Agglomerative Clustering</a:t>
             </a:r>
             <a:endParaRPr lang="en-US" dirty="0"/>
           </a:p>
@@ -7195,381 +8998,33 @@
       </p:sp>
       <p:pic>
         <p:nvPicPr>
-          <p:cNvPr id="23" name="Picture 22"/>
+          <p:cNvPr id="4" name="Content Placeholder 3"/>
           <p:cNvPicPr>
-            <a:picLocks noChangeAspect="1"/>
+            <a:picLocks noGrp="1" noChangeAspect="1"/>
           </p:cNvPicPr>
-          <p:nvPr/>
+          <p:nvPr>
+            <p:ph idx="1"/>
+          </p:nvPr>
         </p:nvPicPr>
-        <p:blipFill rotWithShape="1">
+        <p:blipFill>
           <a:blip r:embed="rId2"/>
-          <a:srcRect t="-1" b="50735"/>
-          <a:stretch/>
+          <a:stretch>
+            <a:fillRect/>
+          </a:stretch>
         </p:blipFill>
         <p:spPr>
           <a:xfrm>
-            <a:off x="7540551" y="1837711"/>
-            <a:ext cx="3093252" cy="1523914"/>
+            <a:off x="8519434" y="3688647"/>
+            <a:ext cx="2887187" cy="503754"/>
           </a:xfrm>
           <a:prstGeom prst="rect">
             <a:avLst/>
           </a:prstGeom>
         </p:spPr>
       </p:pic>
-      <p:sp>
-        <p:nvSpPr>
-          <p:cNvPr id="24" name="Rectangle 23"/>
-          <p:cNvSpPr/>
-          <p:nvPr/>
-        </p:nvSpPr>
-        <p:spPr>
-          <a:xfrm>
-            <a:off x="9457215" y="2722942"/>
-            <a:ext cx="183148" cy="211003"/>
-          </a:xfrm>
-          <a:prstGeom prst="rect">
-            <a:avLst/>
-          </a:prstGeom>
-        </p:spPr>
-        <p:style>
-          <a:lnRef idx="2">
-            <a:schemeClr val="accent2">
-              <a:shade val="50000"/>
-            </a:schemeClr>
-          </a:lnRef>
-          <a:fillRef idx="1">
-            <a:schemeClr val="accent2"/>
-          </a:fillRef>
-          <a:effectRef idx="0">
-            <a:schemeClr val="accent2"/>
-          </a:effectRef>
-          <a:fontRef idx="minor">
-            <a:schemeClr val="lt1"/>
-          </a:fontRef>
-        </p:style>
-        <p:txBody>
-          <a:bodyPr rtlCol="0" anchor="ctr"/>
-          <a:lstStyle/>
-          <a:p>
-            <a:pPr algn="ctr"/>
-            <a:r>
-              <a:rPr lang="en-US" dirty="0" smtClean="0"/>
-              <a:t>3</a:t>
-            </a:r>
-            <a:endParaRPr lang="en-US" dirty="0"/>
-          </a:p>
-        </p:txBody>
-      </p:sp>
-      <p:sp>
-        <p:nvSpPr>
-          <p:cNvPr id="25" name="Rectangle 24"/>
-          <p:cNvSpPr/>
-          <p:nvPr/>
-        </p:nvSpPr>
-        <p:spPr>
-          <a:xfrm>
-            <a:off x="8642111" y="2730674"/>
-            <a:ext cx="183148" cy="211003"/>
-          </a:xfrm>
-          <a:prstGeom prst="rect">
-            <a:avLst/>
-          </a:prstGeom>
-        </p:spPr>
-        <p:style>
-          <a:lnRef idx="2">
-            <a:schemeClr val="accent2">
-              <a:shade val="50000"/>
-            </a:schemeClr>
-          </a:lnRef>
-          <a:fillRef idx="1">
-            <a:schemeClr val="accent2"/>
-          </a:fillRef>
-          <a:effectRef idx="0">
-            <a:schemeClr val="accent2"/>
-          </a:effectRef>
-          <a:fontRef idx="minor">
-            <a:schemeClr val="lt1"/>
-          </a:fontRef>
-        </p:style>
-        <p:txBody>
-          <a:bodyPr rtlCol="0" anchor="ctr"/>
-          <a:lstStyle/>
-          <a:p>
-            <a:pPr algn="ctr"/>
-            <a:r>
-              <a:rPr lang="en-US" dirty="0" smtClean="0"/>
-              <a:t>6</a:t>
-            </a:r>
-            <a:endParaRPr lang="en-US" dirty="0"/>
-          </a:p>
-        </p:txBody>
-      </p:sp>
-      <p:sp>
-        <p:nvSpPr>
-          <p:cNvPr id="26" name="Rectangle 25"/>
-          <p:cNvSpPr/>
-          <p:nvPr/>
-        </p:nvSpPr>
-        <p:spPr>
-          <a:xfrm>
-            <a:off x="10344684" y="2704799"/>
-            <a:ext cx="183148" cy="211003"/>
-          </a:xfrm>
-          <a:prstGeom prst="rect">
-            <a:avLst/>
-          </a:prstGeom>
-        </p:spPr>
-        <p:style>
-          <a:lnRef idx="2">
-            <a:schemeClr val="accent2">
-              <a:shade val="50000"/>
-            </a:schemeClr>
-          </a:lnRef>
-          <a:fillRef idx="1">
-            <a:schemeClr val="accent2"/>
-          </a:fillRef>
-          <a:effectRef idx="0">
-            <a:schemeClr val="accent2"/>
-          </a:effectRef>
-          <a:fontRef idx="minor">
-            <a:schemeClr val="lt1"/>
-          </a:fontRef>
-        </p:style>
-        <p:txBody>
-          <a:bodyPr rtlCol="0" anchor="ctr"/>
-          <a:lstStyle/>
-          <a:p>
-            <a:pPr algn="ctr"/>
-            <a:r>
-              <a:rPr lang="en-US" dirty="0" smtClean="0"/>
-              <a:t>1</a:t>
-            </a:r>
-            <a:endParaRPr lang="en-US" dirty="0"/>
-          </a:p>
-        </p:txBody>
-      </p:sp>
-      <p:sp>
-        <p:nvSpPr>
-          <p:cNvPr id="27" name="Rectangle 26"/>
-          <p:cNvSpPr/>
-          <p:nvPr/>
-        </p:nvSpPr>
-        <p:spPr>
-          <a:xfrm>
-            <a:off x="10101932" y="2704800"/>
-            <a:ext cx="183148" cy="211003"/>
-          </a:xfrm>
-          <a:prstGeom prst="rect">
-            <a:avLst/>
-          </a:prstGeom>
-        </p:spPr>
-        <p:style>
-          <a:lnRef idx="2">
-            <a:schemeClr val="accent2">
-              <a:shade val="50000"/>
-            </a:schemeClr>
-          </a:lnRef>
-          <a:fillRef idx="1">
-            <a:schemeClr val="accent2"/>
-          </a:fillRef>
-          <a:effectRef idx="0">
-            <a:schemeClr val="accent2"/>
-          </a:effectRef>
-          <a:fontRef idx="minor">
-            <a:schemeClr val="lt1"/>
-          </a:fontRef>
-        </p:style>
-        <p:txBody>
-          <a:bodyPr rtlCol="0" anchor="ctr"/>
-          <a:lstStyle/>
-          <a:p>
-            <a:pPr algn="ctr"/>
-            <a:r>
-              <a:rPr lang="en-US" dirty="0" smtClean="0"/>
-              <a:t>2</a:t>
-            </a:r>
-            <a:endParaRPr lang="en-US" dirty="0"/>
-          </a:p>
-        </p:txBody>
-      </p:sp>
-      <p:sp>
-        <p:nvSpPr>
-          <p:cNvPr id="28" name="Rectangle 27"/>
-          <p:cNvSpPr/>
-          <p:nvPr/>
-        </p:nvSpPr>
-        <p:spPr>
-          <a:xfrm>
-            <a:off x="9217379" y="2721879"/>
-            <a:ext cx="183148" cy="211003"/>
-          </a:xfrm>
-          <a:prstGeom prst="rect">
-            <a:avLst/>
-          </a:prstGeom>
-        </p:spPr>
-        <p:style>
-          <a:lnRef idx="2">
-            <a:schemeClr val="accent2">
-              <a:shade val="50000"/>
-            </a:schemeClr>
-          </a:lnRef>
-          <a:fillRef idx="1">
-            <a:schemeClr val="accent2"/>
-          </a:fillRef>
-          <a:effectRef idx="0">
-            <a:schemeClr val="accent2"/>
-          </a:effectRef>
-          <a:fontRef idx="minor">
-            <a:schemeClr val="lt1"/>
-          </a:fontRef>
-        </p:style>
-        <p:txBody>
-          <a:bodyPr rtlCol="0" anchor="ctr"/>
-          <a:lstStyle/>
-          <a:p>
-            <a:pPr algn="ctr"/>
-            <a:r>
-              <a:rPr lang="en-US" dirty="0" smtClean="0"/>
-              <a:t>4</a:t>
-            </a:r>
-            <a:endParaRPr lang="en-US" dirty="0"/>
-          </a:p>
-        </p:txBody>
-      </p:sp>
-      <p:sp>
-        <p:nvSpPr>
-          <p:cNvPr id="29" name="Rectangle 28"/>
-          <p:cNvSpPr/>
-          <p:nvPr/>
-        </p:nvSpPr>
-        <p:spPr>
-          <a:xfrm>
-            <a:off x="7732412" y="2740612"/>
-            <a:ext cx="183148" cy="211003"/>
-          </a:xfrm>
-          <a:prstGeom prst="rect">
-            <a:avLst/>
-          </a:prstGeom>
-        </p:spPr>
-        <p:style>
-          <a:lnRef idx="2">
-            <a:schemeClr val="accent2">
-              <a:shade val="50000"/>
-            </a:schemeClr>
-          </a:lnRef>
-          <a:fillRef idx="1">
-            <a:schemeClr val="accent2"/>
-          </a:fillRef>
-          <a:effectRef idx="0">
-            <a:schemeClr val="accent2"/>
-          </a:effectRef>
-          <a:fontRef idx="minor">
-            <a:schemeClr val="lt1"/>
-          </a:fontRef>
-        </p:style>
-        <p:txBody>
-          <a:bodyPr rtlCol="0" anchor="ctr"/>
-          <a:lstStyle/>
-          <a:p>
-            <a:pPr algn="ctr"/>
-            <a:r>
-              <a:rPr lang="en-US" dirty="0"/>
-              <a:t>8</a:t>
-            </a:r>
-          </a:p>
-        </p:txBody>
-      </p:sp>
-      <p:sp>
-        <p:nvSpPr>
-          <p:cNvPr id="30" name="Rectangle 29"/>
-          <p:cNvSpPr/>
-          <p:nvPr/>
-        </p:nvSpPr>
-        <p:spPr>
-          <a:xfrm>
-            <a:off x="8868656" y="2731817"/>
-            <a:ext cx="183148" cy="211003"/>
-          </a:xfrm>
-          <a:prstGeom prst="rect">
-            <a:avLst/>
-          </a:prstGeom>
-        </p:spPr>
-        <p:style>
-          <a:lnRef idx="2">
-            <a:schemeClr val="accent2">
-              <a:shade val="50000"/>
-            </a:schemeClr>
-          </a:lnRef>
-          <a:fillRef idx="1">
-            <a:schemeClr val="accent2"/>
-          </a:fillRef>
-          <a:effectRef idx="0">
-            <a:schemeClr val="accent2"/>
-          </a:effectRef>
-          <a:fontRef idx="minor">
-            <a:schemeClr val="lt1"/>
-          </a:fontRef>
-        </p:style>
-        <p:txBody>
-          <a:bodyPr rtlCol="0" anchor="ctr"/>
-          <a:lstStyle/>
-          <a:p>
-            <a:pPr algn="ctr"/>
-            <a:r>
-              <a:rPr lang="en-US" dirty="0" smtClean="0"/>
-              <a:t>5</a:t>
-            </a:r>
-            <a:endParaRPr lang="en-US" dirty="0"/>
-          </a:p>
-        </p:txBody>
-      </p:sp>
-      <p:sp>
-        <p:nvSpPr>
-          <p:cNvPr id="31" name="Rectangle 30"/>
-          <p:cNvSpPr/>
-          <p:nvPr/>
-        </p:nvSpPr>
-        <p:spPr>
-          <a:xfrm>
-            <a:off x="7959025" y="2740612"/>
-            <a:ext cx="183148" cy="211003"/>
-          </a:xfrm>
-          <a:prstGeom prst="rect">
-            <a:avLst/>
-          </a:prstGeom>
-        </p:spPr>
-        <p:style>
-          <a:lnRef idx="2">
-            <a:schemeClr val="accent2">
-              <a:shade val="50000"/>
-            </a:schemeClr>
-          </a:lnRef>
-          <a:fillRef idx="1">
-            <a:schemeClr val="accent2"/>
-          </a:fillRef>
-          <a:effectRef idx="0">
-            <a:schemeClr val="accent2"/>
-          </a:effectRef>
-          <a:fontRef idx="minor">
-            <a:schemeClr val="lt1"/>
-          </a:fontRef>
-        </p:style>
-        <p:txBody>
-          <a:bodyPr rtlCol="0" anchor="ctr"/>
-          <a:lstStyle/>
-          <a:p>
-            <a:pPr algn="ctr"/>
-            <a:r>
-              <a:rPr lang="en-US" dirty="0" smtClean="0"/>
-              <a:t>7</a:t>
-            </a:r>
-            <a:endParaRPr lang="en-US" dirty="0"/>
-          </a:p>
-        </p:txBody>
-      </p:sp>
       <p:pic>
         <p:nvPicPr>
-          <p:cNvPr id="32" name="Picture 31"/>
+          <p:cNvPr id="5" name="Picture 4"/>
           <p:cNvPicPr>
             <a:picLocks noChangeAspect="1"/>
           </p:cNvPicPr>
@@ -7583,116 +9038,17 @@
         </p:blipFill>
         <p:spPr>
           <a:xfrm>
-            <a:off x="2389543" y="1714929"/>
-            <a:ext cx="1955558" cy="3007733"/>
+            <a:off x="6746282" y="1807565"/>
+            <a:ext cx="3371850" cy="638175"/>
           </a:xfrm>
           <a:prstGeom prst="rect">
             <a:avLst/>
           </a:prstGeom>
         </p:spPr>
       </p:pic>
-      <p:sp>
-        <p:nvSpPr>
-          <p:cNvPr id="34" name="TextBox 33"/>
-          <p:cNvSpPr txBox="1"/>
-          <p:nvPr/>
-        </p:nvSpPr>
-        <p:spPr>
-          <a:xfrm>
-            <a:off x="7813513" y="3361625"/>
-            <a:ext cx="2263889" cy="369332"/>
-          </a:xfrm>
-          <a:prstGeom prst="rect">
-            <a:avLst/>
-          </a:prstGeom>
-          <a:noFill/>
-        </p:spPr>
-        <p:txBody>
-          <a:bodyPr wrap="none" rtlCol="0">
-            <a:spAutoFit/>
-          </a:bodyPr>
-          <a:lstStyle/>
-          <a:p>
-            <a:r>
-              <a:rPr lang="en-US" b="1" dirty="0" smtClean="0"/>
-              <a:t>Interest Point Patches</a:t>
-            </a:r>
-            <a:endParaRPr lang="en-US" b="1" dirty="0"/>
-          </a:p>
-        </p:txBody>
-      </p:sp>
-      <p:sp>
-        <p:nvSpPr>
-          <p:cNvPr id="35" name="TextBox 34"/>
-          <p:cNvSpPr txBox="1"/>
-          <p:nvPr/>
-        </p:nvSpPr>
-        <p:spPr>
-          <a:xfrm>
-            <a:off x="7777101" y="5540393"/>
-            <a:ext cx="2715743" cy="369332"/>
-          </a:xfrm>
-          <a:prstGeom prst="rect">
-            <a:avLst/>
-          </a:prstGeom>
-          <a:noFill/>
-        </p:spPr>
-        <p:txBody>
-          <a:bodyPr wrap="none" rtlCol="0">
-            <a:spAutoFit/>
-          </a:bodyPr>
-          <a:lstStyle/>
-          <a:p>
-            <a:r>
-              <a:rPr lang="en-US" b="1" dirty="0" smtClean="0"/>
-              <a:t>Per object class code-book</a:t>
-            </a:r>
-          </a:p>
-        </p:txBody>
-      </p:sp>
-      <p:sp>
-        <p:nvSpPr>
-          <p:cNvPr id="3" name="Right Arrow 2"/>
-          <p:cNvSpPr/>
-          <p:nvPr/>
-        </p:nvSpPr>
-        <p:spPr>
-          <a:xfrm>
-            <a:off x="5310034" y="3175048"/>
-            <a:ext cx="1538545" cy="742486"/>
-          </a:xfrm>
-          <a:prstGeom prst="rightArrow">
-            <a:avLst/>
-          </a:prstGeom>
-        </p:spPr>
-        <p:style>
-          <a:lnRef idx="2">
-            <a:schemeClr val="accent1">
-              <a:shade val="50000"/>
-            </a:schemeClr>
-          </a:lnRef>
-          <a:fillRef idx="1">
-            <a:schemeClr val="accent1"/>
-          </a:fillRef>
-          <a:effectRef idx="0">
-            <a:schemeClr val="accent1"/>
-          </a:effectRef>
-          <a:fontRef idx="minor">
-            <a:schemeClr val="lt1"/>
-          </a:fontRef>
-        </p:style>
-        <p:txBody>
-          <a:bodyPr rtlCol="0" anchor="ctr"/>
-          <a:lstStyle/>
-          <a:p>
-            <a:pPr algn="ctr"/>
-            <a:endParaRPr lang="en-US"/>
-          </a:p>
-        </p:txBody>
-      </p:sp>
       <p:pic>
         <p:nvPicPr>
-          <p:cNvPr id="4" name="Picture 3"/>
+          <p:cNvPr id="9" name="Picture 8"/>
           <p:cNvPicPr>
             <a:picLocks noChangeAspect="1"/>
           </p:cNvPicPr>
@@ -7706,8 +9062,8 @@
         </p:blipFill>
         <p:spPr>
           <a:xfrm>
-            <a:off x="7587602" y="4479711"/>
-            <a:ext cx="969371" cy="950364"/>
+            <a:off x="1893710" y="4617689"/>
+            <a:ext cx="1438275" cy="466725"/>
           </a:xfrm>
           <a:prstGeom prst="rect">
             <a:avLst/>
@@ -7716,7 +9072,7 @@
       </p:pic>
       <p:pic>
         <p:nvPicPr>
-          <p:cNvPr id="7" name="Picture 6"/>
+          <p:cNvPr id="11" name="Picture 10"/>
           <p:cNvPicPr>
             <a:picLocks noChangeAspect="1"/>
           </p:cNvPicPr>
@@ -7730,17 +9086,55 @@
         </p:blipFill>
         <p:spPr>
           <a:xfrm>
-            <a:off x="8800640" y="4430893"/>
-            <a:ext cx="908347" cy="999182"/>
+            <a:off x="7722496" y="5356268"/>
+            <a:ext cx="1571625" cy="476250"/>
           </a:xfrm>
           <a:prstGeom prst="rect">
             <a:avLst/>
           </a:prstGeom>
         </p:spPr>
       </p:pic>
+      <p:sp>
+        <p:nvSpPr>
+          <p:cNvPr id="12" name="TextBox 11"/>
+          <p:cNvSpPr txBox="1"/>
+          <p:nvPr/>
+        </p:nvSpPr>
+        <p:spPr>
+          <a:xfrm>
+            <a:off x="908498" y="1941987"/>
+            <a:ext cx="5978175" cy="369332"/>
+          </a:xfrm>
+          <a:prstGeom prst="rect">
+            <a:avLst/>
+          </a:prstGeom>
+          <a:noFill/>
+        </p:spPr>
+        <p:txBody>
+          <a:bodyPr wrap="none" rtlCol="0">
+            <a:spAutoFit/>
+          </a:bodyPr>
+          <a:lstStyle/>
+          <a:p>
+            <a:r>
+              <a:rPr lang="en-US" dirty="0" smtClean="0"/>
+              <a:t>For a pair of patches (</a:t>
+            </a:r>
+            <a:r>
+              <a:rPr lang="en-US" dirty="0" err="1" smtClean="0"/>
+              <a:t>p,q</a:t>
+            </a:r>
+            <a:r>
+              <a:rPr lang="en-US" dirty="0" smtClean="0"/>
+              <a:t>): Normalized Grayscale correlation =</a:t>
+            </a:r>
+            <a:endParaRPr lang="en-US" dirty="0"/>
+          </a:p>
+        </p:txBody>
+      </p:sp>
       <p:pic>
         <p:nvPicPr>
-          <p:cNvPr id="11" name="Picture 10"/>
+          <p:cNvPr id="13" name="Picture 12"/>
           <p:cNvPicPr>
             <a:picLocks noChangeAspect="1"/>
           </p:cNvPicPr>
@@ -7754,18 +9148,678 @@
         </p:blipFill>
         <p:spPr>
           <a:xfrm>
-            <a:off x="9833911" y="4479711"/>
-            <a:ext cx="799892" cy="844331"/>
+            <a:off x="3897585" y="2406401"/>
+            <a:ext cx="643729" cy="588944"/>
           </a:xfrm>
           <a:prstGeom prst="rect">
             <a:avLst/>
           </a:prstGeom>
         </p:spPr>
       </p:pic>
+      <p:pic>
+        <p:nvPicPr>
+          <p:cNvPr id="14" name="Picture 13"/>
+          <p:cNvPicPr>
+            <a:picLocks noChangeAspect="1"/>
+          </p:cNvPicPr>
+          <p:nvPr/>
+        </p:nvPicPr>
+        <p:blipFill>
+          <a:blip r:embed="rId7"/>
+          <a:stretch>
+            <a:fillRect/>
+          </a:stretch>
+        </p:blipFill>
+        <p:spPr>
+          <a:xfrm>
+            <a:off x="4541314" y="2406401"/>
+            <a:ext cx="620451" cy="593475"/>
+          </a:xfrm>
+          <a:prstGeom prst="rect">
+            <a:avLst/>
+          </a:prstGeom>
+        </p:spPr>
+      </p:pic>
+      <p:sp>
+        <p:nvSpPr>
+          <p:cNvPr id="15" name="TextBox 14"/>
+          <p:cNvSpPr txBox="1"/>
+          <p:nvPr/>
+        </p:nvSpPr>
+        <p:spPr>
+          <a:xfrm>
+            <a:off x="5288397" y="2462754"/>
+            <a:ext cx="1116011" cy="369332"/>
+          </a:xfrm>
+          <a:prstGeom prst="rect">
+            <a:avLst/>
+          </a:prstGeom>
+          <a:noFill/>
+        </p:spPr>
+        <p:txBody>
+          <a:bodyPr wrap="none" rtlCol="0">
+            <a:spAutoFit/>
+          </a:bodyPr>
+          <a:lstStyle/>
+          <a:p>
+            <a:r>
+              <a:rPr lang="en-US" dirty="0" smtClean="0"/>
+              <a:t>NGC = 0.9</a:t>
+            </a:r>
+            <a:endParaRPr lang="en-US" dirty="0"/>
+          </a:p>
+        </p:txBody>
+      </p:sp>
+      <p:pic>
+        <p:nvPicPr>
+          <p:cNvPr id="17" name="Picture 16"/>
+          <p:cNvPicPr>
+            <a:picLocks noChangeAspect="1"/>
+          </p:cNvPicPr>
+          <p:nvPr/>
+        </p:nvPicPr>
+        <p:blipFill>
+          <a:blip r:embed="rId6"/>
+          <a:stretch>
+            <a:fillRect/>
+          </a:stretch>
+        </p:blipFill>
+        <p:spPr>
+          <a:xfrm>
+            <a:off x="3897585" y="3136838"/>
+            <a:ext cx="643729" cy="588944"/>
+          </a:xfrm>
+          <a:prstGeom prst="rect">
+            <a:avLst/>
+          </a:prstGeom>
+        </p:spPr>
+      </p:pic>
+      <p:pic>
+        <p:nvPicPr>
+          <p:cNvPr id="18" name="Picture 17"/>
+          <p:cNvPicPr>
+            <a:picLocks noChangeAspect="1"/>
+          </p:cNvPicPr>
+          <p:nvPr/>
+        </p:nvPicPr>
+        <p:blipFill>
+          <a:blip r:embed="rId8"/>
+          <a:stretch>
+            <a:fillRect/>
+          </a:stretch>
+        </p:blipFill>
+        <p:spPr>
+          <a:xfrm>
+            <a:off x="4549442" y="3132307"/>
+            <a:ext cx="612323" cy="599012"/>
+          </a:xfrm>
+          <a:prstGeom prst="rect">
+            <a:avLst/>
+          </a:prstGeom>
+        </p:spPr>
+      </p:pic>
+      <p:sp>
+        <p:nvSpPr>
+          <p:cNvPr id="21" name="TextBox 20"/>
+          <p:cNvSpPr txBox="1"/>
+          <p:nvPr/>
+        </p:nvSpPr>
+        <p:spPr>
+          <a:xfrm>
+            <a:off x="5282578" y="3246644"/>
+            <a:ext cx="1116011" cy="369332"/>
+          </a:xfrm>
+          <a:prstGeom prst="rect">
+            <a:avLst/>
+          </a:prstGeom>
+          <a:noFill/>
+        </p:spPr>
+        <p:txBody>
+          <a:bodyPr wrap="none" rtlCol="0">
+            <a:spAutoFit/>
+          </a:bodyPr>
+          <a:lstStyle/>
+          <a:p>
+            <a:r>
+              <a:rPr lang="en-US" dirty="0" smtClean="0"/>
+              <a:t>NGC = 0.4</a:t>
+            </a:r>
+            <a:endParaRPr lang="en-US" dirty="0"/>
+          </a:p>
+        </p:txBody>
+      </p:sp>
+      <p:sp>
+        <p:nvSpPr>
+          <p:cNvPr id="22" name="TextBox 21"/>
+          <p:cNvSpPr txBox="1"/>
+          <p:nvPr/>
+        </p:nvSpPr>
+        <p:spPr>
+          <a:xfrm>
+            <a:off x="908498" y="3803316"/>
+            <a:ext cx="8994123" cy="646331"/>
+          </a:xfrm>
+          <a:prstGeom prst="rect">
+            <a:avLst/>
+          </a:prstGeom>
+          <a:noFill/>
+        </p:spPr>
+        <p:txBody>
+          <a:bodyPr wrap="square" rtlCol="0">
+            <a:spAutoFit/>
+          </a:bodyPr>
+          <a:lstStyle/>
+          <a:p>
+            <a:r>
+              <a:rPr lang="en-US" dirty="0" smtClean="0"/>
+              <a:t>Start with each patch as a separate cluster. Merge two clusters if they are similar.</a:t>
+            </a:r>
+          </a:p>
+          <a:p>
+            <a:r>
+              <a:rPr lang="en-US" dirty="0" smtClean="0"/>
+              <a:t>(Average of pair-wise NGCs of each pair in C1 X C2. t = 0.7 for their experiments)</a:t>
+            </a:r>
+            <a:endParaRPr lang="en-US" dirty="0"/>
+          </a:p>
+        </p:txBody>
+      </p:sp>
+      <p:pic>
+        <p:nvPicPr>
+          <p:cNvPr id="23" name="Picture 22"/>
+          <p:cNvPicPr>
+            <a:picLocks noChangeAspect="1"/>
+          </p:cNvPicPr>
+          <p:nvPr/>
+        </p:nvPicPr>
+        <p:blipFill>
+          <a:blip r:embed="rId9"/>
+          <a:stretch>
+            <a:fillRect/>
+          </a:stretch>
+        </p:blipFill>
+        <p:spPr>
+          <a:xfrm>
+            <a:off x="1978551" y="5432468"/>
+            <a:ext cx="828675" cy="400050"/>
+          </a:xfrm>
+          <a:prstGeom prst="rect">
+            <a:avLst/>
+          </a:prstGeom>
+        </p:spPr>
+      </p:pic>
+      <p:pic>
+        <p:nvPicPr>
+          <p:cNvPr id="24" name="Picture 23"/>
+          <p:cNvPicPr>
+            <a:picLocks noChangeAspect="1"/>
+          </p:cNvPicPr>
+          <p:nvPr/>
+        </p:nvPicPr>
+        <p:blipFill>
+          <a:blip r:embed="rId4"/>
+          <a:stretch>
+            <a:fillRect/>
+          </a:stretch>
+        </p:blipFill>
+        <p:spPr>
+          <a:xfrm>
+            <a:off x="7722496" y="4557082"/>
+            <a:ext cx="1438275" cy="466725"/>
+          </a:xfrm>
+          <a:prstGeom prst="rect">
+            <a:avLst/>
+          </a:prstGeom>
+        </p:spPr>
+      </p:pic>
+      <p:cxnSp>
+        <p:nvCxnSpPr>
+          <p:cNvPr id="26" name="Straight Arrow Connector 25"/>
+          <p:cNvCxnSpPr/>
+          <p:nvPr/>
+        </p:nvCxnSpPr>
+        <p:spPr>
+          <a:xfrm>
+            <a:off x="2111604" y="5084414"/>
+            <a:ext cx="0" cy="348054"/>
+          </a:xfrm>
+          <a:prstGeom prst="straightConnector1">
+            <a:avLst/>
+          </a:prstGeom>
+          <a:ln>
+            <a:tailEnd type="triangle"/>
+          </a:ln>
+        </p:spPr>
+        <p:style>
+          <a:lnRef idx="1">
+            <a:schemeClr val="accent1"/>
+          </a:lnRef>
+          <a:fillRef idx="0">
+            <a:schemeClr val="accent1"/>
+          </a:fillRef>
+          <a:effectRef idx="0">
+            <a:schemeClr val="accent1"/>
+          </a:effectRef>
+          <a:fontRef idx="minor">
+            <a:schemeClr val="tx1"/>
+          </a:fontRef>
+        </p:style>
+      </p:cxnSp>
+      <p:sp>
+        <p:nvSpPr>
+          <p:cNvPr id="27" name="TextBox 26"/>
+          <p:cNvSpPr txBox="1"/>
+          <p:nvPr/>
+        </p:nvSpPr>
+        <p:spPr>
+          <a:xfrm>
+            <a:off x="1422369" y="5037316"/>
+            <a:ext cx="875561" cy="261610"/>
+          </a:xfrm>
+          <a:prstGeom prst="rect">
+            <a:avLst/>
+          </a:prstGeom>
+          <a:noFill/>
+        </p:spPr>
+        <p:txBody>
+          <a:bodyPr wrap="none" rtlCol="0">
+            <a:spAutoFit/>
+          </a:bodyPr>
+          <a:lstStyle/>
+          <a:p>
+            <a:r>
+              <a:rPr lang="en-US" sz="1100" dirty="0" smtClean="0"/>
+              <a:t>NGC</a:t>
+            </a:r>
+            <a:r>
+              <a:rPr lang="en-US" sz="1100" baseline="-25000" dirty="0" smtClean="0"/>
+              <a:t>0,0</a:t>
+            </a:r>
+            <a:r>
+              <a:rPr lang="en-US" sz="1100" dirty="0" smtClean="0"/>
+              <a:t> = 0.9</a:t>
+            </a:r>
+            <a:endParaRPr lang="en-US" sz="1100" dirty="0"/>
+          </a:p>
+        </p:txBody>
+      </p:sp>
+      <p:cxnSp>
+        <p:nvCxnSpPr>
+          <p:cNvPr id="28" name="Straight Arrow Connector 27"/>
+          <p:cNvCxnSpPr>
+            <a:stCxn id="27" idx="3"/>
+          </p:cNvCxnSpPr>
+          <p:nvPr/>
+        </p:nvCxnSpPr>
+        <p:spPr>
+          <a:xfrm>
+            <a:off x="2297930" y="5168121"/>
+            <a:ext cx="314917" cy="264347"/>
+          </a:xfrm>
+          <a:prstGeom prst="straightConnector1">
+            <a:avLst/>
+          </a:prstGeom>
+          <a:ln>
+            <a:tailEnd type="triangle"/>
+          </a:ln>
+        </p:spPr>
+        <p:style>
+          <a:lnRef idx="1">
+            <a:schemeClr val="accent1"/>
+          </a:lnRef>
+          <a:fillRef idx="0">
+            <a:schemeClr val="accent1"/>
+          </a:fillRef>
+          <a:effectRef idx="0">
+            <a:schemeClr val="accent1"/>
+          </a:effectRef>
+          <a:fontRef idx="minor">
+            <a:schemeClr val="tx1"/>
+          </a:fontRef>
+        </p:style>
+      </p:cxnSp>
+      <p:cxnSp>
+        <p:nvCxnSpPr>
+          <p:cNvPr id="31" name="Straight Arrow Connector 30"/>
+          <p:cNvCxnSpPr/>
+          <p:nvPr/>
+        </p:nvCxnSpPr>
+        <p:spPr>
+          <a:xfrm>
+            <a:off x="2612847" y="5084414"/>
+            <a:ext cx="0" cy="271854"/>
+          </a:xfrm>
+          <a:prstGeom prst="straightConnector1">
+            <a:avLst/>
+          </a:prstGeom>
+          <a:ln>
+            <a:tailEnd type="triangle"/>
+          </a:ln>
+        </p:spPr>
+        <p:style>
+          <a:lnRef idx="1">
+            <a:schemeClr val="accent1"/>
+          </a:lnRef>
+          <a:fillRef idx="0">
+            <a:schemeClr val="accent1"/>
+          </a:fillRef>
+          <a:effectRef idx="0">
+            <a:schemeClr val="accent1"/>
+          </a:effectRef>
+          <a:fontRef idx="minor">
+            <a:schemeClr val="tx1"/>
+          </a:fontRef>
+        </p:style>
+      </p:cxnSp>
+      <p:cxnSp>
+        <p:nvCxnSpPr>
+          <p:cNvPr id="32" name="Straight Arrow Connector 31"/>
+          <p:cNvCxnSpPr>
+            <a:stCxn id="9" idx="2"/>
+          </p:cNvCxnSpPr>
+          <p:nvPr/>
+        </p:nvCxnSpPr>
+        <p:spPr>
+          <a:xfrm flipH="1">
+            <a:off x="2111601" y="5084414"/>
+            <a:ext cx="501247" cy="298219"/>
+          </a:xfrm>
+          <a:prstGeom prst="straightConnector1">
+            <a:avLst/>
+          </a:prstGeom>
+          <a:ln>
+            <a:tailEnd type="triangle"/>
+          </a:ln>
+        </p:spPr>
+        <p:style>
+          <a:lnRef idx="1">
+            <a:schemeClr val="accent1"/>
+          </a:lnRef>
+          <a:fillRef idx="0">
+            <a:schemeClr val="accent1"/>
+          </a:fillRef>
+          <a:effectRef idx="0">
+            <a:schemeClr val="accent1"/>
+          </a:effectRef>
+          <a:fontRef idx="minor">
+            <a:schemeClr val="tx1"/>
+          </a:fontRef>
+        </p:style>
+      </p:cxnSp>
+      <p:cxnSp>
+        <p:nvCxnSpPr>
+          <p:cNvPr id="36" name="Straight Arrow Connector 35"/>
+          <p:cNvCxnSpPr/>
+          <p:nvPr/>
+        </p:nvCxnSpPr>
+        <p:spPr>
+          <a:xfrm flipH="1">
+            <a:off x="2111602" y="5037316"/>
+            <a:ext cx="952111" cy="395152"/>
+          </a:xfrm>
+          <a:prstGeom prst="straightConnector1">
+            <a:avLst/>
+          </a:prstGeom>
+          <a:ln>
+            <a:tailEnd type="triangle"/>
+          </a:ln>
+        </p:spPr>
+        <p:style>
+          <a:lnRef idx="1">
+            <a:schemeClr val="accent1"/>
+          </a:lnRef>
+          <a:fillRef idx="0">
+            <a:schemeClr val="accent1"/>
+          </a:fillRef>
+          <a:effectRef idx="0">
+            <a:schemeClr val="accent1"/>
+          </a:effectRef>
+          <a:fontRef idx="minor">
+            <a:schemeClr val="tx1"/>
+          </a:fontRef>
+        </p:style>
+      </p:cxnSp>
+      <p:cxnSp>
+        <p:nvCxnSpPr>
+          <p:cNvPr id="39" name="Straight Arrow Connector 38"/>
+          <p:cNvCxnSpPr/>
+          <p:nvPr/>
+        </p:nvCxnSpPr>
+        <p:spPr>
+          <a:xfrm flipH="1">
+            <a:off x="2600565" y="5037316"/>
+            <a:ext cx="463147" cy="395152"/>
+          </a:xfrm>
+          <a:prstGeom prst="straightConnector1">
+            <a:avLst/>
+          </a:prstGeom>
+          <a:ln>
+            <a:tailEnd type="triangle"/>
+          </a:ln>
+        </p:spPr>
+        <p:style>
+          <a:lnRef idx="1">
+            <a:schemeClr val="accent1"/>
+          </a:lnRef>
+          <a:fillRef idx="0">
+            <a:schemeClr val="accent1"/>
+          </a:fillRef>
+          <a:effectRef idx="0">
+            <a:schemeClr val="accent1"/>
+          </a:effectRef>
+          <a:fontRef idx="minor">
+            <a:schemeClr val="tx1"/>
+          </a:fontRef>
+        </p:style>
+      </p:cxnSp>
+      <p:sp>
+        <p:nvSpPr>
+          <p:cNvPr id="45" name="TextBox 44"/>
+          <p:cNvSpPr txBox="1"/>
+          <p:nvPr/>
+        </p:nvSpPr>
+        <p:spPr>
+          <a:xfrm>
+            <a:off x="3448334" y="5063136"/>
+            <a:ext cx="2707536" cy="646331"/>
+          </a:xfrm>
+          <a:prstGeom prst="rect">
+            <a:avLst/>
+          </a:prstGeom>
+          <a:noFill/>
+        </p:spPr>
+        <p:txBody>
+          <a:bodyPr wrap="none" rtlCol="0">
+            <a:spAutoFit/>
+          </a:bodyPr>
+          <a:lstStyle/>
+          <a:p>
+            <a:r>
+              <a:rPr lang="en-US" dirty="0" smtClean="0"/>
+              <a:t>Similarity(C1, C2) = 0.85</a:t>
+            </a:r>
+          </a:p>
+          <a:p>
+            <a:r>
+              <a:rPr lang="en-US" dirty="0" smtClean="0"/>
+              <a:t>(C1 and C2 will be merged)</a:t>
+            </a:r>
+            <a:endParaRPr lang="en-US" dirty="0"/>
+          </a:p>
+        </p:txBody>
+      </p:sp>
+      <p:sp>
+        <p:nvSpPr>
+          <p:cNvPr id="46" name="TextBox 45"/>
+          <p:cNvSpPr txBox="1"/>
+          <p:nvPr/>
+        </p:nvSpPr>
+        <p:spPr>
+          <a:xfrm>
+            <a:off x="9596181" y="4990836"/>
+            <a:ext cx="1571264" cy="369332"/>
+          </a:xfrm>
+          <a:prstGeom prst="rect">
+            <a:avLst/>
+          </a:prstGeom>
+          <a:noFill/>
+        </p:spPr>
+        <p:txBody>
+          <a:bodyPr wrap="none" rtlCol="0">
+            <a:spAutoFit/>
+          </a:bodyPr>
+          <a:lstStyle/>
+          <a:p>
+            <a:r>
+              <a:rPr lang="en-US" dirty="0" smtClean="0"/>
+              <a:t>Similarity = 0.4</a:t>
+            </a:r>
+            <a:endParaRPr lang="en-US" dirty="0"/>
+          </a:p>
+        </p:txBody>
+      </p:sp>
+      <p:sp>
+        <p:nvSpPr>
+          <p:cNvPr id="47" name="TextBox 46"/>
+          <p:cNvSpPr txBox="1"/>
+          <p:nvPr/>
+        </p:nvSpPr>
+        <p:spPr>
+          <a:xfrm>
+            <a:off x="1547146" y="4385711"/>
+            <a:ext cx="425116" cy="369332"/>
+          </a:xfrm>
+          <a:prstGeom prst="rect">
+            <a:avLst/>
+          </a:prstGeom>
+          <a:noFill/>
+        </p:spPr>
+        <p:txBody>
+          <a:bodyPr wrap="none" rtlCol="0">
+            <a:spAutoFit/>
+          </a:bodyPr>
+          <a:lstStyle/>
+          <a:p>
+            <a:r>
+              <a:rPr lang="en-US" dirty="0" smtClean="0"/>
+              <a:t>C1</a:t>
+            </a:r>
+            <a:endParaRPr lang="en-US" dirty="0"/>
+          </a:p>
+        </p:txBody>
+      </p:sp>
+      <p:sp>
+        <p:nvSpPr>
+          <p:cNvPr id="48" name="TextBox 47"/>
+          <p:cNvSpPr txBox="1"/>
+          <p:nvPr/>
+        </p:nvSpPr>
+        <p:spPr>
+          <a:xfrm>
+            <a:off x="1547146" y="5727533"/>
+            <a:ext cx="425116" cy="369332"/>
+          </a:xfrm>
+          <a:prstGeom prst="rect">
+            <a:avLst/>
+          </a:prstGeom>
+          <a:noFill/>
+        </p:spPr>
+        <p:txBody>
+          <a:bodyPr wrap="none" rtlCol="0">
+            <a:spAutoFit/>
+          </a:bodyPr>
+          <a:lstStyle/>
+          <a:p>
+            <a:r>
+              <a:rPr lang="en-US" dirty="0" smtClean="0"/>
+              <a:t>C2</a:t>
+            </a:r>
+            <a:endParaRPr lang="en-US" dirty="0"/>
+          </a:p>
+        </p:txBody>
+      </p:sp>
+      <p:pic>
+        <p:nvPicPr>
+          <p:cNvPr id="50" name="Picture 49"/>
+          <p:cNvPicPr>
+            <a:picLocks noChangeAspect="1"/>
+          </p:cNvPicPr>
+          <p:nvPr/>
+        </p:nvPicPr>
+        <p:blipFill>
+          <a:blip r:embed="rId10"/>
+          <a:stretch>
+            <a:fillRect/>
+          </a:stretch>
+        </p:blipFill>
+        <p:spPr>
+          <a:xfrm>
+            <a:off x="4352828" y="6364220"/>
+            <a:ext cx="3686891" cy="493780"/>
+          </a:xfrm>
+          <a:prstGeom prst="rect">
+            <a:avLst/>
+          </a:prstGeom>
+        </p:spPr>
+      </p:pic>
+      <p:pic>
+        <p:nvPicPr>
+          <p:cNvPr id="51" name="Picture 50"/>
+          <p:cNvPicPr>
+            <a:picLocks noChangeAspect="1"/>
+          </p:cNvPicPr>
+          <p:nvPr/>
+        </p:nvPicPr>
+        <p:blipFill>
+          <a:blip r:embed="rId11"/>
+          <a:stretch>
+            <a:fillRect/>
+          </a:stretch>
+        </p:blipFill>
+        <p:spPr>
+          <a:xfrm>
+            <a:off x="8039719" y="6404025"/>
+            <a:ext cx="838200" cy="414170"/>
+          </a:xfrm>
+          <a:prstGeom prst="rect">
+            <a:avLst/>
+          </a:prstGeom>
+        </p:spPr>
+      </p:pic>
+      <p:sp>
+        <p:nvSpPr>
+          <p:cNvPr id="52" name="TextBox 51"/>
+          <p:cNvSpPr txBox="1"/>
+          <p:nvPr/>
+        </p:nvSpPr>
+        <p:spPr>
+          <a:xfrm>
+            <a:off x="862986" y="6068764"/>
+            <a:ext cx="11329014" cy="369332"/>
+          </a:xfrm>
+          <a:prstGeom prst="rect">
+            <a:avLst/>
+          </a:prstGeom>
+          <a:noFill/>
+        </p:spPr>
+        <p:txBody>
+          <a:bodyPr wrap="square" rtlCol="0">
+            <a:spAutoFit/>
+          </a:bodyPr>
+          <a:lstStyle/>
+          <a:p>
+            <a:r>
+              <a:rPr lang="en-US" dirty="0" smtClean="0"/>
+              <a:t>When no more clustering possible, average patches in each cluster to obtain representative patch for each cluster.</a:t>
+            </a:r>
+            <a:endParaRPr lang="en-US" dirty="0"/>
+          </a:p>
+        </p:txBody>
+      </p:sp>
     </p:spTree>
     <p:extLst>
       <p:ext uri="{BB962C8B-B14F-4D97-AF65-F5344CB8AC3E}">
-        <p14:creationId xmlns:p14="http://schemas.microsoft.com/office/powerpoint/2010/main" val="1730852413"/>
+        <p14:creationId xmlns:p14="http://schemas.microsoft.com/office/powerpoint/2010/main" val="523556827"/>
       </p:ext>
     </p:extLst>
   </p:cSld>
@@ -7809,6 +9863,715 @@
           <a:p>
             <a:r>
               <a:rPr lang="en-US" dirty="0" smtClean="0"/>
+              <a:t>Local code-book creation: Input =&gt; Output</a:t>
+            </a:r>
+            <a:endParaRPr lang="en-US" dirty="0"/>
+          </a:p>
+        </p:txBody>
+      </p:sp>
+      <p:sp>
+        <p:nvSpPr>
+          <p:cNvPr id="5" name="TextBox 4"/>
+          <p:cNvSpPr txBox="1"/>
+          <p:nvPr/>
+        </p:nvSpPr>
+        <p:spPr>
+          <a:xfrm>
+            <a:off x="2038527" y="5357169"/>
+            <a:ext cx="2657587" cy="923330"/>
+          </a:xfrm>
+          <a:prstGeom prst="rect">
+            <a:avLst/>
+          </a:prstGeom>
+          <a:noFill/>
+        </p:spPr>
+        <p:txBody>
+          <a:bodyPr wrap="none" rtlCol="0">
+            <a:spAutoFit/>
+          </a:bodyPr>
+          <a:lstStyle/>
+          <a:p>
+            <a:r>
+              <a:rPr lang="en-US" b="1" dirty="0" smtClean="0"/>
+              <a:t>     Training images + </a:t>
+            </a:r>
+          </a:p>
+          <a:p>
+            <a:r>
+              <a:rPr lang="en-US" b="1" dirty="0" smtClean="0"/>
+              <a:t>Labels (object categories) </a:t>
+            </a:r>
+          </a:p>
+          <a:p>
+            <a:r>
+              <a:rPr lang="en-US" b="1" dirty="0" smtClean="0">
+                <a:solidFill>
+                  <a:srgbClr val="FF0000"/>
+                </a:solidFill>
+              </a:rPr>
+              <a:t>       Object centers</a:t>
+            </a:r>
+            <a:r>
+              <a:rPr lang="en-US" b="1" dirty="0" smtClean="0">
+                <a:solidFill>
+                  <a:srgbClr val="FF0000"/>
+                </a:solidFill>
+              </a:rPr>
+              <a:t>??</a:t>
+            </a:r>
+            <a:endParaRPr lang="en-US" b="1" dirty="0">
+              <a:solidFill>
+                <a:srgbClr val="FF0000"/>
+              </a:solidFill>
+            </a:endParaRPr>
+          </a:p>
+        </p:txBody>
+      </p:sp>
+      <p:sp>
+        <p:nvSpPr>
+          <p:cNvPr id="6" name="Rectangle 5"/>
+          <p:cNvSpPr/>
+          <p:nvPr/>
+        </p:nvSpPr>
+        <p:spPr>
+          <a:xfrm>
+            <a:off x="3117894" y="4722662"/>
+            <a:ext cx="498855" cy="369332"/>
+          </a:xfrm>
+          <a:prstGeom prst="rect">
+            <a:avLst/>
+          </a:prstGeom>
+        </p:spPr>
+        <p:txBody>
+          <a:bodyPr wrap="none">
+            <a:spAutoFit/>
+          </a:bodyPr>
+          <a:lstStyle/>
+          <a:p>
+            <a:r>
+              <a:rPr lang="en-US" dirty="0" smtClean="0"/>
+              <a:t>Car</a:t>
+            </a:r>
+            <a:endParaRPr lang="en-US" dirty="0"/>
+          </a:p>
+        </p:txBody>
+      </p:sp>
+      <p:pic>
+        <p:nvPicPr>
+          <p:cNvPr id="23" name="Picture 22"/>
+          <p:cNvPicPr>
+            <a:picLocks noChangeAspect="1"/>
+          </p:cNvPicPr>
+          <p:nvPr/>
+        </p:nvPicPr>
+        <p:blipFill rotWithShape="1">
+          <a:blip r:embed="rId2"/>
+          <a:srcRect t="-1" b="50735"/>
+          <a:stretch/>
+        </p:blipFill>
+        <p:spPr>
+          <a:xfrm>
+            <a:off x="7540551" y="1837711"/>
+            <a:ext cx="3093252" cy="1523914"/>
+          </a:xfrm>
+          <a:prstGeom prst="rect">
+            <a:avLst/>
+          </a:prstGeom>
+        </p:spPr>
+      </p:pic>
+      <p:sp>
+        <p:nvSpPr>
+          <p:cNvPr id="24" name="Rectangle 23"/>
+          <p:cNvSpPr/>
+          <p:nvPr/>
+        </p:nvSpPr>
+        <p:spPr>
+          <a:xfrm>
+            <a:off x="9457215" y="2722942"/>
+            <a:ext cx="183148" cy="211003"/>
+          </a:xfrm>
+          <a:prstGeom prst="rect">
+            <a:avLst/>
+          </a:prstGeom>
+        </p:spPr>
+        <p:style>
+          <a:lnRef idx="2">
+            <a:schemeClr val="accent2">
+              <a:shade val="50000"/>
+            </a:schemeClr>
+          </a:lnRef>
+          <a:fillRef idx="1">
+            <a:schemeClr val="accent2"/>
+          </a:fillRef>
+          <a:effectRef idx="0">
+            <a:schemeClr val="accent2"/>
+          </a:effectRef>
+          <a:fontRef idx="minor">
+            <a:schemeClr val="lt1"/>
+          </a:fontRef>
+        </p:style>
+        <p:txBody>
+          <a:bodyPr rtlCol="0" anchor="ctr"/>
+          <a:lstStyle/>
+          <a:p>
+            <a:pPr algn="ctr"/>
+            <a:r>
+              <a:rPr lang="en-US" dirty="0" smtClean="0"/>
+              <a:t>3</a:t>
+            </a:r>
+            <a:endParaRPr lang="en-US" dirty="0"/>
+          </a:p>
+        </p:txBody>
+      </p:sp>
+      <p:sp>
+        <p:nvSpPr>
+          <p:cNvPr id="25" name="Rectangle 24"/>
+          <p:cNvSpPr/>
+          <p:nvPr/>
+        </p:nvSpPr>
+        <p:spPr>
+          <a:xfrm>
+            <a:off x="8642111" y="2730674"/>
+            <a:ext cx="183148" cy="211003"/>
+          </a:xfrm>
+          <a:prstGeom prst="rect">
+            <a:avLst/>
+          </a:prstGeom>
+        </p:spPr>
+        <p:style>
+          <a:lnRef idx="2">
+            <a:schemeClr val="accent2">
+              <a:shade val="50000"/>
+            </a:schemeClr>
+          </a:lnRef>
+          <a:fillRef idx="1">
+            <a:schemeClr val="accent2"/>
+          </a:fillRef>
+          <a:effectRef idx="0">
+            <a:schemeClr val="accent2"/>
+          </a:effectRef>
+          <a:fontRef idx="minor">
+            <a:schemeClr val="lt1"/>
+          </a:fontRef>
+        </p:style>
+        <p:txBody>
+          <a:bodyPr rtlCol="0" anchor="ctr"/>
+          <a:lstStyle/>
+          <a:p>
+            <a:pPr algn="ctr"/>
+            <a:r>
+              <a:rPr lang="en-US" dirty="0" smtClean="0"/>
+              <a:t>6</a:t>
+            </a:r>
+            <a:endParaRPr lang="en-US" dirty="0"/>
+          </a:p>
+        </p:txBody>
+      </p:sp>
+      <p:sp>
+        <p:nvSpPr>
+          <p:cNvPr id="26" name="Rectangle 25"/>
+          <p:cNvSpPr/>
+          <p:nvPr/>
+        </p:nvSpPr>
+        <p:spPr>
+          <a:xfrm>
+            <a:off x="10344684" y="2704799"/>
+            <a:ext cx="183148" cy="211003"/>
+          </a:xfrm>
+          <a:prstGeom prst="rect">
+            <a:avLst/>
+          </a:prstGeom>
+        </p:spPr>
+        <p:style>
+          <a:lnRef idx="2">
+            <a:schemeClr val="accent2">
+              <a:shade val="50000"/>
+            </a:schemeClr>
+          </a:lnRef>
+          <a:fillRef idx="1">
+            <a:schemeClr val="accent2"/>
+          </a:fillRef>
+          <a:effectRef idx="0">
+            <a:schemeClr val="accent2"/>
+          </a:effectRef>
+          <a:fontRef idx="minor">
+            <a:schemeClr val="lt1"/>
+          </a:fontRef>
+        </p:style>
+        <p:txBody>
+          <a:bodyPr rtlCol="0" anchor="ctr"/>
+          <a:lstStyle/>
+          <a:p>
+            <a:pPr algn="ctr"/>
+            <a:r>
+              <a:rPr lang="en-US" dirty="0" smtClean="0"/>
+              <a:t>1</a:t>
+            </a:r>
+            <a:endParaRPr lang="en-US" dirty="0"/>
+          </a:p>
+        </p:txBody>
+      </p:sp>
+      <p:sp>
+        <p:nvSpPr>
+          <p:cNvPr id="27" name="Rectangle 26"/>
+          <p:cNvSpPr/>
+          <p:nvPr/>
+        </p:nvSpPr>
+        <p:spPr>
+          <a:xfrm>
+            <a:off x="10101932" y="2704800"/>
+            <a:ext cx="183148" cy="211003"/>
+          </a:xfrm>
+          <a:prstGeom prst="rect">
+            <a:avLst/>
+          </a:prstGeom>
+        </p:spPr>
+        <p:style>
+          <a:lnRef idx="2">
+            <a:schemeClr val="accent2">
+              <a:shade val="50000"/>
+            </a:schemeClr>
+          </a:lnRef>
+          <a:fillRef idx="1">
+            <a:schemeClr val="accent2"/>
+          </a:fillRef>
+          <a:effectRef idx="0">
+            <a:schemeClr val="accent2"/>
+          </a:effectRef>
+          <a:fontRef idx="minor">
+            <a:schemeClr val="lt1"/>
+          </a:fontRef>
+        </p:style>
+        <p:txBody>
+          <a:bodyPr rtlCol="0" anchor="ctr"/>
+          <a:lstStyle/>
+          <a:p>
+            <a:pPr algn="ctr"/>
+            <a:r>
+              <a:rPr lang="en-US" dirty="0" smtClean="0"/>
+              <a:t>2</a:t>
+            </a:r>
+            <a:endParaRPr lang="en-US" dirty="0"/>
+          </a:p>
+        </p:txBody>
+      </p:sp>
+      <p:sp>
+        <p:nvSpPr>
+          <p:cNvPr id="28" name="Rectangle 27"/>
+          <p:cNvSpPr/>
+          <p:nvPr/>
+        </p:nvSpPr>
+        <p:spPr>
+          <a:xfrm>
+            <a:off x="9217379" y="2721879"/>
+            <a:ext cx="183148" cy="211003"/>
+          </a:xfrm>
+          <a:prstGeom prst="rect">
+            <a:avLst/>
+          </a:prstGeom>
+        </p:spPr>
+        <p:style>
+          <a:lnRef idx="2">
+            <a:schemeClr val="accent2">
+              <a:shade val="50000"/>
+            </a:schemeClr>
+          </a:lnRef>
+          <a:fillRef idx="1">
+            <a:schemeClr val="accent2"/>
+          </a:fillRef>
+          <a:effectRef idx="0">
+            <a:schemeClr val="accent2"/>
+          </a:effectRef>
+          <a:fontRef idx="minor">
+            <a:schemeClr val="lt1"/>
+          </a:fontRef>
+        </p:style>
+        <p:txBody>
+          <a:bodyPr rtlCol="0" anchor="ctr"/>
+          <a:lstStyle/>
+          <a:p>
+            <a:pPr algn="ctr"/>
+            <a:r>
+              <a:rPr lang="en-US" dirty="0" smtClean="0"/>
+              <a:t>4</a:t>
+            </a:r>
+            <a:endParaRPr lang="en-US" dirty="0"/>
+          </a:p>
+        </p:txBody>
+      </p:sp>
+      <p:sp>
+        <p:nvSpPr>
+          <p:cNvPr id="29" name="Rectangle 28"/>
+          <p:cNvSpPr/>
+          <p:nvPr/>
+        </p:nvSpPr>
+        <p:spPr>
+          <a:xfrm>
+            <a:off x="7732412" y="2740612"/>
+            <a:ext cx="183148" cy="211003"/>
+          </a:xfrm>
+          <a:prstGeom prst="rect">
+            <a:avLst/>
+          </a:prstGeom>
+        </p:spPr>
+        <p:style>
+          <a:lnRef idx="2">
+            <a:schemeClr val="accent2">
+              <a:shade val="50000"/>
+            </a:schemeClr>
+          </a:lnRef>
+          <a:fillRef idx="1">
+            <a:schemeClr val="accent2"/>
+          </a:fillRef>
+          <a:effectRef idx="0">
+            <a:schemeClr val="accent2"/>
+          </a:effectRef>
+          <a:fontRef idx="minor">
+            <a:schemeClr val="lt1"/>
+          </a:fontRef>
+        </p:style>
+        <p:txBody>
+          <a:bodyPr rtlCol="0" anchor="ctr"/>
+          <a:lstStyle/>
+          <a:p>
+            <a:pPr algn="ctr"/>
+            <a:r>
+              <a:rPr lang="en-US" dirty="0"/>
+              <a:t>8</a:t>
+            </a:r>
+          </a:p>
+        </p:txBody>
+      </p:sp>
+      <p:sp>
+        <p:nvSpPr>
+          <p:cNvPr id="30" name="Rectangle 29"/>
+          <p:cNvSpPr/>
+          <p:nvPr/>
+        </p:nvSpPr>
+        <p:spPr>
+          <a:xfrm>
+            <a:off x="8868656" y="2731817"/>
+            <a:ext cx="183148" cy="211003"/>
+          </a:xfrm>
+          <a:prstGeom prst="rect">
+            <a:avLst/>
+          </a:prstGeom>
+        </p:spPr>
+        <p:style>
+          <a:lnRef idx="2">
+            <a:schemeClr val="accent2">
+              <a:shade val="50000"/>
+            </a:schemeClr>
+          </a:lnRef>
+          <a:fillRef idx="1">
+            <a:schemeClr val="accent2"/>
+          </a:fillRef>
+          <a:effectRef idx="0">
+            <a:schemeClr val="accent2"/>
+          </a:effectRef>
+          <a:fontRef idx="minor">
+            <a:schemeClr val="lt1"/>
+          </a:fontRef>
+        </p:style>
+        <p:txBody>
+          <a:bodyPr rtlCol="0" anchor="ctr"/>
+          <a:lstStyle/>
+          <a:p>
+            <a:pPr algn="ctr"/>
+            <a:r>
+              <a:rPr lang="en-US" dirty="0" smtClean="0"/>
+              <a:t>5</a:t>
+            </a:r>
+            <a:endParaRPr lang="en-US" dirty="0"/>
+          </a:p>
+        </p:txBody>
+      </p:sp>
+      <p:sp>
+        <p:nvSpPr>
+          <p:cNvPr id="31" name="Rectangle 30"/>
+          <p:cNvSpPr/>
+          <p:nvPr/>
+        </p:nvSpPr>
+        <p:spPr>
+          <a:xfrm>
+            <a:off x="7959025" y="2740612"/>
+            <a:ext cx="183148" cy="211003"/>
+          </a:xfrm>
+          <a:prstGeom prst="rect">
+            <a:avLst/>
+          </a:prstGeom>
+        </p:spPr>
+        <p:style>
+          <a:lnRef idx="2">
+            <a:schemeClr val="accent2">
+              <a:shade val="50000"/>
+            </a:schemeClr>
+          </a:lnRef>
+          <a:fillRef idx="1">
+            <a:schemeClr val="accent2"/>
+          </a:fillRef>
+          <a:effectRef idx="0">
+            <a:schemeClr val="accent2"/>
+          </a:effectRef>
+          <a:fontRef idx="minor">
+            <a:schemeClr val="lt1"/>
+          </a:fontRef>
+        </p:style>
+        <p:txBody>
+          <a:bodyPr rtlCol="0" anchor="ctr"/>
+          <a:lstStyle/>
+          <a:p>
+            <a:pPr algn="ctr"/>
+            <a:r>
+              <a:rPr lang="en-US" dirty="0" smtClean="0"/>
+              <a:t>7</a:t>
+            </a:r>
+            <a:endParaRPr lang="en-US" dirty="0"/>
+          </a:p>
+        </p:txBody>
+      </p:sp>
+      <p:pic>
+        <p:nvPicPr>
+          <p:cNvPr id="32" name="Picture 31"/>
+          <p:cNvPicPr>
+            <a:picLocks noChangeAspect="1"/>
+          </p:cNvPicPr>
+          <p:nvPr/>
+        </p:nvPicPr>
+        <p:blipFill>
+          <a:blip r:embed="rId3"/>
+          <a:stretch>
+            <a:fillRect/>
+          </a:stretch>
+        </p:blipFill>
+        <p:spPr>
+          <a:xfrm>
+            <a:off x="2389543" y="1714929"/>
+            <a:ext cx="1955558" cy="3007733"/>
+          </a:xfrm>
+          <a:prstGeom prst="rect">
+            <a:avLst/>
+          </a:prstGeom>
+        </p:spPr>
+      </p:pic>
+      <p:sp>
+        <p:nvSpPr>
+          <p:cNvPr id="34" name="TextBox 33"/>
+          <p:cNvSpPr txBox="1"/>
+          <p:nvPr/>
+        </p:nvSpPr>
+        <p:spPr>
+          <a:xfrm>
+            <a:off x="7813513" y="3361625"/>
+            <a:ext cx="2263889" cy="369332"/>
+          </a:xfrm>
+          <a:prstGeom prst="rect">
+            <a:avLst/>
+          </a:prstGeom>
+          <a:noFill/>
+        </p:spPr>
+        <p:txBody>
+          <a:bodyPr wrap="none" rtlCol="0">
+            <a:spAutoFit/>
+          </a:bodyPr>
+          <a:lstStyle/>
+          <a:p>
+            <a:r>
+              <a:rPr lang="en-US" b="1" dirty="0" smtClean="0"/>
+              <a:t>Interest Point Patches</a:t>
+            </a:r>
+            <a:endParaRPr lang="en-US" b="1" dirty="0"/>
+          </a:p>
+        </p:txBody>
+      </p:sp>
+      <p:sp>
+        <p:nvSpPr>
+          <p:cNvPr id="35" name="TextBox 34"/>
+          <p:cNvSpPr txBox="1"/>
+          <p:nvPr/>
+        </p:nvSpPr>
+        <p:spPr>
+          <a:xfrm>
+            <a:off x="7777101" y="5540393"/>
+            <a:ext cx="2715743" cy="369332"/>
+          </a:xfrm>
+          <a:prstGeom prst="rect">
+            <a:avLst/>
+          </a:prstGeom>
+          <a:noFill/>
+        </p:spPr>
+        <p:txBody>
+          <a:bodyPr wrap="none" rtlCol="0">
+            <a:spAutoFit/>
+          </a:bodyPr>
+          <a:lstStyle/>
+          <a:p>
+            <a:r>
+              <a:rPr lang="en-US" b="1" dirty="0" smtClean="0"/>
+              <a:t>Per object class code-book</a:t>
+            </a:r>
+          </a:p>
+        </p:txBody>
+      </p:sp>
+      <p:sp>
+        <p:nvSpPr>
+          <p:cNvPr id="3" name="Right Arrow 2"/>
+          <p:cNvSpPr/>
+          <p:nvPr/>
+        </p:nvSpPr>
+        <p:spPr>
+          <a:xfrm>
+            <a:off x="5310034" y="3175048"/>
+            <a:ext cx="1538545" cy="742486"/>
+          </a:xfrm>
+          <a:prstGeom prst="rightArrow">
+            <a:avLst/>
+          </a:prstGeom>
+        </p:spPr>
+        <p:style>
+          <a:lnRef idx="2">
+            <a:schemeClr val="accent1">
+              <a:shade val="50000"/>
+            </a:schemeClr>
+          </a:lnRef>
+          <a:fillRef idx="1">
+            <a:schemeClr val="accent1"/>
+          </a:fillRef>
+          <a:effectRef idx="0">
+            <a:schemeClr val="accent1"/>
+          </a:effectRef>
+          <a:fontRef idx="minor">
+            <a:schemeClr val="lt1"/>
+          </a:fontRef>
+        </p:style>
+        <p:txBody>
+          <a:bodyPr rtlCol="0" anchor="ctr"/>
+          <a:lstStyle/>
+          <a:p>
+            <a:pPr algn="ctr"/>
+            <a:endParaRPr lang="en-US"/>
+          </a:p>
+        </p:txBody>
+      </p:sp>
+      <p:pic>
+        <p:nvPicPr>
+          <p:cNvPr id="4" name="Picture 3"/>
+          <p:cNvPicPr>
+            <a:picLocks noChangeAspect="1"/>
+          </p:cNvPicPr>
+          <p:nvPr/>
+        </p:nvPicPr>
+        <p:blipFill>
+          <a:blip r:embed="rId4"/>
+          <a:stretch>
+            <a:fillRect/>
+          </a:stretch>
+        </p:blipFill>
+        <p:spPr>
+          <a:xfrm>
+            <a:off x="7587602" y="4479711"/>
+            <a:ext cx="969371" cy="950364"/>
+          </a:xfrm>
+          <a:prstGeom prst="rect">
+            <a:avLst/>
+          </a:prstGeom>
+        </p:spPr>
+      </p:pic>
+      <p:pic>
+        <p:nvPicPr>
+          <p:cNvPr id="7" name="Picture 6"/>
+          <p:cNvPicPr>
+            <a:picLocks noChangeAspect="1"/>
+          </p:cNvPicPr>
+          <p:nvPr/>
+        </p:nvPicPr>
+        <p:blipFill>
+          <a:blip r:embed="rId5"/>
+          <a:stretch>
+            <a:fillRect/>
+          </a:stretch>
+        </p:blipFill>
+        <p:spPr>
+          <a:xfrm>
+            <a:off x="8800640" y="4430893"/>
+            <a:ext cx="908347" cy="999182"/>
+          </a:xfrm>
+          <a:prstGeom prst="rect">
+            <a:avLst/>
+          </a:prstGeom>
+        </p:spPr>
+      </p:pic>
+      <p:pic>
+        <p:nvPicPr>
+          <p:cNvPr id="11" name="Picture 10"/>
+          <p:cNvPicPr>
+            <a:picLocks noChangeAspect="1"/>
+          </p:cNvPicPr>
+          <p:nvPr/>
+        </p:nvPicPr>
+        <p:blipFill>
+          <a:blip r:embed="rId6"/>
+          <a:stretch>
+            <a:fillRect/>
+          </a:stretch>
+        </p:blipFill>
+        <p:spPr>
+          <a:xfrm>
+            <a:off x="9833911" y="4479711"/>
+            <a:ext cx="799892" cy="844331"/>
+          </a:xfrm>
+          <a:prstGeom prst="rect">
+            <a:avLst/>
+          </a:prstGeom>
+        </p:spPr>
+      </p:pic>
+    </p:spTree>
+    <p:extLst>
+      <p:ext uri="{BB962C8B-B14F-4D97-AF65-F5344CB8AC3E}">
+        <p14:creationId xmlns:p14="http://schemas.microsoft.com/office/powerpoint/2010/main" val="1730852413"/>
+      </p:ext>
+    </p:extLst>
+  </p:cSld>
+  <p:clrMapOvr>
+    <a:masterClrMapping/>
+  </p:clrMapOvr>
+</p:sld>
+</file>
+
+<file path=ppt/slides/slide8.xml><?xml version="1.0" encoding="utf-8"?>
+<p:sld xmlns:a="http://schemas.openxmlformats.org/drawingml/2006/main" xmlns:r="http://schemas.openxmlformats.org/officeDocument/2006/relationships" xmlns:p="http://schemas.openxmlformats.org/presentationml/2006/main">
+  <p:cSld>
+    <p:spTree>
+      <p:nvGrpSpPr>
+        <p:cNvPr id="1" name=""/>
+        <p:cNvGrpSpPr/>
+        <p:nvPr/>
+      </p:nvGrpSpPr>
+      <p:grpSpPr>
+        <a:xfrm>
+          <a:off x="0" y="0"/>
+          <a:ext cx="0" cy="0"/>
+          <a:chOff x="0" y="0"/>
+          <a:chExt cx="0" cy="0"/>
+        </a:xfrm>
+      </p:grpSpPr>
+      <p:sp>
+        <p:nvSpPr>
+          <p:cNvPr id="2" name="Title 1"/>
+          <p:cNvSpPr>
+            <a:spLocks noGrp="1"/>
+          </p:cNvSpPr>
+          <p:nvPr>
+            <p:ph type="title"/>
+          </p:nvPr>
+        </p:nvSpPr>
+        <p:spPr/>
+        <p:txBody>
+          <a:bodyPr/>
+          <a:lstStyle/>
+          <a:p>
+            <a:r>
+              <a:rPr lang="en-US" dirty="0" smtClean="0"/>
               <a:t>Implicit Shape Model creation from local code-book</a:t>
             </a:r>
             <a:endParaRPr lang="en-US" dirty="0"/>
@@ -8610,7 +11373,7 @@
 </p:sld>
 </file>
 
-<file path=ppt/slides/slide8.xml><?xml version="1.0" encoding="utf-8"?>
+<file path=ppt/slides/slide9.xml><?xml version="1.0" encoding="utf-8"?>
 <p:sld xmlns:a="http://schemas.openxmlformats.org/drawingml/2006/main" xmlns:r="http://schemas.openxmlformats.org/officeDocument/2006/relationships" xmlns:p="http://schemas.openxmlformats.org/presentationml/2006/main">
   <p:cSld>
     <p:spTree>
@@ -8842,667 +11605,6 @@
     <p:extLst>
       <p:ext uri="{BB962C8B-B14F-4D97-AF65-F5344CB8AC3E}">
         <p14:creationId xmlns:p14="http://schemas.microsoft.com/office/powerpoint/2010/main" val="1030925823"/>
-      </p:ext>
-    </p:extLst>
-  </p:cSld>
-  <p:clrMapOvr>
-    <a:masterClrMapping/>
-  </p:clrMapOvr>
-</p:sld>
-</file>
-
-<file path=ppt/slides/slide9.xml><?xml version="1.0" encoding="utf-8"?>
-<p:sld xmlns:a="http://schemas.openxmlformats.org/drawingml/2006/main" xmlns:r="http://schemas.openxmlformats.org/officeDocument/2006/relationships" xmlns:p="http://schemas.openxmlformats.org/presentationml/2006/main">
-  <p:cSld>
-    <p:spTree>
-      <p:nvGrpSpPr>
-        <p:cNvPr id="1" name=""/>
-        <p:cNvGrpSpPr/>
-        <p:nvPr/>
-      </p:nvGrpSpPr>
-      <p:grpSpPr>
-        <a:xfrm>
-          <a:off x="0" y="0"/>
-          <a:ext cx="0" cy="0"/>
-          <a:chOff x="0" y="0"/>
-          <a:chExt cx="0" cy="0"/>
-        </a:xfrm>
-      </p:grpSpPr>
-      <p:pic>
-        <p:nvPicPr>
-          <p:cNvPr id="25" name="Picture 24"/>
-          <p:cNvPicPr>
-            <a:picLocks noChangeAspect="1"/>
-          </p:cNvPicPr>
-          <p:nvPr/>
-        </p:nvPicPr>
-        <p:blipFill>
-          <a:blip r:embed="rId2"/>
-          <a:stretch>
-            <a:fillRect/>
-          </a:stretch>
-        </p:blipFill>
-        <p:spPr>
-          <a:xfrm>
-            <a:off x="2991601" y="4469648"/>
-            <a:ext cx="2708513" cy="2404185"/>
-          </a:xfrm>
-          <a:prstGeom prst="rect">
-            <a:avLst/>
-          </a:prstGeom>
-        </p:spPr>
-      </p:pic>
-      <p:sp>
-        <p:nvSpPr>
-          <p:cNvPr id="2" name="Title 1"/>
-          <p:cNvSpPr>
-            <a:spLocks noGrp="1"/>
-          </p:cNvSpPr>
-          <p:nvPr>
-            <p:ph type="title"/>
-          </p:nvPr>
-        </p:nvSpPr>
-        <p:spPr/>
-        <p:txBody>
-          <a:bodyPr/>
-          <a:lstStyle/>
-          <a:p>
-            <a:r>
-              <a:rPr lang="en-US" dirty="0" smtClean="0"/>
-              <a:t>Generalized Hough Transform </a:t>
-            </a:r>
-            <a:r>
-              <a:rPr lang="en-US" dirty="0" smtClean="0"/>
-              <a:t>/ p</a:t>
-            </a:r>
-            <a:r>
-              <a:rPr lang="en-US" dirty="0" smtClean="0"/>
-              <a:t>atch v</a:t>
-            </a:r>
-            <a:r>
-              <a:rPr lang="en-US" dirty="0" smtClean="0"/>
-              <a:t>oting</a:t>
-            </a:r>
-            <a:endParaRPr lang="en-US" dirty="0"/>
-          </a:p>
-        </p:txBody>
-      </p:sp>
-      <p:sp>
-        <p:nvSpPr>
-          <p:cNvPr id="3" name="Content Placeholder 2"/>
-          <p:cNvSpPr>
-            <a:spLocks noGrp="1"/>
-          </p:cNvSpPr>
-          <p:nvPr>
-            <p:ph idx="1"/>
-          </p:nvPr>
-        </p:nvSpPr>
-        <p:spPr>
-          <a:xfrm>
-            <a:off x="838200" y="1825625"/>
-            <a:ext cx="11353800" cy="4351338"/>
-          </a:xfrm>
-        </p:spPr>
-        <p:txBody>
-          <a:bodyPr/>
-          <a:lstStyle/>
-          <a:p>
-            <a:r>
-              <a:rPr lang="en-US" dirty="0" smtClean="0"/>
-              <a:t>Implicit Shape Model:         = {&lt;Object, x1, y1&gt;,…}. This is the same info as: </a:t>
-            </a:r>
-          </a:p>
-          <a:p>
-            <a:endParaRPr lang="en-US" dirty="0" smtClean="0"/>
-          </a:p>
-          <a:p>
-            <a:pPr marL="0" indent="0">
-              <a:buNone/>
-            </a:pPr>
-            <a:r>
-              <a:rPr lang="en-US" dirty="0" smtClean="0"/>
-              <a:t>=                                          = </a:t>
-            </a:r>
-          </a:p>
-          <a:p>
-            <a:endParaRPr lang="en-US" sz="1800" dirty="0" smtClean="0"/>
-          </a:p>
-          <a:p>
-            <a:endParaRPr lang="en-US" sz="1800" dirty="0" smtClean="0"/>
-          </a:p>
-          <a:p>
-            <a:r>
-              <a:rPr lang="en-US" sz="1800" dirty="0" smtClean="0"/>
-              <a:t>Each matched code-book entry for each Harris detected image-patch makes votes for </a:t>
-            </a:r>
-            <a:r>
-              <a:rPr lang="en-US" sz="1800" b="1" dirty="0" smtClean="0"/>
-              <a:t>objects</a:t>
-            </a:r>
-            <a:r>
-              <a:rPr lang="en-US" sz="1800" dirty="0" smtClean="0"/>
-              <a:t> &amp; their </a:t>
-            </a:r>
-            <a:r>
-              <a:rPr lang="en-US" sz="1800" b="1" dirty="0" smtClean="0"/>
-              <a:t>centers</a:t>
-            </a:r>
-            <a:endParaRPr lang="en-US" sz="1800" dirty="0"/>
-          </a:p>
-        </p:txBody>
-      </p:sp>
-      <p:pic>
-        <p:nvPicPr>
-          <p:cNvPr id="4" name="Picture 3"/>
-          <p:cNvPicPr>
-            <a:picLocks noChangeAspect="1"/>
-          </p:cNvPicPr>
-          <p:nvPr/>
-        </p:nvPicPr>
-        <p:blipFill>
-          <a:blip r:embed="rId3"/>
-          <a:stretch>
-            <a:fillRect/>
-          </a:stretch>
-        </p:blipFill>
-        <p:spPr>
-          <a:xfrm>
-            <a:off x="4390442" y="1825625"/>
-            <a:ext cx="586912" cy="575404"/>
-          </a:xfrm>
-          <a:prstGeom prst="rect">
-            <a:avLst/>
-          </a:prstGeom>
-        </p:spPr>
-      </p:pic>
-      <p:pic>
-        <p:nvPicPr>
-          <p:cNvPr id="6" name="Picture 5"/>
-          <p:cNvPicPr>
-            <a:picLocks noChangeAspect="1"/>
-          </p:cNvPicPr>
-          <p:nvPr/>
-        </p:nvPicPr>
-        <p:blipFill>
-          <a:blip r:embed="rId4"/>
-          <a:stretch>
-            <a:fillRect/>
-          </a:stretch>
-        </p:blipFill>
-        <p:spPr>
-          <a:xfrm>
-            <a:off x="1392719" y="2819478"/>
-            <a:ext cx="2846061" cy="1137366"/>
-          </a:xfrm>
-          <a:prstGeom prst="rect">
-            <a:avLst/>
-          </a:prstGeom>
-        </p:spPr>
-      </p:pic>
-      <p:pic>
-        <p:nvPicPr>
-          <p:cNvPr id="8" name="Picture 7"/>
-          <p:cNvPicPr>
-            <a:picLocks noChangeAspect="1"/>
-          </p:cNvPicPr>
-          <p:nvPr/>
-        </p:nvPicPr>
-        <p:blipFill>
-          <a:blip r:embed="rId5"/>
-          <a:stretch>
-            <a:fillRect/>
-          </a:stretch>
-        </p:blipFill>
-        <p:spPr>
-          <a:xfrm>
-            <a:off x="5552392" y="2807250"/>
-            <a:ext cx="2478049" cy="1011263"/>
-          </a:xfrm>
-          <a:prstGeom prst="rect">
-            <a:avLst/>
-          </a:prstGeom>
-        </p:spPr>
-      </p:pic>
-      <p:sp>
-        <p:nvSpPr>
-          <p:cNvPr id="9" name="TextBox 8"/>
-          <p:cNvSpPr txBox="1"/>
-          <p:nvPr/>
-        </p:nvSpPr>
-        <p:spPr>
-          <a:xfrm>
-            <a:off x="8142970" y="3157180"/>
-            <a:ext cx="779381" cy="261610"/>
-          </a:xfrm>
-          <a:prstGeom prst="rect">
-            <a:avLst/>
-          </a:prstGeom>
-          <a:noFill/>
-        </p:spPr>
-        <p:txBody>
-          <a:bodyPr wrap="none" rtlCol="0">
-            <a:spAutoFit/>
-          </a:bodyPr>
-          <a:lstStyle/>
-          <a:p>
-            <a:r>
-              <a:rPr lang="en-US" sz="1100" dirty="0" smtClean="0"/>
-              <a:t>Car center</a:t>
-            </a:r>
-            <a:endParaRPr lang="en-US" sz="1100" dirty="0"/>
-          </a:p>
-        </p:txBody>
-      </p:sp>
-      <p:sp>
-        <p:nvSpPr>
-          <p:cNvPr id="10" name="TextBox 9"/>
-          <p:cNvSpPr txBox="1"/>
-          <p:nvPr/>
-        </p:nvSpPr>
-        <p:spPr>
-          <a:xfrm>
-            <a:off x="5700114" y="2579083"/>
-            <a:ext cx="779381" cy="261610"/>
-          </a:xfrm>
-          <a:prstGeom prst="rect">
-            <a:avLst/>
-          </a:prstGeom>
-          <a:noFill/>
-        </p:spPr>
-        <p:txBody>
-          <a:bodyPr wrap="none" rtlCol="0">
-            <a:spAutoFit/>
-          </a:bodyPr>
-          <a:lstStyle/>
-          <a:p>
-            <a:r>
-              <a:rPr lang="en-US" sz="1100" dirty="0" smtClean="0"/>
-              <a:t>Car center</a:t>
-            </a:r>
-            <a:endParaRPr lang="en-US" sz="1100" dirty="0"/>
-          </a:p>
-        </p:txBody>
-      </p:sp>
-      <p:sp>
-        <p:nvSpPr>
-          <p:cNvPr id="11" name="TextBox 10"/>
-          <p:cNvSpPr txBox="1"/>
-          <p:nvPr/>
-        </p:nvSpPr>
-        <p:spPr>
-          <a:xfrm>
-            <a:off x="7406599" y="2629065"/>
-            <a:ext cx="779381" cy="261610"/>
-          </a:xfrm>
-          <a:prstGeom prst="rect">
-            <a:avLst/>
-          </a:prstGeom>
-          <a:noFill/>
-        </p:spPr>
-        <p:txBody>
-          <a:bodyPr wrap="none" rtlCol="0">
-            <a:spAutoFit/>
-          </a:bodyPr>
-          <a:lstStyle/>
-          <a:p>
-            <a:r>
-              <a:rPr lang="en-US" sz="1100" dirty="0" smtClean="0"/>
-              <a:t>Car center</a:t>
-            </a:r>
-            <a:endParaRPr lang="en-US" sz="1100" dirty="0"/>
-          </a:p>
-        </p:txBody>
-      </p:sp>
-      <p:sp>
-        <p:nvSpPr>
-          <p:cNvPr id="12" name="TextBox 11"/>
-          <p:cNvSpPr txBox="1"/>
-          <p:nvPr/>
-        </p:nvSpPr>
-        <p:spPr>
-          <a:xfrm>
-            <a:off x="3397741" y="2522186"/>
-            <a:ext cx="779381" cy="261610"/>
-          </a:xfrm>
-          <a:prstGeom prst="rect">
-            <a:avLst/>
-          </a:prstGeom>
-          <a:noFill/>
-        </p:spPr>
-        <p:txBody>
-          <a:bodyPr wrap="none" rtlCol="0">
-            <a:spAutoFit/>
-          </a:bodyPr>
-          <a:lstStyle/>
-          <a:p>
-            <a:r>
-              <a:rPr lang="en-US" sz="1100" dirty="0" smtClean="0"/>
-              <a:t>Car center</a:t>
-            </a:r>
-            <a:endParaRPr lang="en-US" sz="1100" dirty="0"/>
-          </a:p>
-        </p:txBody>
-      </p:sp>
-      <p:pic>
-        <p:nvPicPr>
-          <p:cNvPr id="16" name="Picture 15"/>
-          <p:cNvPicPr>
-            <a:picLocks noChangeAspect="1"/>
-          </p:cNvPicPr>
-          <p:nvPr/>
-        </p:nvPicPr>
-        <p:blipFill>
-          <a:blip r:embed="rId6">
-            <a:extLst>
-              <a:ext uri="{BEBA8EAE-BF5A-486C-A8C5-ECC9F3942E4B}">
-                <a14:imgProps xmlns:a14="http://schemas.microsoft.com/office/drawing/2010/main">
-                  <a14:imgLayer r:embed="rId7">
-                    <a14:imgEffect>
-                      <a14:backgroundRemoval t="10000" b="90000" l="10000" r="90000"/>
-                    </a14:imgEffect>
-                  </a14:imgLayer>
-                </a14:imgProps>
-              </a:ext>
-            </a:extLst>
-          </a:blip>
-          <a:stretch>
-            <a:fillRect/>
-          </a:stretch>
-        </p:blipFill>
-        <p:spPr>
-          <a:xfrm>
-            <a:off x="2403630" y="5056991"/>
-            <a:ext cx="3442755" cy="1404948"/>
-          </a:xfrm>
-          <a:prstGeom prst="rect">
-            <a:avLst/>
-          </a:prstGeom>
-        </p:spPr>
-      </p:pic>
-      <p:pic>
-        <p:nvPicPr>
-          <p:cNvPr id="14" name="Picture 13"/>
-          <p:cNvPicPr>
-            <a:picLocks noChangeAspect="1"/>
-          </p:cNvPicPr>
-          <p:nvPr/>
-        </p:nvPicPr>
-        <p:blipFill>
-          <a:blip r:embed="rId8"/>
-          <a:stretch>
-            <a:fillRect/>
-          </a:stretch>
-        </p:blipFill>
-        <p:spPr>
-          <a:xfrm>
-            <a:off x="3000684" y="6076059"/>
-            <a:ext cx="462159" cy="537104"/>
-          </a:xfrm>
-          <a:prstGeom prst="rect">
-            <a:avLst/>
-          </a:prstGeom>
-        </p:spPr>
-      </p:pic>
-      <p:cxnSp>
-        <p:nvCxnSpPr>
-          <p:cNvPr id="18" name="Straight Arrow Connector 17"/>
-          <p:cNvCxnSpPr>
-            <a:stCxn id="14" idx="3"/>
-          </p:cNvCxnSpPr>
-          <p:nvPr/>
-        </p:nvCxnSpPr>
-        <p:spPr>
-          <a:xfrm flipV="1">
-            <a:off x="3462843" y="5398990"/>
-            <a:ext cx="184314" cy="945621"/>
-          </a:xfrm>
-          <a:prstGeom prst="straightConnector1">
-            <a:avLst/>
-          </a:prstGeom>
-          <a:ln>
-            <a:tailEnd type="triangle"/>
-          </a:ln>
-        </p:spPr>
-        <p:style>
-          <a:lnRef idx="3">
-            <a:schemeClr val="accent2"/>
-          </a:lnRef>
-          <a:fillRef idx="0">
-            <a:schemeClr val="accent2"/>
-          </a:fillRef>
-          <a:effectRef idx="2">
-            <a:schemeClr val="accent2"/>
-          </a:effectRef>
-          <a:fontRef idx="minor">
-            <a:schemeClr val="tx1"/>
-          </a:fontRef>
-        </p:style>
-      </p:cxnSp>
-      <p:sp>
-        <p:nvSpPr>
-          <p:cNvPr id="21" name="TextBox 20"/>
-          <p:cNvSpPr txBox="1"/>
-          <p:nvPr/>
-        </p:nvSpPr>
-        <p:spPr>
-          <a:xfrm>
-            <a:off x="1392719" y="5110376"/>
-            <a:ext cx="1154675" cy="369332"/>
-          </a:xfrm>
-          <a:prstGeom prst="rect">
-            <a:avLst/>
-          </a:prstGeom>
-          <a:noFill/>
-        </p:spPr>
-        <p:txBody>
-          <a:bodyPr wrap="none" rtlCol="0">
-            <a:spAutoFit/>
-          </a:bodyPr>
-          <a:lstStyle/>
-          <a:p>
-            <a:r>
-              <a:rPr lang="en-US" dirty="0" smtClean="0"/>
-              <a:t>Car center</a:t>
-            </a:r>
-            <a:endParaRPr lang="en-US" dirty="0"/>
-          </a:p>
-        </p:txBody>
-      </p:sp>
-      <p:sp>
-        <p:nvSpPr>
-          <p:cNvPr id="22" name="TextBox 21"/>
-          <p:cNvSpPr txBox="1"/>
-          <p:nvPr/>
-        </p:nvSpPr>
-        <p:spPr>
-          <a:xfrm>
-            <a:off x="5224010" y="5305874"/>
-            <a:ext cx="1154675" cy="369332"/>
-          </a:xfrm>
-          <a:prstGeom prst="rect">
-            <a:avLst/>
-          </a:prstGeom>
-          <a:noFill/>
-        </p:spPr>
-        <p:txBody>
-          <a:bodyPr wrap="none" rtlCol="0">
-            <a:spAutoFit/>
-          </a:bodyPr>
-          <a:lstStyle/>
-          <a:p>
-            <a:r>
-              <a:rPr lang="en-US" dirty="0" smtClean="0"/>
-              <a:t>Car center</a:t>
-            </a:r>
-            <a:endParaRPr lang="en-US" dirty="0"/>
-          </a:p>
-        </p:txBody>
-      </p:sp>
-      <p:sp>
-        <p:nvSpPr>
-          <p:cNvPr id="23" name="TextBox 22"/>
-          <p:cNvSpPr txBox="1"/>
-          <p:nvPr/>
-        </p:nvSpPr>
-        <p:spPr>
-          <a:xfrm>
-            <a:off x="4033226" y="5319697"/>
-            <a:ext cx="1154675" cy="369332"/>
-          </a:xfrm>
-          <a:prstGeom prst="rect">
-            <a:avLst/>
-          </a:prstGeom>
-          <a:noFill/>
-        </p:spPr>
-        <p:txBody>
-          <a:bodyPr wrap="none" rtlCol="0">
-            <a:spAutoFit/>
-          </a:bodyPr>
-          <a:lstStyle/>
-          <a:p>
-            <a:r>
-              <a:rPr lang="en-US" dirty="0" smtClean="0"/>
-              <a:t>Car center</a:t>
-            </a:r>
-            <a:endParaRPr lang="en-US" dirty="0"/>
-          </a:p>
-        </p:txBody>
-      </p:sp>
-      <p:sp>
-        <p:nvSpPr>
-          <p:cNvPr id="24" name="TextBox 23"/>
-          <p:cNvSpPr txBox="1"/>
-          <p:nvPr/>
-        </p:nvSpPr>
-        <p:spPr>
-          <a:xfrm>
-            <a:off x="2988822" y="5000094"/>
-            <a:ext cx="1249958" cy="369332"/>
-          </a:xfrm>
-          <a:prstGeom prst="rect">
-            <a:avLst/>
-          </a:prstGeom>
-          <a:noFill/>
-        </p:spPr>
-        <p:txBody>
-          <a:bodyPr wrap="none" rtlCol="0">
-            <a:spAutoFit/>
-          </a:bodyPr>
-          <a:lstStyle/>
-          <a:p>
-            <a:r>
-              <a:rPr lang="en-US" dirty="0" smtClean="0"/>
-              <a:t>Cow center</a:t>
-            </a:r>
-            <a:endParaRPr lang="en-US" dirty="0"/>
-          </a:p>
-        </p:txBody>
-      </p:sp>
-      <p:cxnSp>
-        <p:nvCxnSpPr>
-          <p:cNvPr id="29" name="Straight Arrow Connector 28"/>
-          <p:cNvCxnSpPr/>
-          <p:nvPr/>
-        </p:nvCxnSpPr>
-        <p:spPr>
-          <a:xfrm flipV="1">
-            <a:off x="3462843" y="5630120"/>
-            <a:ext cx="927599" cy="300345"/>
-          </a:xfrm>
-          <a:prstGeom prst="straightConnector1">
-            <a:avLst/>
-          </a:prstGeom>
-          <a:ln>
-            <a:tailEnd type="triangle"/>
-          </a:ln>
-        </p:spPr>
-        <p:style>
-          <a:lnRef idx="3">
-            <a:schemeClr val="accent4"/>
-          </a:lnRef>
-          <a:fillRef idx="0">
-            <a:schemeClr val="accent4"/>
-          </a:fillRef>
-          <a:effectRef idx="2">
-            <a:schemeClr val="accent4"/>
-          </a:effectRef>
-          <a:fontRef idx="minor">
-            <a:schemeClr val="tx1"/>
-          </a:fontRef>
-        </p:style>
-      </p:cxnSp>
-      <p:cxnSp>
-        <p:nvCxnSpPr>
-          <p:cNvPr id="32" name="Straight Arrow Connector 31"/>
-          <p:cNvCxnSpPr/>
-          <p:nvPr/>
-        </p:nvCxnSpPr>
-        <p:spPr>
-          <a:xfrm flipV="1">
-            <a:off x="3469768" y="5611654"/>
-            <a:ext cx="2076899" cy="460050"/>
-          </a:xfrm>
-          <a:prstGeom prst="straightConnector1">
-            <a:avLst/>
-          </a:prstGeom>
-          <a:ln>
-            <a:tailEnd type="triangle"/>
-          </a:ln>
-        </p:spPr>
-        <p:style>
-          <a:lnRef idx="3">
-            <a:schemeClr val="accent4"/>
-          </a:lnRef>
-          <a:fillRef idx="0">
-            <a:schemeClr val="accent4"/>
-          </a:fillRef>
-          <a:effectRef idx="2">
-            <a:schemeClr val="accent4"/>
-          </a:effectRef>
-          <a:fontRef idx="minor">
-            <a:schemeClr val="tx1"/>
-          </a:fontRef>
-        </p:style>
-      </p:cxnSp>
-      <p:cxnSp>
-        <p:nvCxnSpPr>
-          <p:cNvPr id="35" name="Straight Arrow Connector 34"/>
-          <p:cNvCxnSpPr>
-            <a:endCxn id="21" idx="2"/>
-          </p:cNvCxnSpPr>
-          <p:nvPr/>
-        </p:nvCxnSpPr>
-        <p:spPr>
-          <a:xfrm flipH="1" flipV="1">
-            <a:off x="1970057" y="5479708"/>
-            <a:ext cx="943128" cy="420164"/>
-          </a:xfrm>
-          <a:prstGeom prst="straightConnector1">
-            <a:avLst/>
-          </a:prstGeom>
-          <a:ln>
-            <a:tailEnd type="triangle"/>
-          </a:ln>
-        </p:spPr>
-        <p:style>
-          <a:lnRef idx="3">
-            <a:schemeClr val="accent4"/>
-          </a:lnRef>
-          <a:fillRef idx="0">
-            <a:schemeClr val="accent4"/>
-          </a:fillRef>
-          <a:effectRef idx="2">
-            <a:schemeClr val="accent4"/>
-          </a:effectRef>
-          <a:fontRef idx="minor">
-            <a:schemeClr val="tx1"/>
-          </a:fontRef>
-        </p:style>
-      </p:cxnSp>
-    </p:spTree>
-    <p:extLst>
-      <p:ext uri="{BB962C8B-B14F-4D97-AF65-F5344CB8AC3E}">
-        <p14:creationId xmlns:p14="http://schemas.microsoft.com/office/powerpoint/2010/main" val="2064220409"/>
       </p:ext>
     </p:extLst>
   </p:cSld>

--- a/sources/Leibe_Categorize_Segment.pptx
+++ b/sources/Leibe_Categorize_Segment.pptx
@@ -7459,8 +7459,25 @@
           <a:p>
             <a:r>
               <a:rPr lang="en-US" dirty="0" smtClean="0"/>
-              <a:t>Traditionally (back then), no segmentation information used in object categorization. </a:t>
-            </a:r>
+              <a:t>Traditionally (back then), no </a:t>
+            </a:r>
+            <a:r>
+              <a:rPr lang="en-US" dirty="0" smtClean="0"/>
+              <a:t>object </a:t>
+            </a:r>
+            <a:r>
+              <a:rPr lang="en-US" dirty="0" smtClean="0"/>
+              <a:t>information </a:t>
+            </a:r>
+            <a:r>
+              <a:rPr lang="en-US" dirty="0" smtClean="0"/>
+              <a:t>used </a:t>
+            </a:r>
+            <a:r>
+              <a:rPr lang="en-US" smtClean="0"/>
+              <a:t>in segmentation.</a:t>
+            </a:r>
+            <a:endParaRPr lang="en-US" dirty="0" smtClean="0"/>
           </a:p>
           <a:p>
             <a:r>

--- a/sources/Leibe_Categorize_Segment.pptx
+++ b/sources/Leibe_Categorize_Segment.pptx
@@ -7474,7 +7474,7 @@
               <a:t>used </a:t>
             </a:r>
             <a:r>
-              <a:rPr lang="en-US" smtClean="0"/>
+              <a:rPr lang="en-US" dirty="0" smtClean="0"/>
               <a:t>in segmentation.</a:t>
             </a:r>
             <a:endParaRPr lang="en-US" dirty="0" smtClean="0"/>
@@ -8197,8 +8197,12 @@
           <a:lstStyle/>
           <a:p>
             <a:r>
+              <a:rPr lang="en-US" b="1" smtClean="0"/>
+              <a:t>Scene </a:t>
+            </a:r>
+            <a:r>
               <a:rPr lang="en-US" b="1" dirty="0" smtClean="0"/>
-              <a:t>Object Hypotheses + </a:t>
+              <a:t>Hypotheses + </a:t>
             </a:r>
           </a:p>
           <a:p>
